--- a/module_01/pres.pptx
+++ b/module_01/pres.pptx
@@ -5,7 +5,7 @@
     <p:sldMasterId id="2147483648" r:id="rId1"/>
   </p:sldMasterIdLst>
   <p:notesMasterIdLst>
-    <p:notesMasterId r:id="rId15"/>
+    <p:notesMasterId r:id="rId19"/>
   </p:notesMasterIdLst>
   <p:sldIdLst>
     <p:sldId id="256" r:id="rId2"/>
@@ -16,11 +16,15 @@
     <p:sldId id="268" r:id="rId7"/>
     <p:sldId id="261" r:id="rId8"/>
     <p:sldId id="262" r:id="rId9"/>
-    <p:sldId id="263" r:id="rId10"/>
-    <p:sldId id="264" r:id="rId11"/>
-    <p:sldId id="265" r:id="rId12"/>
-    <p:sldId id="269" r:id="rId13"/>
-    <p:sldId id="266" r:id="rId14"/>
+    <p:sldId id="270" r:id="rId10"/>
+    <p:sldId id="272" r:id="rId11"/>
+    <p:sldId id="263" r:id="rId12"/>
+    <p:sldId id="264" r:id="rId13"/>
+    <p:sldId id="265" r:id="rId14"/>
+    <p:sldId id="271" r:id="rId15"/>
+    <p:sldId id="273" r:id="rId16"/>
+    <p:sldId id="269" r:id="rId17"/>
+    <p:sldId id="266" r:id="rId18"/>
   </p:sldIdLst>
   <p:sldSz cx="12192000" cy="6858000"/>
   <p:notesSz cx="6858000" cy="9144000"/>
@@ -132,7 +136,7 @@
   <pc:docChgLst>
     <pc:chgData name="Мария Савинова" userId="e24eaf7e9b1ed84c" providerId="LiveId" clId="{FBA2780E-5BE6-4AEE-8C8C-EA7D3EE18985}"/>
     <pc:docChg chg="undo redo custSel addSld delSld modSld sldOrd">
-      <pc:chgData name="Мария Савинова" userId="e24eaf7e9b1ed84c" providerId="LiveId" clId="{FBA2780E-5BE6-4AEE-8C8C-EA7D3EE18985}" dt="2024-09-20T23:12:15.933" v="1725" actId="20577"/>
+      <pc:chgData name="Мария Савинова" userId="e24eaf7e9b1ed84c" providerId="LiveId" clId="{FBA2780E-5BE6-4AEE-8C8C-EA7D3EE18985}" dt="2024-09-23T14:03:41.281" v="2951"/>
       <pc:docMkLst>
         <pc:docMk/>
       </pc:docMkLst>
@@ -167,7 +171,7 @@
         </pc:spChg>
       </pc:sldChg>
       <pc:sldChg chg="addSp delSp modSp mod">
-        <pc:chgData name="Мария Савинова" userId="e24eaf7e9b1ed84c" providerId="LiveId" clId="{FBA2780E-5BE6-4AEE-8C8C-EA7D3EE18985}" dt="2024-09-20T22:44:32.202" v="1121"/>
+        <pc:chgData name="Мария Савинова" userId="e24eaf7e9b1ed84c" providerId="LiveId" clId="{FBA2780E-5BE6-4AEE-8C8C-EA7D3EE18985}" dt="2024-09-23T14:01:58.412" v="2927" actId="20577"/>
         <pc:sldMkLst>
           <pc:docMk/>
           <pc:sldMk cId="742912908" sldId="258"/>
@@ -181,7 +185,7 @@
           </ac:spMkLst>
         </pc:spChg>
         <pc:spChg chg="mod">
-          <ac:chgData name="Мария Савинова" userId="e24eaf7e9b1ed84c" providerId="LiveId" clId="{FBA2780E-5BE6-4AEE-8C8C-EA7D3EE18985}" dt="2024-09-20T22:21:42.385" v="428" actId="20577"/>
+          <ac:chgData name="Мария Савинова" userId="e24eaf7e9b1ed84c" providerId="LiveId" clId="{FBA2780E-5BE6-4AEE-8C8C-EA7D3EE18985}" dt="2024-09-23T14:01:58.412" v="2927" actId="20577"/>
           <ac:spMkLst>
             <pc:docMk/>
             <pc:sldMk cId="742912908" sldId="258"/>
@@ -214,7 +218,7 @@
         </pc:spChg>
       </pc:sldChg>
       <pc:sldChg chg="modSp add mod">
-        <pc:chgData name="Мария Савинова" userId="e24eaf7e9b1ed84c" providerId="LiveId" clId="{FBA2780E-5BE6-4AEE-8C8C-EA7D3EE18985}" dt="2024-09-20T22:23:41.470" v="578" actId="20577"/>
+        <pc:chgData name="Мария Савинова" userId="e24eaf7e9b1ed84c" providerId="LiveId" clId="{FBA2780E-5BE6-4AEE-8C8C-EA7D3EE18985}" dt="2024-09-23T14:02:05.745" v="2928" actId="20577"/>
         <pc:sldMkLst>
           <pc:docMk/>
           <pc:sldMk cId="2839600060" sldId="259"/>
@@ -228,7 +232,7 @@
           </ac:spMkLst>
         </pc:spChg>
         <pc:spChg chg="mod">
-          <ac:chgData name="Мария Савинова" userId="e24eaf7e9b1ed84c" providerId="LiveId" clId="{FBA2780E-5BE6-4AEE-8C8C-EA7D3EE18985}" dt="2024-09-20T22:23:41.470" v="578" actId="20577"/>
+          <ac:chgData name="Мария Савинова" userId="e24eaf7e9b1ed84c" providerId="LiveId" clId="{FBA2780E-5BE6-4AEE-8C8C-EA7D3EE18985}" dt="2024-09-23T14:02:05.745" v="2928" actId="20577"/>
           <ac:spMkLst>
             <pc:docMk/>
             <pc:sldMk cId="2839600060" sldId="259"/>
@@ -237,7 +241,7 @@
         </pc:spChg>
       </pc:sldChg>
       <pc:sldChg chg="addSp delSp modSp add mod">
-        <pc:chgData name="Мария Савинова" userId="e24eaf7e9b1ed84c" providerId="LiveId" clId="{FBA2780E-5BE6-4AEE-8C8C-EA7D3EE18985}" dt="2024-09-20T22:27:25.744" v="739" actId="207"/>
+        <pc:chgData name="Мария Савинова" userId="e24eaf7e9b1ed84c" providerId="LiveId" clId="{FBA2780E-5BE6-4AEE-8C8C-EA7D3EE18985}" dt="2024-09-23T14:02:16.177" v="2932" actId="20577"/>
         <pc:sldMkLst>
           <pc:docMk/>
           <pc:sldMk cId="1758739892" sldId="260"/>
@@ -251,11 +255,19 @@
           </ac:spMkLst>
         </pc:spChg>
         <pc:spChg chg="mod">
-          <ac:chgData name="Мария Савинова" userId="e24eaf7e9b1ed84c" providerId="LiveId" clId="{FBA2780E-5BE6-4AEE-8C8C-EA7D3EE18985}" dt="2024-09-20T22:27:25.744" v="739" actId="207"/>
+          <ac:chgData name="Мария Савинова" userId="e24eaf7e9b1ed84c" providerId="LiveId" clId="{FBA2780E-5BE6-4AEE-8C8C-EA7D3EE18985}" dt="2024-09-23T14:02:16.177" v="2932" actId="20577"/>
           <ac:spMkLst>
             <pc:docMk/>
             <pc:sldMk cId="1758739892" sldId="260"/>
             <ac:spMk id="3" creationId="{00000000-0000-0000-0000-000000000000}"/>
+          </ac:spMkLst>
+        </pc:spChg>
+        <pc:spChg chg="mod">
+          <ac:chgData name="Мария Савинова" userId="e24eaf7e9b1ed84c" providerId="LiveId" clId="{FBA2780E-5BE6-4AEE-8C8C-EA7D3EE18985}" dt="2024-09-23T08:20:51.586" v="1942" actId="2711"/>
+          <ac:spMkLst>
+            <pc:docMk/>
+            <pc:sldMk cId="1758739892" sldId="260"/>
+            <ac:spMk id="4" creationId="{00000000-0000-0000-0000-000000000000}"/>
           </ac:spMkLst>
         </pc:spChg>
         <pc:spChg chg="add del mod">
@@ -292,7 +304,7 @@
         </pc:spChg>
       </pc:sldChg>
       <pc:sldChg chg="addSp delSp modSp add mod">
-        <pc:chgData name="Мария Савинова" userId="e24eaf7e9b1ed84c" providerId="LiveId" clId="{FBA2780E-5BE6-4AEE-8C8C-EA7D3EE18985}" dt="2024-09-20T23:04:42.008" v="1579" actId="207"/>
+        <pc:chgData name="Мария Савинова" userId="e24eaf7e9b1ed84c" providerId="LiveId" clId="{FBA2780E-5BE6-4AEE-8C8C-EA7D3EE18985}" dt="2024-09-23T08:21:07.949" v="1944" actId="2711"/>
         <pc:sldMkLst>
           <pc:docMk/>
           <pc:sldMk cId="600860783" sldId="261"/>
@@ -311,6 +323,14 @@
             <pc:docMk/>
             <pc:sldMk cId="600860783" sldId="261"/>
             <ac:spMk id="3" creationId="{00000000-0000-0000-0000-000000000000}"/>
+          </ac:spMkLst>
+        </pc:spChg>
+        <pc:spChg chg="mod">
+          <ac:chgData name="Мария Савинова" userId="e24eaf7e9b1ed84c" providerId="LiveId" clId="{FBA2780E-5BE6-4AEE-8C8C-EA7D3EE18985}" dt="2024-09-23T08:21:07.949" v="1944" actId="2711"/>
+          <ac:spMkLst>
+            <pc:docMk/>
+            <pc:sldMk cId="600860783" sldId="261"/>
+            <ac:spMk id="4" creationId="{00000000-0000-0000-0000-000000000000}"/>
           </ac:spMkLst>
         </pc:spChg>
         <pc:spChg chg="add del mod">
@@ -371,7 +391,7 @@
         </pc:picChg>
       </pc:sldChg>
       <pc:sldChg chg="addSp delSp modSp add mod">
-        <pc:chgData name="Мария Савинова" userId="e24eaf7e9b1ed84c" providerId="LiveId" clId="{FBA2780E-5BE6-4AEE-8C8C-EA7D3EE18985}" dt="2024-09-20T22:52:50.831" v="1311" actId="113"/>
+        <pc:chgData name="Мария Савинова" userId="e24eaf7e9b1ed84c" providerId="LiveId" clId="{FBA2780E-5BE6-4AEE-8C8C-EA7D3EE18985}" dt="2024-09-23T14:03:06.125" v="2948" actId="20577"/>
         <pc:sldMkLst>
           <pc:docMk/>
           <pc:sldMk cId="2293707358" sldId="262"/>
@@ -385,23 +405,23 @@
           </ac:spMkLst>
         </pc:spChg>
         <pc:spChg chg="mod">
-          <ac:chgData name="Мария Савинова" userId="e24eaf7e9b1ed84c" providerId="LiveId" clId="{FBA2780E-5BE6-4AEE-8C8C-EA7D3EE18985}" dt="2024-09-20T22:52:50.831" v="1311" actId="113"/>
+          <ac:chgData name="Мария Савинова" userId="e24eaf7e9b1ed84c" providerId="LiveId" clId="{FBA2780E-5BE6-4AEE-8C8C-EA7D3EE18985}" dt="2024-09-23T14:03:06.125" v="2948" actId="20577"/>
           <ac:spMkLst>
             <pc:docMk/>
             <pc:sldMk cId="2293707358" sldId="262"/>
             <ac:spMk id="3" creationId="{00000000-0000-0000-0000-000000000000}"/>
           </ac:spMkLst>
         </pc:spChg>
-        <pc:spChg chg="add mod">
-          <ac:chgData name="Мария Савинова" userId="e24eaf7e9b1ed84c" providerId="LiveId" clId="{FBA2780E-5BE6-4AEE-8C8C-EA7D3EE18985}" dt="2024-09-20T22:51:50.488" v="1291" actId="1076"/>
+        <pc:spChg chg="add del mod">
+          <ac:chgData name="Мария Савинова" userId="e24eaf7e9b1ed84c" providerId="LiveId" clId="{FBA2780E-5BE6-4AEE-8C8C-EA7D3EE18985}" dt="2024-09-23T08:39:08.653" v="2004" actId="478"/>
           <ac:spMkLst>
             <pc:docMk/>
             <pc:sldMk cId="2293707358" sldId="262"/>
             <ac:spMk id="8" creationId="{D4C95291-2C23-4352-BCC0-5C4F93100524}"/>
           </ac:spMkLst>
         </pc:spChg>
-        <pc:spChg chg="add mod">
-          <ac:chgData name="Мария Савинова" userId="e24eaf7e9b1ed84c" providerId="LiveId" clId="{FBA2780E-5BE6-4AEE-8C8C-EA7D3EE18985}" dt="2024-09-20T22:51:56.993" v="1292" actId="1076"/>
+        <pc:spChg chg="add del mod">
+          <ac:chgData name="Мария Савинова" userId="e24eaf7e9b1ed84c" providerId="LiveId" clId="{FBA2780E-5BE6-4AEE-8C8C-EA7D3EE18985}" dt="2024-09-23T08:39:10.841" v="2005" actId="478"/>
           <ac:spMkLst>
             <pc:docMk/>
             <pc:sldMk cId="2293707358" sldId="262"/>
@@ -418,7 +438,7 @@
         </pc:spChg>
       </pc:sldChg>
       <pc:sldChg chg="addSp modSp add mod">
-        <pc:chgData name="Мария Савинова" userId="e24eaf7e9b1ed84c" providerId="LiveId" clId="{FBA2780E-5BE6-4AEE-8C8C-EA7D3EE18985}" dt="2024-09-20T23:12:15.933" v="1725" actId="20577"/>
+        <pc:chgData name="Мария Савинова" userId="e24eaf7e9b1ed84c" providerId="LiveId" clId="{FBA2780E-5BE6-4AEE-8C8C-EA7D3EE18985}" dt="2024-09-23T14:03:19.646" v="2949"/>
         <pc:sldMkLst>
           <pc:docMk/>
           <pc:sldMk cId="3632604304" sldId="263"/>
@@ -432,23 +452,39 @@
           </ac:spMkLst>
         </pc:spChg>
         <pc:spChg chg="mod">
-          <ac:chgData name="Мария Савинова" userId="e24eaf7e9b1ed84c" providerId="LiveId" clId="{FBA2780E-5BE6-4AEE-8C8C-EA7D3EE18985}" dt="2024-09-20T22:58:36.520" v="1427" actId="20577"/>
+          <ac:chgData name="Мария Савинова" userId="e24eaf7e9b1ed84c" providerId="LiveId" clId="{FBA2780E-5BE6-4AEE-8C8C-EA7D3EE18985}" dt="2024-09-23T13:49:24.098" v="2726" actId="20577"/>
           <ac:spMkLst>
             <pc:docMk/>
             <pc:sldMk cId="3632604304" sldId="263"/>
             <ac:spMk id="3" creationId="{00000000-0000-0000-0000-000000000000}"/>
           </ac:spMkLst>
         </pc:spChg>
+        <pc:spChg chg="mod">
+          <ac:chgData name="Мария Савинова" userId="e24eaf7e9b1ed84c" providerId="LiveId" clId="{FBA2780E-5BE6-4AEE-8C8C-EA7D3EE18985}" dt="2024-09-23T08:20:45.596" v="1941" actId="2711"/>
+          <ac:spMkLst>
+            <pc:docMk/>
+            <pc:sldMk cId="3632604304" sldId="263"/>
+            <ac:spMk id="4" creationId="{00000000-0000-0000-0000-000000000000}"/>
+          </ac:spMkLst>
+        </pc:spChg>
         <pc:spChg chg="add mod">
-          <ac:chgData name="Мария Савинова" userId="e24eaf7e9b1ed84c" providerId="LiveId" clId="{FBA2780E-5BE6-4AEE-8C8C-EA7D3EE18985}" dt="2024-09-20T23:12:15.933" v="1725" actId="20577"/>
+          <ac:chgData name="Мария Савинова" userId="e24eaf7e9b1ed84c" providerId="LiveId" clId="{FBA2780E-5BE6-4AEE-8C8C-EA7D3EE18985}" dt="2024-09-23T14:03:19.646" v="2949"/>
           <ac:spMkLst>
             <pc:docMk/>
             <pc:sldMk cId="3632604304" sldId="263"/>
             <ac:spMk id="10" creationId="{06F7FA00-9462-463A-82F0-CF3D67B70160}"/>
           </ac:spMkLst>
         </pc:spChg>
+        <pc:spChg chg="add mod">
+          <ac:chgData name="Мария Савинова" userId="e24eaf7e9b1ed84c" providerId="LiveId" clId="{FBA2780E-5BE6-4AEE-8C8C-EA7D3EE18985}" dt="2024-09-23T13:39:01.682" v="2402" actId="207"/>
+          <ac:spMkLst>
+            <pc:docMk/>
+            <pc:sldMk cId="3632604304" sldId="263"/>
+            <ac:spMk id="11" creationId="{0E686081-C68F-4292-B742-E5FC2F20847F}"/>
+          </ac:spMkLst>
+        </pc:spChg>
         <pc:picChg chg="add mod">
-          <ac:chgData name="Мария Савинова" userId="e24eaf7e9b1ed84c" providerId="LiveId" clId="{FBA2780E-5BE6-4AEE-8C8C-EA7D3EE18985}" dt="2024-09-20T22:58:41.936" v="1428" actId="1076"/>
+          <ac:chgData name="Мария Савинова" userId="e24eaf7e9b1ed84c" providerId="LiveId" clId="{FBA2780E-5BE6-4AEE-8C8C-EA7D3EE18985}" dt="2024-09-23T08:42:35.716" v="2134" actId="1076"/>
           <ac:picMkLst>
             <pc:docMk/>
             <pc:sldMk cId="3632604304" sldId="263"/>
@@ -457,13 +493,13 @@
         </pc:picChg>
       </pc:sldChg>
       <pc:sldChg chg="modSp add mod">
-        <pc:chgData name="Мария Савинова" userId="e24eaf7e9b1ed84c" providerId="LiveId" clId="{FBA2780E-5BE6-4AEE-8C8C-EA7D3EE18985}" dt="2024-09-20T23:10:04.854" v="1706" actId="113"/>
+        <pc:chgData name="Мария Савинова" userId="e24eaf7e9b1ed84c" providerId="LiveId" clId="{FBA2780E-5BE6-4AEE-8C8C-EA7D3EE18985}" dt="2024-09-23T14:03:27.960" v="2950"/>
         <pc:sldMkLst>
           <pc:docMk/>
           <pc:sldMk cId="36148254" sldId="264"/>
         </pc:sldMkLst>
         <pc:spChg chg="mod">
-          <ac:chgData name="Мария Савинова" userId="e24eaf7e9b1ed84c" providerId="LiveId" clId="{FBA2780E-5BE6-4AEE-8C8C-EA7D3EE18985}" dt="2024-09-20T23:00:42.161" v="1492" actId="255"/>
+          <ac:chgData name="Мария Савинова" userId="e24eaf7e9b1ed84c" providerId="LiveId" clId="{FBA2780E-5BE6-4AEE-8C8C-EA7D3EE18985}" dt="2024-09-23T13:38:38.254" v="2400" actId="20577"/>
           <ac:spMkLst>
             <pc:docMk/>
             <pc:sldMk cId="36148254" sldId="264"/>
@@ -471,7 +507,7 @@
           </ac:spMkLst>
         </pc:spChg>
         <pc:spChg chg="mod">
-          <ac:chgData name="Мария Савинова" userId="e24eaf7e9b1ed84c" providerId="LiveId" clId="{FBA2780E-5BE6-4AEE-8C8C-EA7D3EE18985}" dt="2024-09-20T23:10:04.854" v="1706" actId="113"/>
+          <ac:chgData name="Мария Савинова" userId="e24eaf7e9b1ed84c" providerId="LiveId" clId="{FBA2780E-5BE6-4AEE-8C8C-EA7D3EE18985}" dt="2024-09-23T14:03:27.960" v="2950"/>
           <ac:spMkLst>
             <pc:docMk/>
             <pc:sldMk cId="36148254" sldId="264"/>
@@ -479,8 +515,8 @@
           </ac:spMkLst>
         </pc:spChg>
       </pc:sldChg>
-      <pc:sldChg chg="addSp modSp add mod">
-        <pc:chgData name="Мария Савинова" userId="e24eaf7e9b1ed84c" providerId="LiveId" clId="{FBA2780E-5BE6-4AEE-8C8C-EA7D3EE18985}" dt="2024-09-20T23:07:08.743" v="1649" actId="113"/>
+      <pc:sldChg chg="addSp delSp modSp add mod">
+        <pc:chgData name="Мария Савинова" userId="e24eaf7e9b1ed84c" providerId="LiveId" clId="{FBA2780E-5BE6-4AEE-8C8C-EA7D3EE18985}" dt="2024-09-23T14:03:41.281" v="2951"/>
         <pc:sldMkLst>
           <pc:docMk/>
           <pc:sldMk cId="2299204813" sldId="265"/>
@@ -494,27 +530,43 @@
           </ac:spMkLst>
         </pc:spChg>
         <pc:spChg chg="mod">
-          <ac:chgData name="Мария Савинова" userId="e24eaf7e9b1ed84c" providerId="LiveId" clId="{FBA2780E-5BE6-4AEE-8C8C-EA7D3EE18985}" dt="2024-09-20T23:07:08.743" v="1649" actId="113"/>
+          <ac:chgData name="Мария Савинова" userId="e24eaf7e9b1ed84c" providerId="LiveId" clId="{FBA2780E-5BE6-4AEE-8C8C-EA7D3EE18985}" dt="2024-09-23T14:03:41.281" v="2951"/>
           <ac:spMkLst>
             <pc:docMk/>
             <pc:sldMk cId="2299204813" sldId="265"/>
             <ac:spMk id="3" creationId="{00000000-0000-0000-0000-000000000000}"/>
           </ac:spMkLst>
         </pc:spChg>
-        <pc:spChg chg="add mod">
-          <ac:chgData name="Мария Савинова" userId="e24eaf7e9b1ed84c" providerId="LiveId" clId="{FBA2780E-5BE6-4AEE-8C8C-EA7D3EE18985}" dt="2024-09-20T23:06:35.833" v="1637" actId="1076"/>
+        <pc:spChg chg="add del mod">
+          <ac:chgData name="Мария Савинова" userId="e24eaf7e9b1ed84c" providerId="LiveId" clId="{FBA2780E-5BE6-4AEE-8C8C-EA7D3EE18985}" dt="2024-09-23T13:46:24.868" v="2585"/>
+          <ac:spMkLst>
+            <pc:docMk/>
+            <pc:sldMk cId="2299204813" sldId="265"/>
+            <ac:spMk id="6" creationId="{DFD64BB7-3ADF-4F6F-B34B-E853B4C08AB8}"/>
+          </ac:spMkLst>
+        </pc:spChg>
+        <pc:spChg chg="add del mod">
+          <ac:chgData name="Мария Савинова" userId="e24eaf7e9b1ed84c" providerId="LiveId" clId="{FBA2780E-5BE6-4AEE-8C8C-EA7D3EE18985}" dt="2024-09-23T13:45:59.652" v="2579" actId="478"/>
           <ac:spMkLst>
             <pc:docMk/>
             <pc:sldMk cId="2299204813" sldId="265"/>
             <ac:spMk id="8" creationId="{957AA84F-8897-4933-85BC-FB0080066665}"/>
           </ac:spMkLst>
         </pc:spChg>
-        <pc:spChg chg="add mod">
-          <ac:chgData name="Мария Савинова" userId="e24eaf7e9b1ed84c" providerId="LiveId" clId="{FBA2780E-5BE6-4AEE-8C8C-EA7D3EE18985}" dt="2024-09-20T23:06:32.441" v="1636" actId="20577"/>
+        <pc:spChg chg="add del mod">
+          <ac:chgData name="Мария Савинова" userId="e24eaf7e9b1ed84c" providerId="LiveId" clId="{FBA2780E-5BE6-4AEE-8C8C-EA7D3EE18985}" dt="2024-09-23T13:46:01.733" v="2580" actId="478"/>
           <ac:spMkLst>
             <pc:docMk/>
             <pc:sldMk cId="2299204813" sldId="265"/>
             <ac:spMk id="9" creationId="{791872D6-869B-4CA8-8997-4959251037CA}"/>
+          </ac:spMkLst>
+        </pc:spChg>
+        <pc:spChg chg="add del mod">
+          <ac:chgData name="Мария Савинова" userId="e24eaf7e9b1ed84c" providerId="LiveId" clId="{FBA2780E-5BE6-4AEE-8C8C-EA7D3EE18985}" dt="2024-09-23T13:46:24.868" v="2585"/>
+          <ac:spMkLst>
+            <pc:docMk/>
+            <pc:sldMk cId="2299204813" sldId="265"/>
+            <ac:spMk id="10" creationId="{5C0C52F8-DAF1-4428-9A84-853511E00A4B}"/>
           </ac:spMkLst>
         </pc:spChg>
       </pc:sldChg>
@@ -572,7 +624,7 @@
         </pc:picChg>
       </pc:sldChg>
       <pc:sldChg chg="addSp delSp modSp add mod ord">
-        <pc:chgData name="Мария Савинова" userId="e24eaf7e9b1ed84c" providerId="LiveId" clId="{FBA2780E-5BE6-4AEE-8C8C-EA7D3EE18985}" dt="2024-09-20T22:48:30.419" v="1214" actId="113"/>
+        <pc:chgData name="Мария Савинова" userId="e24eaf7e9b1ed84c" providerId="LiveId" clId="{FBA2780E-5BE6-4AEE-8C8C-EA7D3EE18985}" dt="2024-09-23T14:02:32.432" v="2935" actId="14100"/>
         <pc:sldMkLst>
           <pc:docMk/>
           <pc:sldMk cId="3551373186" sldId="268"/>
@@ -586,11 +638,19 @@
           </ac:spMkLst>
         </pc:spChg>
         <pc:spChg chg="mod">
-          <ac:chgData name="Мария Савинова" userId="e24eaf7e9b1ed84c" providerId="LiveId" clId="{FBA2780E-5BE6-4AEE-8C8C-EA7D3EE18985}" dt="2024-09-20T22:48:30.419" v="1214" actId="113"/>
+          <ac:chgData name="Мария Савинова" userId="e24eaf7e9b1ed84c" providerId="LiveId" clId="{FBA2780E-5BE6-4AEE-8C8C-EA7D3EE18985}" dt="2024-09-23T14:02:24.134" v="2933" actId="20577"/>
           <ac:spMkLst>
             <pc:docMk/>
             <pc:sldMk cId="3551373186" sldId="268"/>
             <ac:spMk id="3" creationId="{00000000-0000-0000-0000-000000000000}"/>
+          </ac:spMkLst>
+        </pc:spChg>
+        <pc:spChg chg="mod">
+          <ac:chgData name="Мария Савинова" userId="e24eaf7e9b1ed84c" providerId="LiveId" clId="{FBA2780E-5BE6-4AEE-8C8C-EA7D3EE18985}" dt="2024-09-23T08:21:02.966" v="1943" actId="2711"/>
+          <ac:spMkLst>
+            <pc:docMk/>
+            <pc:sldMk cId="3551373186" sldId="268"/>
+            <ac:spMk id="4" creationId="{00000000-0000-0000-0000-000000000000}"/>
           </ac:spMkLst>
         </pc:spChg>
         <pc:spChg chg="add del mod">
@@ -602,7 +662,7 @@
           </ac:spMkLst>
         </pc:spChg>
         <pc:picChg chg="add mod modCrop">
-          <ac:chgData name="Мария Савинова" userId="e24eaf7e9b1ed84c" providerId="LiveId" clId="{FBA2780E-5BE6-4AEE-8C8C-EA7D3EE18985}" dt="2024-09-20T22:48:05.327" v="1208" actId="1076"/>
+          <ac:chgData name="Мария Савинова" userId="e24eaf7e9b1ed84c" providerId="LiveId" clId="{FBA2780E-5BE6-4AEE-8C8C-EA7D3EE18985}" dt="2024-09-23T14:02:32.432" v="2935" actId="14100"/>
           <ac:picMkLst>
             <pc:docMk/>
             <pc:sldMk cId="3551373186" sldId="268"/>
@@ -619,19 +679,247 @@
         </pc:picChg>
       </pc:sldChg>
       <pc:sldChg chg="modSp add mod">
-        <pc:chgData name="Мария Савинова" userId="e24eaf7e9b1ed84c" providerId="LiveId" clId="{FBA2780E-5BE6-4AEE-8C8C-EA7D3EE18985}" dt="2024-09-20T23:09:10.045" v="1700" actId="207"/>
+        <pc:chgData name="Мария Савинова" userId="e24eaf7e9b1ed84c" providerId="LiveId" clId="{FBA2780E-5BE6-4AEE-8C8C-EA7D3EE18985}" dt="2024-09-23T14:01:22.979" v="2926" actId="207"/>
         <pc:sldMkLst>
           <pc:docMk/>
           <pc:sldMk cId="2023720995" sldId="269"/>
         </pc:sldMkLst>
         <pc:spChg chg="mod">
-          <ac:chgData name="Мария Савинова" userId="e24eaf7e9b1ed84c" providerId="LiveId" clId="{FBA2780E-5BE6-4AEE-8C8C-EA7D3EE18985}" dt="2024-09-20T23:09:10.045" v="1700" actId="207"/>
+          <ac:chgData name="Мария Савинова" userId="e24eaf7e9b1ed84c" providerId="LiveId" clId="{FBA2780E-5BE6-4AEE-8C8C-EA7D3EE18985}" dt="2024-09-23T14:01:22.979" v="2926" actId="207"/>
           <ac:spMkLst>
             <pc:docMk/>
             <pc:sldMk cId="2023720995" sldId="269"/>
             <ac:spMk id="3" creationId="{00000000-0000-0000-0000-000000000000}"/>
           </ac:spMkLst>
         </pc:spChg>
+      </pc:sldChg>
+      <pc:sldChg chg="addSp delSp modSp add mod">
+        <pc:chgData name="Мария Савинова" userId="e24eaf7e9b1ed84c" providerId="LiveId" clId="{FBA2780E-5BE6-4AEE-8C8C-EA7D3EE18985}" dt="2024-09-23T13:49:37.211" v="2731" actId="20577"/>
+        <pc:sldMkLst>
+          <pc:docMk/>
+          <pc:sldMk cId="1268225968" sldId="270"/>
+        </pc:sldMkLst>
+        <pc:spChg chg="add del mod">
+          <ac:chgData name="Мария Савинова" userId="e24eaf7e9b1ed84c" providerId="LiveId" clId="{FBA2780E-5BE6-4AEE-8C8C-EA7D3EE18985}" dt="2024-09-23T13:49:37.211" v="2731" actId="20577"/>
+          <ac:spMkLst>
+            <pc:docMk/>
+            <pc:sldMk cId="1268225968" sldId="270"/>
+            <ac:spMk id="3" creationId="{00000000-0000-0000-0000-000000000000}"/>
+          </ac:spMkLst>
+        </pc:spChg>
+        <pc:spChg chg="del">
+          <ac:chgData name="Мария Савинова" userId="e24eaf7e9b1ed84c" providerId="LiveId" clId="{FBA2780E-5BE6-4AEE-8C8C-EA7D3EE18985}" dt="2024-09-23T08:03:13.967" v="1729" actId="478"/>
+          <ac:spMkLst>
+            <pc:docMk/>
+            <pc:sldMk cId="1268225968" sldId="270"/>
+            <ac:spMk id="8" creationId="{D4C95291-2C23-4352-BCC0-5C4F93100524}"/>
+          </ac:spMkLst>
+        </pc:spChg>
+        <pc:spChg chg="del">
+          <ac:chgData name="Мария Савинова" userId="e24eaf7e9b1ed84c" providerId="LiveId" clId="{FBA2780E-5BE6-4AEE-8C8C-EA7D3EE18985}" dt="2024-09-23T08:03:12.557" v="1728" actId="478"/>
+          <ac:spMkLst>
+            <pc:docMk/>
+            <pc:sldMk cId="1268225968" sldId="270"/>
+            <ac:spMk id="9" creationId="{B11FA133-F035-4245-8E62-A414ADF52242}"/>
+          </ac:spMkLst>
+        </pc:spChg>
+        <pc:spChg chg="add del">
+          <ac:chgData name="Мария Савинова" userId="e24eaf7e9b1ed84c" providerId="LiveId" clId="{FBA2780E-5BE6-4AEE-8C8C-EA7D3EE18985}" dt="2024-09-23T08:04:07.918" v="1739" actId="22"/>
+          <ac:spMkLst>
+            <pc:docMk/>
+            <pc:sldMk cId="1268225968" sldId="270"/>
+            <ac:spMk id="14" creationId="{8455FD95-B63D-47A2-A031-D16D531B9D63}"/>
+          </ac:spMkLst>
+        </pc:spChg>
+        <pc:picChg chg="add del mod">
+          <ac:chgData name="Мария Савинова" userId="e24eaf7e9b1ed84c" providerId="LiveId" clId="{FBA2780E-5BE6-4AEE-8C8C-EA7D3EE18985}" dt="2024-09-23T08:03:29.403" v="1733"/>
+          <ac:picMkLst>
+            <pc:docMk/>
+            <pc:sldMk cId="1268225968" sldId="270"/>
+            <ac:picMk id="10" creationId="{C00D257A-41E4-46A0-ACE2-A71D549CBFE7}"/>
+          </ac:picMkLst>
+        </pc:picChg>
+        <pc:picChg chg="add mod">
+          <ac:chgData name="Мария Савинова" userId="e24eaf7e9b1ed84c" providerId="LiveId" clId="{FBA2780E-5BE6-4AEE-8C8C-EA7D3EE18985}" dt="2024-09-23T08:40:10.157" v="2021" actId="1076"/>
+          <ac:picMkLst>
+            <pc:docMk/>
+            <pc:sldMk cId="1268225968" sldId="270"/>
+            <ac:picMk id="12" creationId="{3F1EB2CD-076C-49FD-891B-CE588A6566AA}"/>
+          </ac:picMkLst>
+        </pc:picChg>
+      </pc:sldChg>
+      <pc:sldChg chg="addSp delSp modSp add mod">
+        <pc:chgData name="Мария Савинова" userId="e24eaf7e9b1ed84c" providerId="LiveId" clId="{FBA2780E-5BE6-4AEE-8C8C-EA7D3EE18985}" dt="2024-09-23T13:35:03.049" v="2398" actId="20577"/>
+        <pc:sldMkLst>
+          <pc:docMk/>
+          <pc:sldMk cId="1773754508" sldId="271"/>
+        </pc:sldMkLst>
+        <pc:spChg chg="mod">
+          <ac:chgData name="Мария Савинова" userId="e24eaf7e9b1ed84c" providerId="LiveId" clId="{FBA2780E-5BE6-4AEE-8C8C-EA7D3EE18985}" dt="2024-09-23T08:07:23.648" v="1794" actId="255"/>
+          <ac:spMkLst>
+            <pc:docMk/>
+            <pc:sldMk cId="1773754508" sldId="271"/>
+            <ac:spMk id="2" creationId="{00000000-0000-0000-0000-000000000000}"/>
+          </ac:spMkLst>
+        </pc:spChg>
+        <pc:spChg chg="add del mod">
+          <ac:chgData name="Мария Савинова" userId="e24eaf7e9b1ed84c" providerId="LiveId" clId="{FBA2780E-5BE6-4AEE-8C8C-EA7D3EE18985}" dt="2024-09-23T13:35:03.049" v="2398" actId="20577"/>
+          <ac:spMkLst>
+            <pc:docMk/>
+            <pc:sldMk cId="1773754508" sldId="271"/>
+            <ac:spMk id="3" creationId="{00000000-0000-0000-0000-000000000000}"/>
+          </ac:spMkLst>
+        </pc:spChg>
+        <pc:spChg chg="del">
+          <ac:chgData name="Мария Савинова" userId="e24eaf7e9b1ed84c" providerId="LiveId" clId="{FBA2780E-5BE6-4AEE-8C8C-EA7D3EE18985}" dt="2024-09-23T08:06:24.757" v="1769" actId="478"/>
+          <ac:spMkLst>
+            <pc:docMk/>
+            <pc:sldMk cId="1773754508" sldId="271"/>
+            <ac:spMk id="8" creationId="{957AA84F-8897-4933-85BC-FB0080066665}"/>
+          </ac:spMkLst>
+        </pc:spChg>
+        <pc:spChg chg="del">
+          <ac:chgData name="Мария Савинова" userId="e24eaf7e9b1ed84c" providerId="LiveId" clId="{FBA2780E-5BE6-4AEE-8C8C-EA7D3EE18985}" dt="2024-09-23T08:06:22.872" v="1768" actId="478"/>
+          <ac:spMkLst>
+            <pc:docMk/>
+            <pc:sldMk cId="1773754508" sldId="271"/>
+            <ac:spMk id="9" creationId="{791872D6-869B-4CA8-8997-4959251037CA}"/>
+          </ac:spMkLst>
+        </pc:spChg>
+        <pc:picChg chg="add del mod">
+          <ac:chgData name="Мария Савинова" userId="e24eaf7e9b1ed84c" providerId="LiveId" clId="{FBA2780E-5BE6-4AEE-8C8C-EA7D3EE18985}" dt="2024-09-23T08:06:31.055" v="1773"/>
+          <ac:picMkLst>
+            <pc:docMk/>
+            <pc:sldMk cId="1773754508" sldId="271"/>
+            <ac:picMk id="10" creationId="{678AC721-6BA4-411F-BA2E-6D9F59D48B97}"/>
+          </ac:picMkLst>
+        </pc:picChg>
+        <pc:picChg chg="add mod">
+          <ac:chgData name="Мария Савинова" userId="e24eaf7e9b1ed84c" providerId="LiveId" clId="{FBA2780E-5BE6-4AEE-8C8C-EA7D3EE18985}" dt="2024-09-23T08:09:57.257" v="1837" actId="1036"/>
+          <ac:picMkLst>
+            <pc:docMk/>
+            <pc:sldMk cId="1773754508" sldId="271"/>
+            <ac:picMk id="12" creationId="{2A08C81A-2C63-4BEA-AFBC-BCAD96A689FE}"/>
+          </ac:picMkLst>
+        </pc:picChg>
+      </pc:sldChg>
+      <pc:sldChg chg="addSp delSp modSp add mod">
+        <pc:chgData name="Мария Савинова" userId="e24eaf7e9b1ed84c" providerId="LiveId" clId="{FBA2780E-5BE6-4AEE-8C8C-EA7D3EE18985}" dt="2024-09-23T13:59:34.032" v="2782" actId="207"/>
+        <pc:sldMkLst>
+          <pc:docMk/>
+          <pc:sldMk cId="2214237742" sldId="272"/>
+        </pc:sldMkLst>
+        <pc:spChg chg="mod">
+          <ac:chgData name="Мария Савинова" userId="e24eaf7e9b1ed84c" providerId="LiveId" clId="{FBA2780E-5BE6-4AEE-8C8C-EA7D3EE18985}" dt="2024-09-23T13:21:47.680" v="2300" actId="1076"/>
+          <ac:spMkLst>
+            <pc:docMk/>
+            <pc:sldMk cId="2214237742" sldId="272"/>
+            <ac:spMk id="3" creationId="{00000000-0000-0000-0000-000000000000}"/>
+          </ac:spMkLst>
+        </pc:spChg>
+        <pc:spChg chg="add mod">
+          <ac:chgData name="Мария Савинова" userId="e24eaf7e9b1ed84c" providerId="LiveId" clId="{FBA2780E-5BE6-4AEE-8C8C-EA7D3EE18985}" dt="2024-09-23T13:59:34.032" v="2782" actId="207"/>
+          <ac:spMkLst>
+            <pc:docMk/>
+            <pc:sldMk cId="2214237742" sldId="272"/>
+            <ac:spMk id="8" creationId="{426C69A6-A2F1-40A8-B889-C63B1AE0A2E3}"/>
+          </ac:spMkLst>
+        </pc:spChg>
+        <pc:spChg chg="add mod">
+          <ac:chgData name="Мария Савинова" userId="e24eaf7e9b1ed84c" providerId="LiveId" clId="{FBA2780E-5BE6-4AEE-8C8C-EA7D3EE18985}" dt="2024-09-23T13:58:56.964" v="2776" actId="113"/>
+          <ac:spMkLst>
+            <pc:docMk/>
+            <pc:sldMk cId="2214237742" sldId="272"/>
+            <ac:spMk id="10" creationId="{CA34E12E-4C3B-42AE-966D-48234B6733F0}"/>
+          </ac:spMkLst>
+        </pc:spChg>
+        <pc:spChg chg="add mod">
+          <ac:chgData name="Мария Савинова" userId="e24eaf7e9b1ed84c" providerId="LiveId" clId="{FBA2780E-5BE6-4AEE-8C8C-EA7D3EE18985}" dt="2024-09-23T13:21:51.824" v="2301" actId="1076"/>
+          <ac:spMkLst>
+            <pc:docMk/>
+            <pc:sldMk cId="2214237742" sldId="272"/>
+            <ac:spMk id="13" creationId="{8EB44BDF-E5AA-4176-B86D-E881FC5501F9}"/>
+          </ac:spMkLst>
+        </pc:spChg>
+        <pc:picChg chg="del">
+          <ac:chgData name="Мария Савинова" userId="e24eaf7e9b1ed84c" providerId="LiveId" clId="{FBA2780E-5BE6-4AEE-8C8C-EA7D3EE18985}" dt="2024-09-23T13:15:02.408" v="2193" actId="478"/>
+          <ac:picMkLst>
+            <pc:docMk/>
+            <pc:sldMk cId="2214237742" sldId="272"/>
+            <ac:picMk id="12" creationId="{3F1EB2CD-076C-49FD-891B-CE588A6566AA}"/>
+          </ac:picMkLst>
+        </pc:picChg>
+      </pc:sldChg>
+      <pc:sldChg chg="addSp delSp modSp add mod">
+        <pc:chgData name="Мария Савинова" userId="e24eaf7e9b1ed84c" providerId="LiveId" clId="{FBA2780E-5BE6-4AEE-8C8C-EA7D3EE18985}" dt="2024-09-23T13:53:34.678" v="2765" actId="113"/>
+        <pc:sldMkLst>
+          <pc:docMk/>
+          <pc:sldMk cId="1900805023" sldId="273"/>
+        </pc:sldMkLst>
+        <pc:spChg chg="del">
+          <ac:chgData name="Мария Савинова" userId="e24eaf7e9b1ed84c" providerId="LiveId" clId="{FBA2780E-5BE6-4AEE-8C8C-EA7D3EE18985}" dt="2024-09-23T13:45:42.186" v="2576" actId="478"/>
+          <ac:spMkLst>
+            <pc:docMk/>
+            <pc:sldMk cId="1900805023" sldId="273"/>
+            <ac:spMk id="3" creationId="{00000000-0000-0000-0000-000000000000}"/>
+          </ac:spMkLst>
+        </pc:spChg>
+        <pc:spChg chg="add del mod">
+          <ac:chgData name="Мария Савинова" userId="e24eaf7e9b1ed84c" providerId="LiveId" clId="{FBA2780E-5BE6-4AEE-8C8C-EA7D3EE18985}" dt="2024-09-23T13:45:45.964" v="2577" actId="478"/>
+          <ac:spMkLst>
+            <pc:docMk/>
+            <pc:sldMk cId="1900805023" sldId="273"/>
+            <ac:spMk id="8" creationId="{1FBD23D8-F007-43CB-A718-A87BCA6167FF}"/>
+          </ac:spMkLst>
+        </pc:spChg>
+        <pc:spChg chg="add mod">
+          <ac:chgData name="Мария Савинова" userId="e24eaf7e9b1ed84c" providerId="LiveId" clId="{FBA2780E-5BE6-4AEE-8C8C-EA7D3EE18985}" dt="2024-09-23T13:52:03.735" v="2750" actId="1076"/>
+          <ac:spMkLst>
+            <pc:docMk/>
+            <pc:sldMk cId="1900805023" sldId="273"/>
+            <ac:spMk id="10" creationId="{3049AAE2-0EE3-40AC-9FED-85CBE02A672D}"/>
+          </ac:spMkLst>
+        </pc:spChg>
+        <pc:spChg chg="add mod">
+          <ac:chgData name="Мария Савинова" userId="e24eaf7e9b1ed84c" providerId="LiveId" clId="{FBA2780E-5BE6-4AEE-8C8C-EA7D3EE18985}" dt="2024-09-23T13:51:08.949" v="2734" actId="1076"/>
+          <ac:spMkLst>
+            <pc:docMk/>
+            <pc:sldMk cId="1900805023" sldId="273"/>
+            <ac:spMk id="11" creationId="{76337475-23D1-4EB1-8FFC-51C03BD43632}"/>
+          </ac:spMkLst>
+        </pc:spChg>
+        <pc:spChg chg="add del">
+          <ac:chgData name="Мария Савинова" userId="e24eaf7e9b1ed84c" providerId="LiveId" clId="{FBA2780E-5BE6-4AEE-8C8C-EA7D3EE18985}" dt="2024-09-23T13:51:13.459" v="2738" actId="22"/>
+          <ac:spMkLst>
+            <pc:docMk/>
+            <pc:sldMk cId="1900805023" sldId="273"/>
+            <ac:spMk id="13" creationId="{7BAE43B8-F987-4590-8C6D-2C724FB5FD19}"/>
+          </ac:spMkLst>
+        </pc:spChg>
+        <pc:spChg chg="add mod">
+          <ac:chgData name="Мария Савинова" userId="e24eaf7e9b1ed84c" providerId="LiveId" clId="{FBA2780E-5BE6-4AEE-8C8C-EA7D3EE18985}" dt="2024-09-23T13:51:55.972" v="2749" actId="113"/>
+          <ac:spMkLst>
+            <pc:docMk/>
+            <pc:sldMk cId="1900805023" sldId="273"/>
+            <ac:spMk id="15" creationId="{DBBD1D5E-2F8B-470B-BC72-613749FD3CF5}"/>
+          </ac:spMkLst>
+        </pc:spChg>
+        <pc:spChg chg="add mod">
+          <ac:chgData name="Мария Савинова" userId="e24eaf7e9b1ed84c" providerId="LiveId" clId="{FBA2780E-5BE6-4AEE-8C8C-EA7D3EE18985}" dt="2024-09-23T13:53:34.678" v="2765" actId="113"/>
+          <ac:spMkLst>
+            <pc:docMk/>
+            <pc:sldMk cId="1900805023" sldId="273"/>
+            <ac:spMk id="17" creationId="{264D8D5F-531F-41A4-9F4F-09CC7050E985}"/>
+          </ac:spMkLst>
+        </pc:spChg>
+        <pc:picChg chg="del">
+          <ac:chgData name="Мария Савинова" userId="e24eaf7e9b1ed84c" providerId="LiveId" clId="{FBA2780E-5BE6-4AEE-8C8C-EA7D3EE18985}" dt="2024-09-23T13:45:39.527" v="2575" actId="478"/>
+          <ac:picMkLst>
+            <pc:docMk/>
+            <pc:sldMk cId="1900805023" sldId="273"/>
+            <ac:picMk id="12" creationId="{2A08C81A-2C63-4BEA-AFBC-BCAD96A689FE}"/>
+          </ac:picMkLst>
+        </pc:picChg>
       </pc:sldChg>
     </pc:docChg>
   </pc:docChgLst>
@@ -715,11 +1003,13 @@
           <a:bodyPr vert="horz" lIns="91440" tIns="45720" rIns="91440" bIns="45720" rtlCol="0"/>
           <a:lstStyle>
             <a:lvl1pPr algn="l">
-              <a:defRPr sz="1200"/>
+              <a:defRPr sz="1200">
+                <a:latin typeface="Montserrat" panose="00000500000000000000" pitchFamily="2" charset="0"/>
+              </a:defRPr>
             </a:lvl1pPr>
           </a:lstStyle>
           <a:p>
-            <a:endParaRPr lang="ru-RU"/>
+            <a:endParaRPr lang="ru-RU" dirty="0"/>
           </a:p>
         </p:txBody>
       </p:sp>
@@ -746,15 +1036,18 @@
           <a:bodyPr vert="horz" lIns="91440" tIns="45720" rIns="91440" bIns="45720" rtlCol="0"/>
           <a:lstStyle>
             <a:lvl1pPr algn="r">
-              <a:defRPr sz="1200"/>
+              <a:defRPr sz="1200">
+                <a:latin typeface="Montserrat" panose="00000500000000000000" pitchFamily="2" charset="0"/>
+              </a:defRPr>
             </a:lvl1pPr>
           </a:lstStyle>
           <a:p>
             <a:fld id="{C65AC966-90DC-47D7-B999-4B8AD4DFB48E}" type="datetimeFigureOut">
               <a:rPr lang="ru-RU" smtClean="0"/>
-              <a:t>21.09.2024</a:t>
+              <a:pPr/>
+              <a:t>23.09.2024</a:t>
             </a:fld>
-            <a:endParaRPr lang="ru-RU"/>
+            <a:endParaRPr lang="ru-RU" dirty="0"/>
           </a:p>
         </p:txBody>
       </p:sp>
@@ -787,7 +1080,7 @@
           <a:bodyPr vert="horz" lIns="91440" tIns="45720" rIns="91440" bIns="45720" rtlCol="0" anchor="ctr"/>
           <a:lstStyle/>
           <a:p>
-            <a:endParaRPr lang="ru-RU"/>
+            <a:endParaRPr lang="ru-RU" dirty="0"/>
           </a:p>
         </p:txBody>
       </p:sp>
@@ -816,35 +1109,35 @@
           <a:p>
             <a:pPr lvl="0"/>
             <a:r>
-              <a:rPr lang="ru-RU"/>
+              <a:rPr lang="ru-RU" dirty="0"/>
               <a:t>Образец текста</a:t>
             </a:r>
           </a:p>
           <a:p>
             <a:pPr lvl="1"/>
             <a:r>
-              <a:rPr lang="ru-RU"/>
+              <a:rPr lang="ru-RU" dirty="0"/>
               <a:t>Второй уровень</a:t>
             </a:r>
           </a:p>
           <a:p>
             <a:pPr lvl="2"/>
             <a:r>
-              <a:rPr lang="ru-RU"/>
+              <a:rPr lang="ru-RU" dirty="0"/>
               <a:t>Третий уровень</a:t>
             </a:r>
           </a:p>
           <a:p>
             <a:pPr lvl="3"/>
             <a:r>
-              <a:rPr lang="ru-RU"/>
+              <a:rPr lang="ru-RU" dirty="0"/>
               <a:t>Четвертый уровень</a:t>
             </a:r>
           </a:p>
           <a:p>
             <a:pPr lvl="4"/>
             <a:r>
-              <a:rPr lang="ru-RU"/>
+              <a:rPr lang="ru-RU" dirty="0"/>
               <a:t>Пятый уровень</a:t>
             </a:r>
           </a:p>
@@ -873,11 +1166,13 @@
           <a:bodyPr vert="horz" lIns="91440" tIns="45720" rIns="91440" bIns="45720" rtlCol="0" anchor="b"/>
           <a:lstStyle>
             <a:lvl1pPr algn="l">
-              <a:defRPr sz="1200"/>
+              <a:defRPr sz="1200">
+                <a:latin typeface="Montserrat" panose="00000500000000000000" pitchFamily="2" charset="0"/>
+              </a:defRPr>
             </a:lvl1pPr>
           </a:lstStyle>
           <a:p>
-            <a:endParaRPr lang="ru-RU"/>
+            <a:endParaRPr lang="ru-RU" dirty="0"/>
           </a:p>
         </p:txBody>
       </p:sp>
@@ -904,15 +1199,18 @@
           <a:bodyPr vert="horz" lIns="91440" tIns="45720" rIns="91440" bIns="45720" rtlCol="0" anchor="b"/>
           <a:lstStyle>
             <a:lvl1pPr algn="r">
-              <a:defRPr sz="1200"/>
+              <a:defRPr sz="1200">
+                <a:latin typeface="Montserrat" panose="00000500000000000000" pitchFamily="2" charset="0"/>
+              </a:defRPr>
             </a:lvl1pPr>
           </a:lstStyle>
           <a:p>
             <a:fld id="{2C580A59-B265-4FF3-9170-5C16494D3846}" type="slidenum">
               <a:rPr lang="ru-RU" smtClean="0"/>
+              <a:pPr/>
               <a:t>‹#›</a:t>
             </a:fld>
-            <a:endParaRPr lang="ru-RU"/>
+            <a:endParaRPr lang="ru-RU" dirty="0"/>
           </a:p>
         </p:txBody>
       </p:sp>
@@ -930,7 +1228,7 @@
         <a:solidFill>
           <a:schemeClr val="tx1"/>
         </a:solidFill>
-        <a:latin typeface="+mn-lt"/>
+        <a:latin typeface="Montserrat" panose="00000500000000000000" pitchFamily="2" charset="0"/>
         <a:ea typeface="+mn-ea"/>
         <a:cs typeface="+mn-cs"/>
       </a:defRPr>
@@ -940,7 +1238,7 @@
         <a:solidFill>
           <a:schemeClr val="tx1"/>
         </a:solidFill>
-        <a:latin typeface="+mn-lt"/>
+        <a:latin typeface="Montserrat" panose="00000500000000000000" pitchFamily="2" charset="0"/>
         <a:ea typeface="+mn-ea"/>
         <a:cs typeface="+mn-cs"/>
       </a:defRPr>
@@ -950,7 +1248,7 @@
         <a:solidFill>
           <a:schemeClr val="tx1"/>
         </a:solidFill>
-        <a:latin typeface="+mn-lt"/>
+        <a:latin typeface="Montserrat" panose="00000500000000000000" pitchFamily="2" charset="0"/>
         <a:ea typeface="+mn-ea"/>
         <a:cs typeface="+mn-cs"/>
       </a:defRPr>
@@ -960,7 +1258,7 @@
         <a:solidFill>
           <a:schemeClr val="tx1"/>
         </a:solidFill>
-        <a:latin typeface="+mn-lt"/>
+        <a:latin typeface="Montserrat" panose="00000500000000000000" pitchFamily="2" charset="0"/>
         <a:ea typeface="+mn-ea"/>
         <a:cs typeface="+mn-cs"/>
       </a:defRPr>
@@ -970,7 +1268,7 @@
         <a:solidFill>
           <a:schemeClr val="tx1"/>
         </a:solidFill>
-        <a:latin typeface="+mn-lt"/>
+        <a:latin typeface="Montserrat" panose="00000500000000000000" pitchFamily="2" charset="0"/>
         <a:ea typeface="+mn-ea"/>
         <a:cs typeface="+mn-cs"/>
       </a:defRPr>
@@ -1177,7 +1475,7 @@
     </p:spTree>
     <p:extLst>
       <p:ext uri="{BB962C8B-B14F-4D97-AF65-F5344CB8AC3E}">
-        <p14:creationId xmlns:p14="http://schemas.microsoft.com/office/powerpoint/2010/main" val="4198363041"/>
+        <p14:creationId xmlns:p14="http://schemas.microsoft.com/office/powerpoint/2010/main" val="2825640308"/>
       </p:ext>
     </p:extLst>
   </p:cSld>
@@ -1261,7 +1559,7 @@
     </p:spTree>
     <p:extLst>
       <p:ext uri="{BB962C8B-B14F-4D97-AF65-F5344CB8AC3E}">
-        <p14:creationId xmlns:p14="http://schemas.microsoft.com/office/powerpoint/2010/main" val="316091197"/>
+        <p14:creationId xmlns:p14="http://schemas.microsoft.com/office/powerpoint/2010/main" val="2253522954"/>
       </p:ext>
     </p:extLst>
   </p:cSld>
@@ -1345,7 +1643,7 @@
     </p:spTree>
     <p:extLst>
       <p:ext uri="{BB962C8B-B14F-4D97-AF65-F5344CB8AC3E}">
-        <p14:creationId xmlns:p14="http://schemas.microsoft.com/office/powerpoint/2010/main" val="1113517491"/>
+        <p14:creationId xmlns:p14="http://schemas.microsoft.com/office/powerpoint/2010/main" val="4198363041"/>
       </p:ext>
     </p:extLst>
   </p:cSld>
@@ -1421,6 +1719,342 @@
             <a:fld id="{2C580A59-B265-4FF3-9170-5C16494D3846}" type="slidenum">
               <a:rPr lang="ru-RU" smtClean="0"/>
               <a:t>13</a:t>
+            </a:fld>
+            <a:endParaRPr lang="ru-RU"/>
+          </a:p>
+        </p:txBody>
+      </p:sp>
+    </p:spTree>
+    <p:extLst>
+      <p:ext uri="{BB962C8B-B14F-4D97-AF65-F5344CB8AC3E}">
+        <p14:creationId xmlns:p14="http://schemas.microsoft.com/office/powerpoint/2010/main" val="316091197"/>
+      </p:ext>
+    </p:extLst>
+  </p:cSld>
+  <p:clrMapOvr>
+    <a:masterClrMapping/>
+  </p:clrMapOvr>
+</p:notes>
+</file>
+
+<file path=ppt/notesSlides/notesSlide14.xml><?xml version="1.0" encoding="utf-8"?>
+<p:notes xmlns:a="http://schemas.openxmlformats.org/drawingml/2006/main" xmlns:r="http://schemas.openxmlformats.org/officeDocument/2006/relationships" xmlns:p="http://schemas.openxmlformats.org/presentationml/2006/main">
+  <p:cSld>
+    <p:spTree>
+      <p:nvGrpSpPr>
+        <p:cNvPr id="1" name=""/>
+        <p:cNvGrpSpPr/>
+        <p:nvPr/>
+      </p:nvGrpSpPr>
+      <p:grpSpPr>
+        <a:xfrm>
+          <a:off x="0" y="0"/>
+          <a:ext cx="0" cy="0"/>
+          <a:chOff x="0" y="0"/>
+          <a:chExt cx="0" cy="0"/>
+        </a:xfrm>
+      </p:grpSpPr>
+      <p:sp>
+        <p:nvSpPr>
+          <p:cNvPr id="2" name="Образ слайда 1"/>
+          <p:cNvSpPr>
+            <a:spLocks noGrp="1" noRot="1" noChangeAspect="1"/>
+          </p:cNvSpPr>
+          <p:nvPr>
+            <p:ph type="sldImg"/>
+          </p:nvPr>
+        </p:nvSpPr>
+        <p:spPr/>
+      </p:sp>
+      <p:sp>
+        <p:nvSpPr>
+          <p:cNvPr id="3" name="Заметки 2"/>
+          <p:cNvSpPr>
+            <a:spLocks noGrp="1"/>
+          </p:cNvSpPr>
+          <p:nvPr>
+            <p:ph type="body" idx="1"/>
+          </p:nvPr>
+        </p:nvSpPr>
+        <p:spPr/>
+        <p:txBody>
+          <a:bodyPr/>
+          <a:lstStyle/>
+          <a:p>
+            <a:endParaRPr lang="ru-RU"/>
+          </a:p>
+        </p:txBody>
+      </p:sp>
+      <p:sp>
+        <p:nvSpPr>
+          <p:cNvPr id="4" name="Номер слайда 3"/>
+          <p:cNvSpPr>
+            <a:spLocks noGrp="1"/>
+          </p:cNvSpPr>
+          <p:nvPr>
+            <p:ph type="sldNum" sz="quarter" idx="10"/>
+          </p:nvPr>
+        </p:nvSpPr>
+        <p:spPr/>
+        <p:txBody>
+          <a:bodyPr/>
+          <a:lstStyle/>
+          <a:p>
+            <a:fld id="{2C580A59-B265-4FF3-9170-5C16494D3846}" type="slidenum">
+              <a:rPr lang="ru-RU" smtClean="0"/>
+              <a:t>14</a:t>
+            </a:fld>
+            <a:endParaRPr lang="ru-RU"/>
+          </a:p>
+        </p:txBody>
+      </p:sp>
+    </p:spTree>
+    <p:extLst>
+      <p:ext uri="{BB962C8B-B14F-4D97-AF65-F5344CB8AC3E}">
+        <p14:creationId xmlns:p14="http://schemas.microsoft.com/office/powerpoint/2010/main" val="3037284497"/>
+      </p:ext>
+    </p:extLst>
+  </p:cSld>
+  <p:clrMapOvr>
+    <a:masterClrMapping/>
+  </p:clrMapOvr>
+</p:notes>
+</file>
+
+<file path=ppt/notesSlides/notesSlide15.xml><?xml version="1.0" encoding="utf-8"?>
+<p:notes xmlns:a="http://schemas.openxmlformats.org/drawingml/2006/main" xmlns:r="http://schemas.openxmlformats.org/officeDocument/2006/relationships" xmlns:p="http://schemas.openxmlformats.org/presentationml/2006/main">
+  <p:cSld>
+    <p:spTree>
+      <p:nvGrpSpPr>
+        <p:cNvPr id="1" name=""/>
+        <p:cNvGrpSpPr/>
+        <p:nvPr/>
+      </p:nvGrpSpPr>
+      <p:grpSpPr>
+        <a:xfrm>
+          <a:off x="0" y="0"/>
+          <a:ext cx="0" cy="0"/>
+          <a:chOff x="0" y="0"/>
+          <a:chExt cx="0" cy="0"/>
+        </a:xfrm>
+      </p:grpSpPr>
+      <p:sp>
+        <p:nvSpPr>
+          <p:cNvPr id="2" name="Образ слайда 1"/>
+          <p:cNvSpPr>
+            <a:spLocks noGrp="1" noRot="1" noChangeAspect="1"/>
+          </p:cNvSpPr>
+          <p:nvPr>
+            <p:ph type="sldImg"/>
+          </p:nvPr>
+        </p:nvSpPr>
+        <p:spPr/>
+      </p:sp>
+      <p:sp>
+        <p:nvSpPr>
+          <p:cNvPr id="3" name="Заметки 2"/>
+          <p:cNvSpPr>
+            <a:spLocks noGrp="1"/>
+          </p:cNvSpPr>
+          <p:nvPr>
+            <p:ph type="body" idx="1"/>
+          </p:nvPr>
+        </p:nvSpPr>
+        <p:spPr/>
+        <p:txBody>
+          <a:bodyPr/>
+          <a:lstStyle/>
+          <a:p>
+            <a:endParaRPr lang="ru-RU"/>
+          </a:p>
+        </p:txBody>
+      </p:sp>
+      <p:sp>
+        <p:nvSpPr>
+          <p:cNvPr id="4" name="Номер слайда 3"/>
+          <p:cNvSpPr>
+            <a:spLocks noGrp="1"/>
+          </p:cNvSpPr>
+          <p:nvPr>
+            <p:ph type="sldNum" sz="quarter" idx="10"/>
+          </p:nvPr>
+        </p:nvSpPr>
+        <p:spPr/>
+        <p:txBody>
+          <a:bodyPr/>
+          <a:lstStyle/>
+          <a:p>
+            <a:fld id="{2C580A59-B265-4FF3-9170-5C16494D3846}" type="slidenum">
+              <a:rPr lang="ru-RU" smtClean="0"/>
+              <a:t>15</a:t>
+            </a:fld>
+            <a:endParaRPr lang="ru-RU"/>
+          </a:p>
+        </p:txBody>
+      </p:sp>
+    </p:spTree>
+    <p:extLst>
+      <p:ext uri="{BB962C8B-B14F-4D97-AF65-F5344CB8AC3E}">
+        <p14:creationId xmlns:p14="http://schemas.microsoft.com/office/powerpoint/2010/main" val="352740653"/>
+      </p:ext>
+    </p:extLst>
+  </p:cSld>
+  <p:clrMapOvr>
+    <a:masterClrMapping/>
+  </p:clrMapOvr>
+</p:notes>
+</file>
+
+<file path=ppt/notesSlides/notesSlide16.xml><?xml version="1.0" encoding="utf-8"?>
+<p:notes xmlns:a="http://schemas.openxmlformats.org/drawingml/2006/main" xmlns:r="http://schemas.openxmlformats.org/officeDocument/2006/relationships" xmlns:p="http://schemas.openxmlformats.org/presentationml/2006/main">
+  <p:cSld>
+    <p:spTree>
+      <p:nvGrpSpPr>
+        <p:cNvPr id="1" name=""/>
+        <p:cNvGrpSpPr/>
+        <p:nvPr/>
+      </p:nvGrpSpPr>
+      <p:grpSpPr>
+        <a:xfrm>
+          <a:off x="0" y="0"/>
+          <a:ext cx="0" cy="0"/>
+          <a:chOff x="0" y="0"/>
+          <a:chExt cx="0" cy="0"/>
+        </a:xfrm>
+      </p:grpSpPr>
+      <p:sp>
+        <p:nvSpPr>
+          <p:cNvPr id="2" name="Образ слайда 1"/>
+          <p:cNvSpPr>
+            <a:spLocks noGrp="1" noRot="1" noChangeAspect="1"/>
+          </p:cNvSpPr>
+          <p:nvPr>
+            <p:ph type="sldImg"/>
+          </p:nvPr>
+        </p:nvSpPr>
+        <p:spPr/>
+      </p:sp>
+      <p:sp>
+        <p:nvSpPr>
+          <p:cNvPr id="3" name="Заметки 2"/>
+          <p:cNvSpPr>
+            <a:spLocks noGrp="1"/>
+          </p:cNvSpPr>
+          <p:nvPr>
+            <p:ph type="body" idx="1"/>
+          </p:nvPr>
+        </p:nvSpPr>
+        <p:spPr/>
+        <p:txBody>
+          <a:bodyPr/>
+          <a:lstStyle/>
+          <a:p>
+            <a:endParaRPr lang="ru-RU"/>
+          </a:p>
+        </p:txBody>
+      </p:sp>
+      <p:sp>
+        <p:nvSpPr>
+          <p:cNvPr id="4" name="Номер слайда 3"/>
+          <p:cNvSpPr>
+            <a:spLocks noGrp="1"/>
+          </p:cNvSpPr>
+          <p:nvPr>
+            <p:ph type="sldNum" sz="quarter" idx="10"/>
+          </p:nvPr>
+        </p:nvSpPr>
+        <p:spPr/>
+        <p:txBody>
+          <a:bodyPr/>
+          <a:lstStyle/>
+          <a:p>
+            <a:fld id="{2C580A59-B265-4FF3-9170-5C16494D3846}" type="slidenum">
+              <a:rPr lang="ru-RU" smtClean="0"/>
+              <a:t>16</a:t>
+            </a:fld>
+            <a:endParaRPr lang="ru-RU"/>
+          </a:p>
+        </p:txBody>
+      </p:sp>
+    </p:spTree>
+    <p:extLst>
+      <p:ext uri="{BB962C8B-B14F-4D97-AF65-F5344CB8AC3E}">
+        <p14:creationId xmlns:p14="http://schemas.microsoft.com/office/powerpoint/2010/main" val="1113517491"/>
+      </p:ext>
+    </p:extLst>
+  </p:cSld>
+  <p:clrMapOvr>
+    <a:masterClrMapping/>
+  </p:clrMapOvr>
+</p:notes>
+</file>
+
+<file path=ppt/notesSlides/notesSlide17.xml><?xml version="1.0" encoding="utf-8"?>
+<p:notes xmlns:a="http://schemas.openxmlformats.org/drawingml/2006/main" xmlns:r="http://schemas.openxmlformats.org/officeDocument/2006/relationships" xmlns:p="http://schemas.openxmlformats.org/presentationml/2006/main">
+  <p:cSld>
+    <p:spTree>
+      <p:nvGrpSpPr>
+        <p:cNvPr id="1" name=""/>
+        <p:cNvGrpSpPr/>
+        <p:nvPr/>
+      </p:nvGrpSpPr>
+      <p:grpSpPr>
+        <a:xfrm>
+          <a:off x="0" y="0"/>
+          <a:ext cx="0" cy="0"/>
+          <a:chOff x="0" y="0"/>
+          <a:chExt cx="0" cy="0"/>
+        </a:xfrm>
+      </p:grpSpPr>
+      <p:sp>
+        <p:nvSpPr>
+          <p:cNvPr id="2" name="Образ слайда 1"/>
+          <p:cNvSpPr>
+            <a:spLocks noGrp="1" noRot="1" noChangeAspect="1"/>
+          </p:cNvSpPr>
+          <p:nvPr>
+            <p:ph type="sldImg"/>
+          </p:nvPr>
+        </p:nvSpPr>
+        <p:spPr/>
+      </p:sp>
+      <p:sp>
+        <p:nvSpPr>
+          <p:cNvPr id="3" name="Заметки 2"/>
+          <p:cNvSpPr>
+            <a:spLocks noGrp="1"/>
+          </p:cNvSpPr>
+          <p:nvPr>
+            <p:ph type="body" idx="1"/>
+          </p:nvPr>
+        </p:nvSpPr>
+        <p:spPr/>
+        <p:txBody>
+          <a:bodyPr/>
+          <a:lstStyle/>
+          <a:p>
+            <a:endParaRPr lang="ru-RU"/>
+          </a:p>
+        </p:txBody>
+      </p:sp>
+      <p:sp>
+        <p:nvSpPr>
+          <p:cNvPr id="4" name="Номер слайда 3"/>
+          <p:cNvSpPr>
+            <a:spLocks noGrp="1"/>
+          </p:cNvSpPr>
+          <p:nvPr>
+            <p:ph type="sldNum" sz="quarter" idx="10"/>
+          </p:nvPr>
+        </p:nvSpPr>
+        <p:spPr/>
+        <p:txBody>
+          <a:bodyPr/>
+          <a:lstStyle/>
+          <a:p>
+            <a:fld id="{2C580A59-B265-4FF3-9170-5C16494D3846}" type="slidenum">
+              <a:rPr lang="ru-RU" smtClean="0"/>
+              <a:t>17</a:t>
             </a:fld>
             <a:endParaRPr lang="ru-RU"/>
           </a:p>
@@ -2101,7 +2735,7 @@
     </p:spTree>
     <p:extLst>
       <p:ext uri="{BB962C8B-B14F-4D97-AF65-F5344CB8AC3E}">
-        <p14:creationId xmlns:p14="http://schemas.microsoft.com/office/powerpoint/2010/main" val="2253522954"/>
+        <p14:creationId xmlns:p14="http://schemas.microsoft.com/office/powerpoint/2010/main" val="4208627764"/>
       </p:ext>
     </p:extLst>
   </p:cSld>
@@ -2240,7 +2874,7 @@
           <a:p>
             <a:fld id="{ECC89CEC-ADFD-4489-90FF-547616DBC041}" type="datetime1">
               <a:rPr lang="ru-RU" smtClean="0"/>
-              <a:t>21.09.2024</a:t>
+              <a:t>23.09.2024</a:t>
             </a:fld>
             <a:endParaRPr lang="ru-RU"/>
           </a:p>
@@ -2411,7 +3045,7 @@
           <a:p>
             <a:fld id="{86B7BB86-73CF-40D4-8C7F-CA234FF7A1EB}" type="datetime1">
               <a:rPr lang="ru-RU" smtClean="0"/>
-              <a:t>21.09.2024</a:t>
+              <a:t>23.09.2024</a:t>
             </a:fld>
             <a:endParaRPr lang="ru-RU"/>
           </a:p>
@@ -2592,7 +3226,7 @@
           <a:p>
             <a:fld id="{36B73C63-5989-47F0-8A38-867659112843}" type="datetime1">
               <a:rPr lang="ru-RU" smtClean="0"/>
-              <a:t>21.09.2024</a:t>
+              <a:t>23.09.2024</a:t>
             </a:fld>
             <a:endParaRPr lang="ru-RU"/>
           </a:p>
@@ -2763,7 +3397,7 @@
           <a:p>
             <a:fld id="{3BF531FB-401D-4CE6-8E3E-F90EF76016F4}" type="datetime1">
               <a:rPr lang="ru-RU" smtClean="0"/>
-              <a:t>21.09.2024</a:t>
+              <a:t>23.09.2024</a:t>
             </a:fld>
             <a:endParaRPr lang="ru-RU"/>
           </a:p>
@@ -3011,7 +3645,7 @@
           <a:p>
             <a:fld id="{90C6E959-BFD7-4835-A209-4198B71FE91E}" type="datetime1">
               <a:rPr lang="ru-RU" smtClean="0"/>
-              <a:t>21.09.2024</a:t>
+              <a:t>23.09.2024</a:t>
             </a:fld>
             <a:endParaRPr lang="ru-RU"/>
           </a:p>
@@ -3243,7 +3877,7 @@
           <a:p>
             <a:fld id="{523FC2E9-7EB8-4737-8E9A-9590B7C8EA3D}" type="datetime1">
               <a:rPr lang="ru-RU" smtClean="0"/>
-              <a:t>21.09.2024</a:t>
+              <a:t>23.09.2024</a:t>
             </a:fld>
             <a:endParaRPr lang="ru-RU"/>
           </a:p>
@@ -3610,7 +4244,7 @@
           <a:p>
             <a:fld id="{AD9897CF-2BDA-410D-933A-6B9BAFD70E05}" type="datetime1">
               <a:rPr lang="ru-RU" smtClean="0"/>
-              <a:t>21.09.2024</a:t>
+              <a:t>23.09.2024</a:t>
             </a:fld>
             <a:endParaRPr lang="ru-RU"/>
           </a:p>
@@ -3730,7 +4364,7 @@
           <a:p>
             <a:fld id="{417622BC-58AC-4A2D-91CE-B90BE15D141D}" type="datetime1">
               <a:rPr lang="ru-RU" smtClean="0"/>
-              <a:t>21.09.2024</a:t>
+              <a:t>23.09.2024</a:t>
             </a:fld>
             <a:endParaRPr lang="ru-RU"/>
           </a:p>
@@ -3828,7 +4462,7 @@
           <a:p>
             <a:fld id="{2DD411C1-03FD-4174-8B29-1952A17761AD}" type="datetime1">
               <a:rPr lang="ru-RU" smtClean="0"/>
-              <a:t>21.09.2024</a:t>
+              <a:t>23.09.2024</a:t>
             </a:fld>
             <a:endParaRPr lang="ru-RU"/>
           </a:p>
@@ -4106,7 +4740,7 @@
           <a:p>
             <a:fld id="{8CD6FCDF-025A-4558-B7C0-9D70D2EBCE6F}" type="datetime1">
               <a:rPr lang="ru-RU" smtClean="0"/>
-              <a:t>21.09.2024</a:t>
+              <a:t>23.09.2024</a:t>
             </a:fld>
             <a:endParaRPr lang="ru-RU"/>
           </a:p>
@@ -4361,7 +4995,7 @@
           <a:p>
             <a:fld id="{4636EB14-F614-45DD-AF15-06D5CD69D646}" type="datetime1">
               <a:rPr lang="ru-RU" smtClean="0"/>
-              <a:t>21.09.2024</a:t>
+              <a:t>23.09.2024</a:t>
             </a:fld>
             <a:endParaRPr lang="ru-RU"/>
           </a:p>
@@ -4506,35 +5140,35 @@
           <a:p>
             <a:pPr lvl="0"/>
             <a:r>
-              <a:rPr lang="ru-RU"/>
+              <a:rPr lang="ru-RU" dirty="0"/>
               <a:t>Образец текста</a:t>
             </a:r>
           </a:p>
           <a:p>
             <a:pPr lvl="1"/>
             <a:r>
-              <a:rPr lang="ru-RU"/>
+              <a:rPr lang="ru-RU" dirty="0"/>
               <a:t>Второй уровень</a:t>
             </a:r>
           </a:p>
           <a:p>
             <a:pPr lvl="2"/>
             <a:r>
-              <a:rPr lang="ru-RU"/>
+              <a:rPr lang="ru-RU" dirty="0"/>
               <a:t>Третий уровень</a:t>
             </a:r>
           </a:p>
           <a:p>
             <a:pPr lvl="3"/>
             <a:r>
-              <a:rPr lang="ru-RU"/>
+              <a:rPr lang="ru-RU" dirty="0"/>
               <a:t>Четвертый уровень</a:t>
             </a:r>
           </a:p>
           <a:p>
             <a:pPr lvl="4"/>
             <a:r>
-              <a:rPr lang="ru-RU"/>
+              <a:rPr lang="ru-RU" dirty="0"/>
               <a:t>Пятый уровень</a:t>
             </a:r>
           </a:p>
@@ -4569,15 +5203,17 @@
                     <a:tint val="75000"/>
                   </a:schemeClr>
                 </a:solidFill>
+                <a:latin typeface="Montserrat" panose="00000500000000000000" pitchFamily="2" charset="0"/>
               </a:defRPr>
             </a:lvl1pPr>
           </a:lstStyle>
           <a:p>
             <a:fld id="{149376B8-C295-4A7D-87DF-C95CA526DB0A}" type="datetime1">
               <a:rPr lang="ru-RU" smtClean="0"/>
-              <a:t>21.09.2024</a:t>
+              <a:pPr/>
+              <a:t>23.09.2024</a:t>
             </a:fld>
-            <a:endParaRPr lang="ru-RU"/>
+            <a:endParaRPr lang="ru-RU" dirty="0"/>
           </a:p>
         </p:txBody>
       </p:sp>
@@ -4610,12 +5246,13 @@
                     <a:tint val="75000"/>
                   </a:schemeClr>
                 </a:solidFill>
+                <a:latin typeface="Montserrat" panose="00000500000000000000" pitchFamily="2" charset="0"/>
               </a:defRPr>
             </a:lvl1pPr>
           </a:lstStyle>
           <a:p>
             <a:r>
-              <a:rPr lang="ru-RU"/>
+              <a:rPr lang="ru-RU" dirty="0"/>
               <a:t>МГТУ им. Н.Э. Баумана, ИБМ3 – «Промышленная логистика»</a:t>
             </a:r>
           </a:p>
@@ -4650,15 +5287,17 @@
                     <a:tint val="75000"/>
                   </a:schemeClr>
                 </a:solidFill>
+                <a:latin typeface="Montserrat" panose="00000500000000000000" pitchFamily="2" charset="0"/>
               </a:defRPr>
             </a:lvl1pPr>
           </a:lstStyle>
           <a:p>
             <a:fld id="{9415E33C-F962-4E59-AF47-C3576160EA36}" type="slidenum">
               <a:rPr lang="ru-RU" smtClean="0"/>
+              <a:pPr/>
               <a:t>‹#›</a:t>
             </a:fld>
-            <a:endParaRPr lang="ru-RU"/>
+            <a:endParaRPr lang="ru-RU" dirty="0"/>
           </a:p>
         </p:txBody>
       </p:sp>
@@ -4718,7 +5357,7 @@
           <a:solidFill>
             <a:schemeClr val="tx1"/>
           </a:solidFill>
-          <a:latin typeface="+mn-lt"/>
+          <a:latin typeface="Montserrat" panose="00000500000000000000" pitchFamily="2" charset="0"/>
           <a:ea typeface="+mn-ea"/>
           <a:cs typeface="+mn-cs"/>
         </a:defRPr>
@@ -4736,7 +5375,7 @@
           <a:solidFill>
             <a:schemeClr val="tx1"/>
           </a:solidFill>
-          <a:latin typeface="+mn-lt"/>
+          <a:latin typeface="Montserrat" panose="00000500000000000000" pitchFamily="2" charset="0"/>
           <a:ea typeface="+mn-ea"/>
           <a:cs typeface="+mn-cs"/>
         </a:defRPr>
@@ -4754,7 +5393,7 @@
           <a:solidFill>
             <a:schemeClr val="tx1"/>
           </a:solidFill>
-          <a:latin typeface="+mn-lt"/>
+          <a:latin typeface="Montserrat" panose="00000500000000000000" pitchFamily="2" charset="0"/>
           <a:ea typeface="+mn-ea"/>
           <a:cs typeface="+mn-cs"/>
         </a:defRPr>
@@ -4772,7 +5411,7 @@
           <a:solidFill>
             <a:schemeClr val="tx1"/>
           </a:solidFill>
-          <a:latin typeface="+mn-lt"/>
+          <a:latin typeface="Montserrat" panose="00000500000000000000" pitchFamily="2" charset="0"/>
           <a:ea typeface="+mn-ea"/>
           <a:cs typeface="+mn-cs"/>
         </a:defRPr>
@@ -4790,7 +5429,7 @@
           <a:solidFill>
             <a:schemeClr val="tx1"/>
           </a:solidFill>
-          <a:latin typeface="+mn-lt"/>
+          <a:latin typeface="Montserrat" panose="00000500000000000000" pitchFamily="2" charset="0"/>
           <a:ea typeface="+mn-ea"/>
           <a:cs typeface="+mn-cs"/>
         </a:defRPr>
@@ -5011,21 +5650,7 @@
                 <a:latin typeface="Montserrat" panose="00000500000000000000" pitchFamily="2" charset="0"/>
                 <a:cs typeface="Arial" panose="020B0604020202020204" pitchFamily="34" charset="0"/>
               </a:rPr>
-              <a:t>Презентация</a:t>
-            </a:r>
-            <a:r>
-              <a:rPr lang="ru-RU" sz="2000" dirty="0">
-                <a:latin typeface="Arial" panose="020B0604020202020204" pitchFamily="34" charset="0"/>
-                <a:cs typeface="Arial" panose="020B0604020202020204" pitchFamily="34" charset="0"/>
-              </a:rPr>
-              <a:t> </a:t>
-            </a:r>
-            <a:r>
-              <a:rPr lang="ru-RU" sz="2000" dirty="0">
-                <a:latin typeface="Montserrat" panose="00000500000000000000" pitchFamily="2" charset="0"/>
-                <a:cs typeface="Arial" panose="020B0604020202020204" pitchFamily="34" charset="0"/>
-              </a:rPr>
-              <a:t>на тему:</a:t>
+              <a:t>Презентация на тему:</a:t>
             </a:r>
             <a:br>
               <a:rPr lang="ru-RU" sz="2000" dirty="0">
@@ -5156,14 +5781,14 @@
           <a:effectLst/>
           <a:extLst>
             <a:ext uri="{909E8E84-426E-40dd-AFC4-6F175D3DCCD1}">
-              <a14:hiddenFill xmlns="" xmlns:a14="http://schemas.microsoft.com/office/drawing/2010/main">
+              <a14:hiddenFill xmlns:a14="http://schemas.microsoft.com/office/drawing/2010/main" xmlns="">
                 <a:solidFill>
                   <a:schemeClr val="accent1"/>
                 </a:solidFill>
               </a14:hiddenFill>
             </a:ext>
             <a:ext uri="{91240B29-F687-4f45-9708-019B960494DF}">
-              <a14:hiddenLine xmlns="" xmlns:a14="http://schemas.microsoft.com/office/drawing/2010/main" w="9525">
+              <a14:hiddenLine xmlns:a14="http://schemas.microsoft.com/office/drawing/2010/main" xmlns="" w="9525">
                 <a:solidFill>
                   <a:schemeClr val="tx1"/>
                 </a:solidFill>
@@ -5173,7 +5798,7 @@
               </a14:hiddenLine>
             </a:ext>
             <a:ext uri="{AF507438-7753-43e0-B8FC-AC1667EBCBE1}">
-              <a14:hiddenEffects xmlns="" xmlns:a14="http://schemas.microsoft.com/office/drawing/2010/main">
+              <a14:hiddenEffects xmlns:a14="http://schemas.microsoft.com/office/drawing/2010/main" xmlns="">
                 <a:effectLst>
                   <a:outerShdw blurRad="63500" dist="38099" dir="2700000" algn="ctr" rotWithShape="0">
                     <a:schemeClr val="bg2">
@@ -5484,7 +6109,7 @@
                 <a:latin typeface="Montserrat" panose="00000500000000000000" pitchFamily="2" charset="0"/>
                 <a:cs typeface="Arial" panose="020B0604020202020204" pitchFamily="34" charset="0"/>
               </a:rPr>
-              <a:t>Перекрестная эластичность</a:t>
+              <a:t>по цене</a:t>
             </a:r>
           </a:p>
         </p:txBody>
@@ -5499,9 +6124,14 @@
             <p:ph idx="1"/>
           </p:nvPr>
         </p:nvSpPr>
-        <p:spPr/>
-        <p:txBody>
-          <a:bodyPr anchor="ctr">
+        <p:spPr>
+          <a:xfrm>
+            <a:off x="838200" y="2179201"/>
+            <a:ext cx="4897582" cy="3575917"/>
+          </a:xfrm>
+        </p:spPr>
+        <p:txBody>
+          <a:bodyPr>
             <a:normAutofit/>
           </a:bodyPr>
           <a:lstStyle/>
@@ -5513,46 +6143,13 @@
               <a:buNone/>
             </a:pPr>
             <a:r>
-              <a:rPr lang="ru-RU" sz="1800" dirty="0">
-                <a:latin typeface="Montserrat" panose="00000500000000000000" pitchFamily="2" charset="0"/>
-              </a:rPr>
-              <a:t>Показывает, как изменится </a:t>
-            </a:r>
-            <a:r>
-              <a:rPr lang="ru-RU" sz="1800" b="1" dirty="0">
-                <a:latin typeface="Montserrat" panose="00000500000000000000" pitchFamily="2" charset="0"/>
-              </a:rPr>
-              <a:t>спрос</a:t>
-            </a:r>
-            <a:r>
-              <a:rPr lang="ru-RU" sz="1800" dirty="0">
-                <a:latin typeface="Montserrat" panose="00000500000000000000" pitchFamily="2" charset="0"/>
-              </a:rPr>
-              <a:t> на один товар, если </a:t>
-            </a:r>
-            <a:r>
-              <a:rPr lang="ru-RU" sz="1800" b="1" dirty="0">
-                <a:latin typeface="Montserrat" panose="00000500000000000000" pitchFamily="2" charset="0"/>
-              </a:rPr>
-              <a:t>поднять</a:t>
-            </a:r>
-            <a:r>
-              <a:rPr lang="ru-RU" sz="1800" dirty="0">
-                <a:latin typeface="Montserrat" panose="00000500000000000000" pitchFamily="2" charset="0"/>
-              </a:rPr>
-              <a:t> или </a:t>
-            </a:r>
-            <a:r>
-              <a:rPr lang="ru-RU" sz="1800" b="1" dirty="0">
-                <a:latin typeface="Montserrat" panose="00000500000000000000" pitchFamily="2" charset="0"/>
-              </a:rPr>
-              <a:t>понизить</a:t>
-            </a:r>
-            <a:r>
-              <a:rPr lang="ru-RU" sz="1800" dirty="0">
-                <a:latin typeface="Montserrat" panose="00000500000000000000" pitchFamily="2" charset="0"/>
-              </a:rPr>
-              <a:t> цену другого товара. </a:t>
+              <a:rPr lang="ru-RU" sz="1500" b="1" dirty="0">
+                <a:solidFill>
+                  <a:srgbClr val="326CDB"/>
+                </a:solidFill>
+                <a:latin typeface="Montserrat" panose="00000500000000000000" pitchFamily="2" charset="0"/>
+              </a:rPr>
+              <a:t>Неэластичный спрос</a:t>
             </a:r>
           </a:p>
           <a:p>
@@ -5562,24 +6159,25 @@
               </a:lnSpc>
               <a:buNone/>
             </a:pPr>
-            <a:endParaRPr lang="ru-RU" sz="1800" dirty="0">
-              <a:latin typeface="Montserrat" panose="00000500000000000000" pitchFamily="2" charset="0"/>
+            <a:r>
+              <a:rPr lang="ru-RU" sz="1500" dirty="0">
+                <a:solidFill>
+                  <a:schemeClr val="bg1">
+                    <a:lumMod val="50000"/>
+                  </a:schemeClr>
+                </a:solidFill>
+                <a:latin typeface="Montserrat" panose="00000500000000000000" pitchFamily="2" charset="0"/>
+              </a:rPr>
+              <a:t>базовые лекарства, молоко, крупы, хлеб, соль, сахар</a:t>
+            </a:r>
+            <a:endParaRPr lang="ru-RU" sz="1500" dirty="0">
+              <a:solidFill>
+                <a:schemeClr val="bg1">
+                  <a:lumMod val="50000"/>
+                </a:schemeClr>
+              </a:solidFill>
             </a:endParaRPr>
           </a:p>
-          <a:p>
-            <a:pPr marL="0" indent="0">
-              <a:lnSpc>
-                <a:spcPct val="150000"/>
-              </a:lnSpc>
-              <a:buNone/>
-            </a:pPr>
-            <a:r>
-              <a:rPr lang="ru-RU" sz="1800" dirty="0">
-                <a:latin typeface="Montserrat" panose="00000500000000000000" pitchFamily="2" charset="0"/>
-              </a:rPr>
-              <a:t>Помогает определить, как стоимость заменяющих и дополняющих товаров влияет на желание покупателей приобрести продукт.</a:t>
-            </a:r>
-          </a:p>
         </p:txBody>
       </p:sp>
       <p:sp>
@@ -5599,7 +6197,7 @@
           <a:p>
             <a:r>
               <a:rPr lang="ru-RU" dirty="0">
-                <a:latin typeface="Arial" panose="020B0604020202020204" pitchFamily="34" charset="0"/>
+                <a:latin typeface="Montserrat" panose="00000500000000000000" pitchFamily="2" charset="0"/>
                 <a:cs typeface="Arial" panose="020B0604020202020204" pitchFamily="34" charset="0"/>
               </a:rPr>
               <a:t>МГТУ им. Н.Э. Баумана, ИУ7 – «Программное обеспечение ЭВМ и информационные технологии»</a:t>
@@ -5626,7 +6224,7 @@
               <a:rPr lang="ru-RU" smtClean="0"/>
               <a:t>10</a:t>
             </a:fld>
-            <a:endParaRPr lang="ru-RU"/>
+            <a:endParaRPr lang="ru-RU" dirty="0"/>
           </a:p>
         </p:txBody>
       </p:sp>
@@ -5677,10 +6275,429 @@
           </a:extLst>
         </p:spPr>
       </p:pic>
+      <p:sp>
+        <p:nvSpPr>
+          <p:cNvPr id="8" name="Объект 2">
+            <a:extLst>
+              <a:ext uri="{FF2B5EF4-FFF2-40B4-BE49-F238E27FC236}">
+                <a16:creationId xmlns:a16="http://schemas.microsoft.com/office/drawing/2014/main" id="{426C69A6-A2F1-40A8-B889-C63B1AE0A2E3}"/>
+              </a:ext>
+            </a:extLst>
+          </p:cNvPr>
+          <p:cNvSpPr txBox="1">
+            <a:spLocks/>
+          </p:cNvSpPr>
+          <p:nvPr/>
+        </p:nvSpPr>
+        <p:spPr>
+          <a:xfrm>
+            <a:off x="6096000" y="2179201"/>
+            <a:ext cx="4897582" cy="3575917"/>
+          </a:xfrm>
+          <a:prstGeom prst="rect">
+            <a:avLst/>
+          </a:prstGeom>
+        </p:spPr>
+        <p:txBody>
+          <a:bodyPr vert="horz" lIns="91440" tIns="45720" rIns="91440" bIns="45720" rtlCol="0">
+            <a:normAutofit/>
+          </a:bodyPr>
+          <a:lstStyle>
+            <a:lvl1pPr marL="228600" indent="-228600" algn="l" defTabSz="914400" rtl="0" eaLnBrk="1" latinLnBrk="0" hangingPunct="1">
+              <a:lnSpc>
+                <a:spcPct val="90000"/>
+              </a:lnSpc>
+              <a:spcBef>
+                <a:spcPts val="1000"/>
+              </a:spcBef>
+              <a:buFont typeface="Arial" panose="020B0604020202020204" pitchFamily="34" charset="0"/>
+              <a:buChar char="•"/>
+              <a:defRPr sz="2800" kern="1200">
+                <a:solidFill>
+                  <a:schemeClr val="tx1"/>
+                </a:solidFill>
+                <a:latin typeface="Montserrat" panose="00000500000000000000" pitchFamily="2" charset="0"/>
+                <a:ea typeface="+mn-ea"/>
+                <a:cs typeface="+mn-cs"/>
+              </a:defRPr>
+            </a:lvl1pPr>
+            <a:lvl2pPr marL="685800" indent="-228600" algn="l" defTabSz="914400" rtl="0" eaLnBrk="1" latinLnBrk="0" hangingPunct="1">
+              <a:lnSpc>
+                <a:spcPct val="90000"/>
+              </a:lnSpc>
+              <a:spcBef>
+                <a:spcPts val="500"/>
+              </a:spcBef>
+              <a:buFont typeface="Arial" panose="020B0604020202020204" pitchFamily="34" charset="0"/>
+              <a:buChar char="•"/>
+              <a:defRPr sz="2400" kern="1200">
+                <a:solidFill>
+                  <a:schemeClr val="tx1"/>
+                </a:solidFill>
+                <a:latin typeface="Montserrat" panose="00000500000000000000" pitchFamily="2" charset="0"/>
+                <a:ea typeface="+mn-ea"/>
+                <a:cs typeface="+mn-cs"/>
+              </a:defRPr>
+            </a:lvl2pPr>
+            <a:lvl3pPr marL="1143000" indent="-228600" algn="l" defTabSz="914400" rtl="0" eaLnBrk="1" latinLnBrk="0" hangingPunct="1">
+              <a:lnSpc>
+                <a:spcPct val="90000"/>
+              </a:lnSpc>
+              <a:spcBef>
+                <a:spcPts val="500"/>
+              </a:spcBef>
+              <a:buFont typeface="Arial" panose="020B0604020202020204" pitchFamily="34" charset="0"/>
+              <a:buChar char="•"/>
+              <a:defRPr sz="2000" kern="1200">
+                <a:solidFill>
+                  <a:schemeClr val="tx1"/>
+                </a:solidFill>
+                <a:latin typeface="Montserrat" panose="00000500000000000000" pitchFamily="2" charset="0"/>
+                <a:ea typeface="+mn-ea"/>
+                <a:cs typeface="+mn-cs"/>
+              </a:defRPr>
+            </a:lvl3pPr>
+            <a:lvl4pPr marL="1600200" indent="-228600" algn="l" defTabSz="914400" rtl="0" eaLnBrk="1" latinLnBrk="0" hangingPunct="1">
+              <a:lnSpc>
+                <a:spcPct val="90000"/>
+              </a:lnSpc>
+              <a:spcBef>
+                <a:spcPts val="500"/>
+              </a:spcBef>
+              <a:buFont typeface="Arial" panose="020B0604020202020204" pitchFamily="34" charset="0"/>
+              <a:buChar char="•"/>
+              <a:defRPr sz="1800" kern="1200">
+                <a:solidFill>
+                  <a:schemeClr val="tx1"/>
+                </a:solidFill>
+                <a:latin typeface="Montserrat" panose="00000500000000000000" pitchFamily="2" charset="0"/>
+                <a:ea typeface="+mn-ea"/>
+                <a:cs typeface="+mn-cs"/>
+              </a:defRPr>
+            </a:lvl4pPr>
+            <a:lvl5pPr marL="2057400" indent="-228600" algn="l" defTabSz="914400" rtl="0" eaLnBrk="1" latinLnBrk="0" hangingPunct="1">
+              <a:lnSpc>
+                <a:spcPct val="90000"/>
+              </a:lnSpc>
+              <a:spcBef>
+                <a:spcPts val="500"/>
+              </a:spcBef>
+              <a:buFont typeface="Arial" panose="020B0604020202020204" pitchFamily="34" charset="0"/>
+              <a:buChar char="•"/>
+              <a:defRPr sz="1800" kern="1200">
+                <a:solidFill>
+                  <a:schemeClr val="tx1"/>
+                </a:solidFill>
+                <a:latin typeface="Montserrat" panose="00000500000000000000" pitchFamily="2" charset="0"/>
+                <a:ea typeface="+mn-ea"/>
+                <a:cs typeface="+mn-cs"/>
+              </a:defRPr>
+            </a:lvl5pPr>
+            <a:lvl6pPr marL="2514600" indent="-228600" algn="l" defTabSz="914400" rtl="0" eaLnBrk="1" latinLnBrk="0" hangingPunct="1">
+              <a:lnSpc>
+                <a:spcPct val="90000"/>
+              </a:lnSpc>
+              <a:spcBef>
+                <a:spcPts val="500"/>
+              </a:spcBef>
+              <a:buFont typeface="Arial" panose="020B0604020202020204" pitchFamily="34" charset="0"/>
+              <a:buChar char="•"/>
+              <a:defRPr sz="1800" kern="1200">
+                <a:solidFill>
+                  <a:schemeClr val="tx1"/>
+                </a:solidFill>
+                <a:latin typeface="+mn-lt"/>
+                <a:ea typeface="+mn-ea"/>
+                <a:cs typeface="+mn-cs"/>
+              </a:defRPr>
+            </a:lvl6pPr>
+            <a:lvl7pPr marL="2971800" indent="-228600" algn="l" defTabSz="914400" rtl="0" eaLnBrk="1" latinLnBrk="0" hangingPunct="1">
+              <a:lnSpc>
+                <a:spcPct val="90000"/>
+              </a:lnSpc>
+              <a:spcBef>
+                <a:spcPts val="500"/>
+              </a:spcBef>
+              <a:buFont typeface="Arial" panose="020B0604020202020204" pitchFamily="34" charset="0"/>
+              <a:buChar char="•"/>
+              <a:defRPr sz="1800" kern="1200">
+                <a:solidFill>
+                  <a:schemeClr val="tx1"/>
+                </a:solidFill>
+                <a:latin typeface="+mn-lt"/>
+                <a:ea typeface="+mn-ea"/>
+                <a:cs typeface="+mn-cs"/>
+              </a:defRPr>
+            </a:lvl7pPr>
+            <a:lvl8pPr marL="3429000" indent="-228600" algn="l" defTabSz="914400" rtl="0" eaLnBrk="1" latinLnBrk="0" hangingPunct="1">
+              <a:lnSpc>
+                <a:spcPct val="90000"/>
+              </a:lnSpc>
+              <a:spcBef>
+                <a:spcPts val="500"/>
+              </a:spcBef>
+              <a:buFont typeface="Arial" panose="020B0604020202020204" pitchFamily="34" charset="0"/>
+              <a:buChar char="•"/>
+              <a:defRPr sz="1800" kern="1200">
+                <a:solidFill>
+                  <a:schemeClr val="tx1"/>
+                </a:solidFill>
+                <a:latin typeface="+mn-lt"/>
+                <a:ea typeface="+mn-ea"/>
+                <a:cs typeface="+mn-cs"/>
+              </a:defRPr>
+            </a:lvl8pPr>
+            <a:lvl9pPr marL="3886200" indent="-228600" algn="l" defTabSz="914400" rtl="0" eaLnBrk="1" latinLnBrk="0" hangingPunct="1">
+              <a:lnSpc>
+                <a:spcPct val="90000"/>
+              </a:lnSpc>
+              <a:spcBef>
+                <a:spcPts val="500"/>
+              </a:spcBef>
+              <a:buFont typeface="Arial" panose="020B0604020202020204" pitchFamily="34" charset="0"/>
+              <a:buChar char="•"/>
+              <a:defRPr sz="1800" kern="1200">
+                <a:solidFill>
+                  <a:schemeClr val="tx1"/>
+                </a:solidFill>
+                <a:latin typeface="+mn-lt"/>
+                <a:ea typeface="+mn-ea"/>
+                <a:cs typeface="+mn-cs"/>
+              </a:defRPr>
+            </a:lvl9pPr>
+          </a:lstStyle>
+          <a:p>
+            <a:pPr marL="0" indent="0">
+              <a:lnSpc>
+                <a:spcPct val="150000"/>
+              </a:lnSpc>
+              <a:buFont typeface="Arial" panose="020B0604020202020204" pitchFamily="34" charset="0"/>
+              <a:buNone/>
+            </a:pPr>
+            <a:r>
+              <a:rPr lang="ru-RU" sz="1500" b="1" dirty="0">
+                <a:solidFill>
+                  <a:srgbClr val="326CDB"/>
+                </a:solidFill>
+              </a:rPr>
+              <a:t>Эластичный спрос</a:t>
+            </a:r>
+          </a:p>
+          <a:p>
+            <a:pPr marL="0" indent="0">
+              <a:lnSpc>
+                <a:spcPct val="150000"/>
+              </a:lnSpc>
+              <a:buFont typeface="Arial" panose="020B0604020202020204" pitchFamily="34" charset="0"/>
+              <a:buNone/>
+            </a:pPr>
+            <a:r>
+              <a:rPr lang="ru-RU" sz="1500" dirty="0">
+                <a:solidFill>
+                  <a:schemeClr val="bg1">
+                    <a:lumMod val="50000"/>
+                  </a:schemeClr>
+                </a:solidFill>
+              </a:rPr>
+              <a:t>деликатесы, фрукты, сладости, мебель и бытовая техника, а также сфера услуг и развлечений</a:t>
+            </a:r>
+          </a:p>
+          <a:p>
+            <a:pPr marL="0" indent="0">
+              <a:lnSpc>
+                <a:spcPct val="150000"/>
+              </a:lnSpc>
+              <a:buFont typeface="Arial" panose="020B0604020202020204" pitchFamily="34" charset="0"/>
+              <a:buNone/>
+            </a:pPr>
+            <a:endParaRPr lang="ru-RU" sz="1500" dirty="0">
+              <a:solidFill>
+                <a:schemeClr val="bg1">
+                  <a:lumMod val="50000"/>
+                </a:schemeClr>
+              </a:solidFill>
+            </a:endParaRPr>
+          </a:p>
+          <a:p>
+            <a:pPr marL="0" indent="0">
+              <a:lnSpc>
+                <a:spcPct val="150000"/>
+              </a:lnSpc>
+              <a:buFont typeface="Arial" panose="020B0604020202020204" pitchFamily="34" charset="0"/>
+              <a:buNone/>
+            </a:pPr>
+            <a:r>
+              <a:rPr lang="ru-RU" sz="1500" dirty="0"/>
+              <a:t>сбыт престижных товаров растет вслед за увеличением цен</a:t>
+            </a:r>
+          </a:p>
+        </p:txBody>
+      </p:sp>
+      <p:sp>
+        <p:nvSpPr>
+          <p:cNvPr id="10" name="TextBox 9">
+            <a:extLst>
+              <a:ext uri="{FF2B5EF4-FFF2-40B4-BE49-F238E27FC236}">
+                <a16:creationId xmlns:a16="http://schemas.microsoft.com/office/drawing/2014/main" id="{CA34E12E-4C3B-42AE-966D-48234B6733F0}"/>
+              </a:ext>
+            </a:extLst>
+          </p:cNvPr>
+          <p:cNvSpPr txBox="1"/>
+          <p:nvPr/>
+        </p:nvSpPr>
+        <p:spPr>
+          <a:xfrm>
+            <a:off x="838200" y="3846705"/>
+            <a:ext cx="4765964" cy="2200026"/>
+          </a:xfrm>
+          <a:prstGeom prst="rect">
+            <a:avLst/>
+          </a:prstGeom>
+          <a:noFill/>
+        </p:spPr>
+        <p:txBody>
+          <a:bodyPr wrap="square">
+            <a:spAutoFit/>
+          </a:bodyPr>
+          <a:lstStyle/>
+          <a:p>
+            <a:pPr marL="0" indent="0">
+              <a:lnSpc>
+                <a:spcPct val="150000"/>
+              </a:lnSpc>
+              <a:buNone/>
+            </a:pPr>
+            <a:r>
+              <a:rPr lang="ru-RU" sz="1800" b="1" dirty="0">
+                <a:solidFill>
+                  <a:srgbClr val="326CDB"/>
+                </a:solidFill>
+                <a:latin typeface="Montserrat" panose="00000500000000000000" pitchFamily="2" charset="0"/>
+              </a:rPr>
+              <a:t>Товары </a:t>
+            </a:r>
+            <a:r>
+              <a:rPr lang="ru-RU" sz="1800" b="1" dirty="0" err="1">
+                <a:solidFill>
+                  <a:srgbClr val="326CDB"/>
+                </a:solidFill>
+                <a:latin typeface="Montserrat" panose="00000500000000000000" pitchFamily="2" charset="0"/>
+              </a:rPr>
+              <a:t>Гиффена</a:t>
+            </a:r>
+            <a:endParaRPr lang="ru-RU" sz="1800" b="1" dirty="0">
+              <a:solidFill>
+                <a:srgbClr val="326CDB"/>
+              </a:solidFill>
+              <a:latin typeface="Montserrat" panose="00000500000000000000" pitchFamily="2" charset="0"/>
+            </a:endParaRPr>
+          </a:p>
+          <a:p>
+            <a:pPr marL="0" indent="0">
+              <a:lnSpc>
+                <a:spcPct val="150000"/>
+              </a:lnSpc>
+              <a:buNone/>
+            </a:pPr>
+            <a:r>
+              <a:rPr lang="ru-RU" sz="1500" dirty="0">
+                <a:latin typeface="Montserrat" panose="00000500000000000000" pitchFamily="2" charset="0"/>
+              </a:rPr>
+              <a:t>Люди будут покупать их, даже если стоимость сильно изменится. К товарам неэластичного спроса относят, кроме того, предметы, которые характеризуют </a:t>
+            </a:r>
+            <a:r>
+              <a:rPr lang="ru-RU" sz="1500" b="1" dirty="0">
+                <a:latin typeface="Montserrat" panose="00000500000000000000" pitchFamily="2" charset="0"/>
+              </a:rPr>
+              <a:t>привычки </a:t>
+            </a:r>
+            <a:r>
+              <a:rPr lang="ru-RU" sz="1500" dirty="0">
+                <a:latin typeface="Montserrat" panose="00000500000000000000" pitchFamily="2" charset="0"/>
+              </a:rPr>
+              <a:t>и </a:t>
+            </a:r>
+            <a:r>
+              <a:rPr lang="ru-RU" sz="1500" b="1" dirty="0">
+                <a:latin typeface="Montserrat" panose="00000500000000000000" pitchFamily="2" charset="0"/>
+              </a:rPr>
+              <a:t>образ жизни </a:t>
+            </a:r>
+            <a:r>
+              <a:rPr lang="ru-RU" sz="1500" dirty="0">
+                <a:latin typeface="Montserrat" panose="00000500000000000000" pitchFamily="2" charset="0"/>
+              </a:rPr>
+              <a:t>людей.</a:t>
+            </a:r>
+          </a:p>
+        </p:txBody>
+      </p:sp>
+      <p:sp>
+        <p:nvSpPr>
+          <p:cNvPr id="13" name="TextBox 12">
+            <a:extLst>
+              <a:ext uri="{FF2B5EF4-FFF2-40B4-BE49-F238E27FC236}">
+                <a16:creationId xmlns:a16="http://schemas.microsoft.com/office/drawing/2014/main" id="{8EB44BDF-E5AA-4176-B86D-E881FC5501F9}"/>
+              </a:ext>
+            </a:extLst>
+          </p:cNvPr>
+          <p:cNvSpPr txBox="1"/>
+          <p:nvPr/>
+        </p:nvSpPr>
+        <p:spPr>
+          <a:xfrm>
+            <a:off x="6096000" y="3842858"/>
+            <a:ext cx="4097246" cy="464871"/>
+          </a:xfrm>
+          <a:prstGeom prst="rect">
+            <a:avLst/>
+          </a:prstGeom>
+          <a:noFill/>
+        </p:spPr>
+        <p:txBody>
+          <a:bodyPr wrap="square">
+            <a:spAutoFit/>
+          </a:bodyPr>
+          <a:lstStyle/>
+          <a:p>
+            <a:pPr marL="0" indent="0">
+              <a:lnSpc>
+                <a:spcPct val="150000"/>
+              </a:lnSpc>
+              <a:buFont typeface="Arial" panose="020B0604020202020204" pitchFamily="34" charset="0"/>
+              <a:buNone/>
+            </a:pPr>
+            <a:r>
+              <a:rPr lang="ru-RU" sz="1800" b="1" dirty="0">
+                <a:solidFill>
+                  <a:srgbClr val="326CDB"/>
+                </a:solidFill>
+                <a:latin typeface="Montserrat" panose="00000500000000000000" pitchFamily="2" charset="0"/>
+              </a:rPr>
+              <a:t>эффектом </a:t>
+            </a:r>
+            <a:r>
+              <a:rPr lang="ru-RU" sz="1800" b="1" dirty="0" err="1">
+                <a:solidFill>
+                  <a:srgbClr val="326CDB"/>
+                </a:solidFill>
+                <a:latin typeface="Montserrat" panose="00000500000000000000" pitchFamily="2" charset="0"/>
+              </a:rPr>
+              <a:t>Веблена</a:t>
+            </a:r>
+            <a:endParaRPr lang="ru-RU" sz="1800" b="1" dirty="0">
+              <a:solidFill>
+                <a:srgbClr val="326CDB"/>
+              </a:solidFill>
+              <a:latin typeface="Montserrat" panose="00000500000000000000" pitchFamily="2" charset="0"/>
+            </a:endParaRPr>
+          </a:p>
+        </p:txBody>
+      </p:sp>
     </p:spTree>
     <p:extLst>
       <p:ext uri="{BB962C8B-B14F-4D97-AF65-F5344CB8AC3E}">
-        <p14:creationId xmlns:p14="http://schemas.microsoft.com/office/powerpoint/2010/main" val="36148254"/>
+        <p14:creationId xmlns:p14="http://schemas.microsoft.com/office/powerpoint/2010/main" val="2214237742"/>
       </p:ext>
     </p:extLst>
   </p:cSld>
@@ -5737,7 +6754,26 @@
                 <a:latin typeface="Montserrat" panose="00000500000000000000" pitchFamily="2" charset="0"/>
                 <a:cs typeface="Arial" panose="020B0604020202020204" pitchFamily="34" charset="0"/>
               </a:rPr>
-              <a:t>Эластичность предложения</a:t>
+              <a:t>Эластичность спроса</a:t>
+            </a:r>
+            <a:br>
+              <a:rPr lang="ru-RU" b="1" dirty="0">
+                <a:solidFill>
+                  <a:srgbClr val="326CDB"/>
+                </a:solidFill>
+                <a:latin typeface="Montserrat" panose="00000500000000000000" pitchFamily="2" charset="0"/>
+                <a:cs typeface="Arial" panose="020B0604020202020204" pitchFamily="34" charset="0"/>
+              </a:rPr>
+            </a:br>
+            <a:r>
+              <a:rPr lang="ru-RU" sz="2800" b="1" dirty="0">
+                <a:solidFill>
+                  <a:srgbClr val="326CDB"/>
+                </a:solidFill>
+                <a:latin typeface="Montserrat" panose="00000500000000000000" pitchFamily="2" charset="0"/>
+                <a:cs typeface="Arial" panose="020B0604020202020204" pitchFamily="34" charset="0"/>
+              </a:rPr>
+              <a:t>по доходу</a:t>
             </a:r>
           </a:p>
         </p:txBody>
@@ -5752,10 +6788,15 @@
             <p:ph idx="1"/>
           </p:nvPr>
         </p:nvSpPr>
-        <p:spPr/>
-        <p:txBody>
-          <a:bodyPr>
-            <a:normAutofit/>
+        <p:spPr>
+          <a:xfrm>
+            <a:off x="838200" y="1825625"/>
+            <a:ext cx="10515600" cy="3992847"/>
+          </a:xfrm>
+        </p:spPr>
+        <p:txBody>
+          <a:bodyPr numCol="1">
+            <a:noAutofit/>
           </a:bodyPr>
           <a:lstStyle/>
           <a:p>
@@ -5769,22 +6810,7 @@
               <a:rPr lang="ru-RU" sz="1800" dirty="0">
                 <a:latin typeface="Montserrat" panose="00000500000000000000" pitchFamily="2" charset="0"/>
               </a:rPr>
-              <a:t>демонстрирует, как </a:t>
-            </a:r>
-            <a:r>
-              <a:rPr lang="ru-RU" sz="1800" dirty="0">
-                <a:solidFill>
-                  <a:srgbClr val="326CDB"/>
-                </a:solidFill>
-                <a:latin typeface="Montserrat" panose="00000500000000000000" pitchFamily="2" charset="0"/>
-              </a:rPr>
-              <a:t>продавцы</a:t>
-            </a:r>
-            <a:r>
-              <a:rPr lang="ru-RU" sz="1800" dirty="0">
-                <a:latin typeface="Montserrat" panose="00000500000000000000" pitchFamily="2" charset="0"/>
-              </a:rPr>
-              <a:t> реагируют на изменение цены: увеличивают или уменьшают объемы продукции на рынке.</a:t>
+              <a:t>показывает, как изменится спрос, если доходы потребителей вырастут или упадут</a:t>
             </a:r>
           </a:p>
           <a:p>
@@ -5816,8 +6842,8 @@
               </a:lnSpc>
               <a:buNone/>
             </a:pPr>
-            <a:endParaRPr lang="ru-RU" sz="1800" dirty="0">
-              <a:latin typeface="Montserrat" panose="00000500000000000000" pitchFamily="2" charset="0"/>
+            <a:endParaRPr lang="ru-RU" sz="1800" b="0" i="0" u="none" strike="noStrike" baseline="0" dirty="0">
+              <a:latin typeface="SFRM1440"/>
             </a:endParaRPr>
           </a:p>
           <a:p>
@@ -5827,38 +6853,9 @@
               </a:lnSpc>
               <a:buNone/>
             </a:pPr>
-            <a:r>
-              <a:rPr lang="ru-RU" sz="1800" dirty="0">
-                <a:latin typeface="Montserrat" panose="00000500000000000000" pitchFamily="2" charset="0"/>
-              </a:rPr>
-              <a:t>Чем больше проходит времени с момента повышения цен или изменения</a:t>
-            </a:r>
-          </a:p>
-          <a:p>
-            <a:pPr marL="0" indent="0">
-              <a:lnSpc>
-                <a:spcPct val="150000"/>
-              </a:lnSpc>
-              <a:buNone/>
-            </a:pPr>
-            <a:r>
-              <a:rPr lang="ru-RU" sz="1800" dirty="0">
-                <a:latin typeface="Montserrat" panose="00000500000000000000" pitchFamily="2" charset="0"/>
-              </a:rPr>
-              <a:t>спроса, тем </a:t>
-            </a:r>
-            <a:r>
-              <a:rPr lang="ru-RU" sz="1800" b="1" dirty="0">
-                <a:latin typeface="Montserrat" panose="00000500000000000000" pitchFamily="2" charset="0"/>
-              </a:rPr>
-              <a:t>более эластичными </a:t>
-            </a:r>
-            <a:r>
-              <a:rPr lang="ru-RU" sz="1800" dirty="0">
-                <a:latin typeface="Montserrat" panose="00000500000000000000" pitchFamily="2" charset="0"/>
-              </a:rPr>
-              <a:t>становятся спрос и предложение.</a:t>
-            </a:r>
+            <a:endParaRPr lang="ru-RU" sz="1800" b="1" i="1" dirty="0">
+              <a:latin typeface="Montserrat" panose="00000500000000000000" pitchFamily="2" charset="0"/>
+            </a:endParaRPr>
           </a:p>
         </p:txBody>
       </p:sp>
@@ -5879,7 +6876,7 @@
           <a:p>
             <a:r>
               <a:rPr lang="ru-RU" dirty="0">
-                <a:latin typeface="Arial" panose="020B0604020202020204" pitchFamily="34" charset="0"/>
+                <a:latin typeface="Montserrat" panose="00000500000000000000" pitchFamily="2" charset="0"/>
                 <a:cs typeface="Arial" panose="020B0604020202020204" pitchFamily="34" charset="0"/>
               </a:rPr>
               <a:t>МГТУ им. Н.Э. Баумана, ИУ7 – «Программное обеспечение ЭВМ и информационные технологии»</a:t>
@@ -5957,12 +6954,657 @@
           </a:extLst>
         </p:spPr>
       </p:pic>
-      <p:sp>
-        <p:nvSpPr>
-          <p:cNvPr id="8" name="TextBox 7">
+      <p:pic>
+        <p:nvPicPr>
+          <p:cNvPr id="8" name="Рисунок 7">
             <a:extLst>
               <a:ext uri="{FF2B5EF4-FFF2-40B4-BE49-F238E27FC236}">
-                <a16:creationId xmlns:a16="http://schemas.microsoft.com/office/drawing/2014/main" id="{957AA84F-8897-4933-85BC-FB0080066665}"/>
+                <a16:creationId xmlns:a16="http://schemas.microsoft.com/office/drawing/2014/main" id="{A51CFDCE-016F-46DE-A41A-3E752F019132}"/>
+              </a:ext>
+            </a:extLst>
+          </p:cNvPr>
+          <p:cNvPicPr>
+            <a:picLocks noChangeAspect="1"/>
+          </p:cNvPicPr>
+          <p:nvPr/>
+        </p:nvPicPr>
+        <p:blipFill>
+          <a:blip r:embed="rId4"/>
+          <a:stretch>
+            <a:fillRect/>
+          </a:stretch>
+        </p:blipFill>
+        <p:spPr>
+          <a:xfrm>
+            <a:off x="838200" y="2414703"/>
+            <a:ext cx="3099508" cy="3040805"/>
+          </a:xfrm>
+          <a:prstGeom prst="rect">
+            <a:avLst/>
+          </a:prstGeom>
+        </p:spPr>
+      </p:pic>
+      <mc:AlternateContent xmlns:mc="http://schemas.openxmlformats.org/markup-compatibility/2006">
+        <mc:Choice xmlns:a14="http://schemas.microsoft.com/office/drawing/2010/main" Requires="a14">
+          <p:sp>
+            <p:nvSpPr>
+              <p:cNvPr id="10" name="TextBox 9">
+                <a:extLst>
+                  <a:ext uri="{FF2B5EF4-FFF2-40B4-BE49-F238E27FC236}">
+                    <a16:creationId xmlns:a16="http://schemas.microsoft.com/office/drawing/2014/main" id="{06F7FA00-9462-463A-82F0-CF3D67B70160}"/>
+                  </a:ext>
+                </a:extLst>
+              </p:cNvPr>
+              <p:cNvSpPr txBox="1"/>
+              <p:nvPr/>
+            </p:nvSpPr>
+            <p:spPr>
+              <a:xfrm>
+                <a:off x="4076344" y="2327687"/>
+                <a:ext cx="7396213" cy="2898614"/>
+              </a:xfrm>
+              <a:prstGeom prst="rect">
+                <a:avLst/>
+              </a:prstGeom>
+              <a:noFill/>
+            </p:spPr>
+            <p:txBody>
+              <a:bodyPr wrap="square">
+                <a:spAutoFit/>
+              </a:bodyPr>
+              <a:lstStyle/>
+              <a:p>
+                <a:pPr>
+                  <a:lnSpc>
+                    <a:spcPct val="150000"/>
+                  </a:lnSpc>
+                </a:pPr>
+                <a14:m>
+                  <m:oMathPara xmlns:m="http://schemas.openxmlformats.org/officeDocument/2006/math">
+                    <m:oMathParaPr>
+                      <m:jc m:val="centerGroup"/>
+                    </m:oMathParaPr>
+                    <m:oMath xmlns:m="http://schemas.openxmlformats.org/officeDocument/2006/math">
+                      <m:sSubSup>
+                        <m:sSubSupPr>
+                          <m:ctrlPr>
+                            <a:rPr lang="ru-RU" sz="1500" b="1" i="1" smtClean="0">
+                              <a:solidFill>
+                                <a:schemeClr val="tx1"/>
+                              </a:solidFill>
+                              <a:latin typeface="Cambria Math" panose="02040503050406030204" pitchFamily="18" charset="0"/>
+                            </a:rPr>
+                          </m:ctrlPr>
+                        </m:sSubSupPr>
+                        <m:e>
+                          <m:r>
+                            <a:rPr lang="en-US" sz="1500" b="1" i="1" smtClean="0">
+                              <a:solidFill>
+                                <a:schemeClr val="tx1"/>
+                              </a:solidFill>
+                              <a:latin typeface="Cambria Math" panose="02040503050406030204" pitchFamily="18" charset="0"/>
+                            </a:rPr>
+                            <m:t>𝑬</m:t>
+                          </m:r>
+                        </m:e>
+                        <m:sub>
+                          <m:r>
+                            <a:rPr lang="en-US" sz="1500" b="1" i="1" smtClean="0">
+                              <a:solidFill>
+                                <a:schemeClr val="tx1"/>
+                              </a:solidFill>
+                              <a:latin typeface="Cambria Math" panose="02040503050406030204" pitchFamily="18" charset="0"/>
+                            </a:rPr>
+                            <m:t>𝑰</m:t>
+                          </m:r>
+                        </m:sub>
+                        <m:sup>
+                          <m:r>
+                            <a:rPr lang="en-US" sz="1500" b="1" i="1" smtClean="0">
+                              <a:solidFill>
+                                <a:schemeClr val="tx1"/>
+                              </a:solidFill>
+                              <a:latin typeface="Cambria Math" panose="02040503050406030204" pitchFamily="18" charset="0"/>
+                            </a:rPr>
+                            <m:t>𝑫</m:t>
+                          </m:r>
+                        </m:sup>
+                      </m:sSubSup>
+                      <m:r>
+                        <a:rPr lang="en-US" sz="1500" b="1" i="1" smtClean="0">
+                          <a:solidFill>
+                            <a:schemeClr val="tx1"/>
+                          </a:solidFill>
+                          <a:latin typeface="Cambria Math" panose="02040503050406030204" pitchFamily="18" charset="0"/>
+                        </a:rPr>
+                        <m:t>=</m:t>
+                      </m:r>
+                      <m:f>
+                        <m:fPr>
+                          <m:ctrlPr>
+                            <a:rPr lang="en-US" sz="1500" b="1" i="1" smtClean="0">
+                              <a:solidFill>
+                                <a:schemeClr val="tx1"/>
+                              </a:solidFill>
+                              <a:latin typeface="Cambria Math" panose="02040503050406030204" pitchFamily="18" charset="0"/>
+                            </a:rPr>
+                          </m:ctrlPr>
+                        </m:fPr>
+                        <m:num>
+                          <m:r>
+                            <a:rPr lang="en-US" sz="1500" b="1" i="1" smtClean="0">
+                              <a:solidFill>
+                                <a:schemeClr val="tx1"/>
+                              </a:solidFill>
+                              <a:latin typeface="Cambria Math" panose="02040503050406030204" pitchFamily="18" charset="0"/>
+                              <a:ea typeface="Cambria Math" panose="02040503050406030204" pitchFamily="18" charset="0"/>
+                            </a:rPr>
+                            <m:t>∆</m:t>
+                          </m:r>
+                          <m:r>
+                            <a:rPr lang="en-US" sz="1500" b="1" i="1" smtClean="0">
+                              <a:solidFill>
+                                <a:schemeClr val="tx1"/>
+                              </a:solidFill>
+                              <a:latin typeface="Cambria Math" panose="02040503050406030204" pitchFamily="18" charset="0"/>
+                              <a:ea typeface="Cambria Math" panose="02040503050406030204" pitchFamily="18" charset="0"/>
+                            </a:rPr>
+                            <m:t>𝑸</m:t>
+                          </m:r>
+                          <m:r>
+                            <a:rPr lang="en-US" sz="1500" b="1" i="1" smtClean="0">
+                              <a:solidFill>
+                                <a:schemeClr val="tx1"/>
+                              </a:solidFill>
+                              <a:latin typeface="Cambria Math" panose="02040503050406030204" pitchFamily="18" charset="0"/>
+                              <a:ea typeface="Cambria Math" panose="02040503050406030204" pitchFamily="18" charset="0"/>
+                            </a:rPr>
+                            <m:t>\</m:t>
+                          </m:r>
+                          <m:r>
+                            <a:rPr lang="en-US" sz="1500" b="1" i="1" smtClean="0">
+                              <a:solidFill>
+                                <a:schemeClr val="tx1"/>
+                              </a:solidFill>
+                              <a:latin typeface="Cambria Math" panose="02040503050406030204" pitchFamily="18" charset="0"/>
+                              <a:ea typeface="Cambria Math" panose="02040503050406030204" pitchFamily="18" charset="0"/>
+                            </a:rPr>
+                            <m:t>𝑸</m:t>
+                          </m:r>
+                        </m:num>
+                        <m:den>
+                          <m:r>
+                            <a:rPr lang="en-US" sz="1500" b="1" i="1">
+                              <a:solidFill>
+                                <a:schemeClr val="tx1"/>
+                              </a:solidFill>
+                              <a:latin typeface="Cambria Math" panose="02040503050406030204" pitchFamily="18" charset="0"/>
+                              <a:ea typeface="Cambria Math" panose="02040503050406030204" pitchFamily="18" charset="0"/>
+                            </a:rPr>
+                            <m:t>∆</m:t>
+                          </m:r>
+                          <m:r>
+                            <a:rPr lang="en-US" sz="1500" b="1" i="1" smtClean="0">
+                              <a:solidFill>
+                                <a:schemeClr val="tx1"/>
+                              </a:solidFill>
+                              <a:latin typeface="Cambria Math" panose="02040503050406030204" pitchFamily="18" charset="0"/>
+                              <a:ea typeface="Cambria Math" panose="02040503050406030204" pitchFamily="18" charset="0"/>
+                            </a:rPr>
+                            <m:t>𝑰</m:t>
+                          </m:r>
+                          <m:r>
+                            <a:rPr lang="en-US" sz="1500" b="1" i="1">
+                              <a:solidFill>
+                                <a:schemeClr val="tx1"/>
+                              </a:solidFill>
+                              <a:latin typeface="Cambria Math" panose="02040503050406030204" pitchFamily="18" charset="0"/>
+                              <a:ea typeface="Cambria Math" panose="02040503050406030204" pitchFamily="18" charset="0"/>
+                            </a:rPr>
+                            <m:t>\</m:t>
+                          </m:r>
+                          <m:r>
+                            <a:rPr lang="en-US" sz="1500" b="1" i="1" smtClean="0">
+                              <a:solidFill>
+                                <a:schemeClr val="tx1"/>
+                              </a:solidFill>
+                              <a:latin typeface="Cambria Math" panose="02040503050406030204" pitchFamily="18" charset="0"/>
+                              <a:ea typeface="Cambria Math" panose="02040503050406030204" pitchFamily="18" charset="0"/>
+                            </a:rPr>
+                            <m:t>𝑰</m:t>
+                          </m:r>
+                        </m:den>
+                      </m:f>
+                      <m:r>
+                        <a:rPr lang="ru-RU" sz="1600" b="1" i="1">
+                          <a:latin typeface="Cambria Math" panose="02040503050406030204" pitchFamily="18" charset="0"/>
+                          <a:ea typeface="Cambria Math" panose="02040503050406030204" pitchFamily="18" charset="0"/>
+                        </a:rPr>
+                        <m:t>(%)</m:t>
+                      </m:r>
+                    </m:oMath>
+                  </m:oMathPara>
+                </a14:m>
+                <a:endParaRPr lang="ru-RU" sz="1500" i="1" dirty="0">
+                  <a:solidFill>
+                    <a:schemeClr val="tx1"/>
+                  </a:solidFill>
+                  <a:latin typeface="Montserrat" panose="00000500000000000000" pitchFamily="2" charset="0"/>
+                </a:endParaRPr>
+              </a:p>
+              <a:p>
+                <a:pPr>
+                  <a:lnSpc>
+                    <a:spcPct val="150000"/>
+                  </a:lnSpc>
+                </a:pPr>
+                <a:r>
+                  <a:rPr lang="en-US" sz="1500" dirty="0">
+                    <a:solidFill>
+                      <a:schemeClr val="tx1"/>
+                    </a:solidFill>
+                    <a:latin typeface="Montserrat" panose="00000500000000000000" pitchFamily="2" charset="0"/>
+                  </a:rPr>
+                  <a:t>I - </a:t>
+                </a:r>
+                <a:r>
+                  <a:rPr lang="ru-RU" sz="1500" dirty="0">
+                    <a:solidFill>
+                      <a:schemeClr val="tx1"/>
+                    </a:solidFill>
+                    <a:latin typeface="Montserrat" panose="00000500000000000000" pitchFamily="2" charset="0"/>
+                  </a:rPr>
+                  <a:t>доходы</a:t>
+                </a:r>
+                <a:endParaRPr lang="en-US" sz="1500" dirty="0">
+                  <a:solidFill>
+                    <a:schemeClr val="tx1"/>
+                  </a:solidFill>
+                  <a:latin typeface="Montserrat" panose="00000500000000000000" pitchFamily="2" charset="0"/>
+                </a:endParaRPr>
+              </a:p>
+              <a:p>
+                <a:pPr marL="0" indent="0">
+                  <a:lnSpc>
+                    <a:spcPct val="150000"/>
+                  </a:lnSpc>
+                  <a:buNone/>
+                </a:pPr>
+                <a:endParaRPr lang="ru-RU" sz="1500" b="0" i="1" u="none" strike="noStrike" baseline="0" dirty="0">
+                  <a:solidFill>
+                    <a:schemeClr val="tx1"/>
+                  </a:solidFill>
+                  <a:latin typeface="Montserrat" panose="00000500000000000000" pitchFamily="2" charset="0"/>
+                </a:endParaRPr>
+              </a:p>
+              <a:p>
+                <a:pPr marL="0" indent="0">
+                  <a:lnSpc>
+                    <a:spcPct val="150000"/>
+                  </a:lnSpc>
+                  <a:buNone/>
+                </a:pPr>
+                <a:endParaRPr lang="en-US" sz="1500" b="0" i="1" u="none" strike="noStrike" baseline="0" dirty="0">
+                  <a:solidFill>
+                    <a:schemeClr val="tx1"/>
+                  </a:solidFill>
+                  <a:latin typeface="Montserrat" panose="00000500000000000000" pitchFamily="2" charset="0"/>
+                </a:endParaRPr>
+              </a:p>
+              <a:p>
+                <a:pPr marL="342900" indent="-342900">
+                  <a:lnSpc>
+                    <a:spcPct val="150000"/>
+                  </a:lnSpc>
+                  <a:buFont typeface="+mj-lt"/>
+                  <a:buAutoNum type="arabicPeriod"/>
+                </a:pPr>
+                <a:r>
+                  <a:rPr lang="ru-RU" sz="1500" b="0" u="none" strike="noStrike" baseline="0" dirty="0">
+                    <a:solidFill>
+                      <a:schemeClr val="tx1"/>
+                    </a:solidFill>
+                    <a:latin typeface="Montserrat" panose="00000500000000000000" pitchFamily="2" charset="0"/>
+                  </a:rPr>
+                  <a:t>нормальные товары</a:t>
+                </a:r>
+                <a:r>
+                  <a:rPr lang="en-US" sz="1500" b="0" u="none" strike="noStrike" baseline="0" dirty="0">
+                    <a:solidFill>
+                      <a:schemeClr val="tx1"/>
+                    </a:solidFill>
+                    <a:latin typeface="Montserrat" panose="00000500000000000000" pitchFamily="2" charset="0"/>
+                  </a:rPr>
+                  <a:t> </a:t>
+                </a:r>
+                <a14:m>
+                  <m:oMath xmlns:m="http://schemas.openxmlformats.org/officeDocument/2006/math">
+                    <m:sSubSup>
+                      <m:sSubSupPr>
+                        <m:ctrlPr>
+                          <a:rPr lang="ru-RU" sz="1500" b="1" i="1" smtClean="0">
+                            <a:solidFill>
+                              <a:schemeClr val="tx1"/>
+                            </a:solidFill>
+                            <a:latin typeface="Cambria Math" panose="02040503050406030204" pitchFamily="18" charset="0"/>
+                          </a:rPr>
+                        </m:ctrlPr>
+                      </m:sSubSupPr>
+                      <m:e>
+                        <m:r>
+                          <a:rPr lang="en-US" sz="1500" b="1" i="1" smtClean="0">
+                            <a:solidFill>
+                              <a:schemeClr val="tx1"/>
+                            </a:solidFill>
+                            <a:latin typeface="Cambria Math" panose="02040503050406030204" pitchFamily="18" charset="0"/>
+                          </a:rPr>
+                          <m:t>𝑬</m:t>
+                        </m:r>
+                      </m:e>
+                      <m:sub>
+                        <m:r>
+                          <a:rPr lang="en-US" sz="1500" b="1" i="1" smtClean="0">
+                            <a:solidFill>
+                              <a:schemeClr val="tx1"/>
+                            </a:solidFill>
+                            <a:latin typeface="Cambria Math" panose="02040503050406030204" pitchFamily="18" charset="0"/>
+                          </a:rPr>
+                          <m:t>𝑰</m:t>
+                        </m:r>
+                      </m:sub>
+                      <m:sup>
+                        <m:r>
+                          <a:rPr lang="en-US" sz="1500" b="1" i="1" smtClean="0">
+                            <a:solidFill>
+                              <a:schemeClr val="tx1"/>
+                            </a:solidFill>
+                            <a:latin typeface="Cambria Math" panose="02040503050406030204" pitchFamily="18" charset="0"/>
+                          </a:rPr>
+                          <m:t>𝑫</m:t>
+                        </m:r>
+                      </m:sup>
+                    </m:sSubSup>
+                    <m:r>
+                      <a:rPr lang="en-US" sz="1500" b="1" i="1" smtClean="0">
+                        <a:solidFill>
+                          <a:schemeClr val="tx1"/>
+                        </a:solidFill>
+                        <a:latin typeface="Cambria Math" panose="02040503050406030204" pitchFamily="18" charset="0"/>
+                      </a:rPr>
+                      <m:t>&gt;</m:t>
+                    </m:r>
+                    <m:r>
+                      <a:rPr lang="en-US" sz="1500" b="1" i="1" smtClean="0">
+                        <a:solidFill>
+                          <a:schemeClr val="tx1"/>
+                        </a:solidFill>
+                        <a:latin typeface="Cambria Math" panose="02040503050406030204" pitchFamily="18" charset="0"/>
+                      </a:rPr>
+                      <m:t>𝟎</m:t>
+                    </m:r>
+                  </m:oMath>
+                </a14:m>
+                <a:endParaRPr lang="ru-RU" sz="1500" b="1" i="1" dirty="0">
+                  <a:solidFill>
+                    <a:schemeClr val="tx1"/>
+                  </a:solidFill>
+                  <a:latin typeface="Montserrat" panose="00000500000000000000" pitchFamily="2" charset="0"/>
+                </a:endParaRPr>
+              </a:p>
+              <a:p>
+                <a:pPr marL="342900" indent="-342900">
+                  <a:lnSpc>
+                    <a:spcPct val="150000"/>
+                  </a:lnSpc>
+                  <a:buFont typeface="+mj-lt"/>
+                  <a:buAutoNum type="arabicPeriod"/>
+                </a:pPr>
+                <a:r>
+                  <a:rPr lang="ru-RU" sz="1500" b="0" u="none" strike="noStrike" baseline="0" dirty="0">
+                    <a:solidFill>
+                      <a:schemeClr val="tx1"/>
+                    </a:solidFill>
+                    <a:latin typeface="Montserrat" panose="00000500000000000000" pitchFamily="2" charset="0"/>
+                  </a:rPr>
+                  <a:t>предметы роскоши</a:t>
+                </a:r>
+                <a:r>
+                  <a:rPr lang="en-US" sz="1500" b="0" u="none" strike="noStrike" baseline="0" dirty="0">
+                    <a:solidFill>
+                      <a:schemeClr val="tx1"/>
+                    </a:solidFill>
+                    <a:latin typeface="Montserrat" panose="00000500000000000000" pitchFamily="2" charset="0"/>
+                  </a:rPr>
+                  <a:t> </a:t>
+                </a:r>
+                <a14:m>
+                  <m:oMath xmlns:m="http://schemas.openxmlformats.org/officeDocument/2006/math">
+                    <m:sSubSup>
+                      <m:sSubSupPr>
+                        <m:ctrlPr>
+                          <a:rPr lang="ru-RU" sz="1500" b="1" i="1" smtClean="0">
+                            <a:solidFill>
+                              <a:schemeClr val="tx1"/>
+                            </a:solidFill>
+                            <a:latin typeface="Cambria Math" panose="02040503050406030204" pitchFamily="18" charset="0"/>
+                          </a:rPr>
+                        </m:ctrlPr>
+                      </m:sSubSupPr>
+                      <m:e>
+                        <m:r>
+                          <a:rPr lang="en-US" sz="1500" b="1" i="1" smtClean="0">
+                            <a:solidFill>
+                              <a:schemeClr val="tx1"/>
+                            </a:solidFill>
+                            <a:latin typeface="Cambria Math" panose="02040503050406030204" pitchFamily="18" charset="0"/>
+                          </a:rPr>
+                          <m:t>𝑬</m:t>
+                        </m:r>
+                      </m:e>
+                      <m:sub>
+                        <m:r>
+                          <a:rPr lang="en-US" sz="1500" b="1" i="1" smtClean="0">
+                            <a:solidFill>
+                              <a:schemeClr val="tx1"/>
+                            </a:solidFill>
+                            <a:latin typeface="Cambria Math" panose="02040503050406030204" pitchFamily="18" charset="0"/>
+                          </a:rPr>
+                          <m:t>𝑰</m:t>
+                        </m:r>
+                      </m:sub>
+                      <m:sup>
+                        <m:r>
+                          <a:rPr lang="en-US" sz="1500" b="1" i="1" smtClean="0">
+                            <a:solidFill>
+                              <a:schemeClr val="tx1"/>
+                            </a:solidFill>
+                            <a:latin typeface="Cambria Math" panose="02040503050406030204" pitchFamily="18" charset="0"/>
+                          </a:rPr>
+                          <m:t>𝑫</m:t>
+                        </m:r>
+                      </m:sup>
+                    </m:sSubSup>
+                    <m:r>
+                      <a:rPr lang="en-US" sz="1500" b="1" i="1" smtClean="0">
+                        <a:solidFill>
+                          <a:schemeClr val="tx1"/>
+                        </a:solidFill>
+                        <a:latin typeface="Cambria Math" panose="02040503050406030204" pitchFamily="18" charset="0"/>
+                      </a:rPr>
+                      <m:t>&gt;</m:t>
+                    </m:r>
+                    <m:r>
+                      <a:rPr lang="en-US" sz="1500" b="1" i="1" smtClean="0">
+                        <a:solidFill>
+                          <a:schemeClr val="tx1"/>
+                        </a:solidFill>
+                        <a:latin typeface="Cambria Math" panose="02040503050406030204" pitchFamily="18" charset="0"/>
+                      </a:rPr>
+                      <m:t>𝟏</m:t>
+                    </m:r>
+                  </m:oMath>
+                </a14:m>
+                <a:endParaRPr lang="ru-RU" sz="1500" b="1" i="1" dirty="0">
+                  <a:solidFill>
+                    <a:schemeClr val="tx1"/>
+                  </a:solidFill>
+                  <a:latin typeface="Montserrat" panose="00000500000000000000" pitchFamily="2" charset="0"/>
+                </a:endParaRPr>
+              </a:p>
+              <a:p>
+                <a:pPr marL="342900" indent="-342900">
+                  <a:lnSpc>
+                    <a:spcPct val="150000"/>
+                  </a:lnSpc>
+                  <a:buFont typeface="+mj-lt"/>
+                  <a:buAutoNum type="arabicPeriod"/>
+                </a:pPr>
+                <a:r>
+                  <a:rPr lang="ru-RU" sz="1500" b="0" u="none" strike="noStrike" baseline="0" dirty="0">
+                    <a:solidFill>
+                      <a:schemeClr val="tx1"/>
+                    </a:solidFill>
+                    <a:latin typeface="Montserrat" panose="00000500000000000000" pitchFamily="2" charset="0"/>
+                  </a:rPr>
+                  <a:t>низкокачественные товары</a:t>
+                </a:r>
+                <a:r>
+                  <a:rPr lang="en-US" sz="1500" b="0" u="none" strike="noStrike" baseline="0" dirty="0">
+                    <a:solidFill>
+                      <a:schemeClr val="tx1"/>
+                    </a:solidFill>
+                    <a:latin typeface="Montserrat" panose="00000500000000000000" pitchFamily="2" charset="0"/>
+                  </a:rPr>
+                  <a:t> </a:t>
+                </a:r>
+                <a14:m>
+                  <m:oMath xmlns:m="http://schemas.openxmlformats.org/officeDocument/2006/math">
+                    <m:sSubSup>
+                      <m:sSubSupPr>
+                        <m:ctrlPr>
+                          <a:rPr lang="ru-RU" sz="1500" b="1" i="1" smtClean="0">
+                            <a:solidFill>
+                              <a:schemeClr val="tx1"/>
+                            </a:solidFill>
+                            <a:latin typeface="Cambria Math" panose="02040503050406030204" pitchFamily="18" charset="0"/>
+                          </a:rPr>
+                        </m:ctrlPr>
+                      </m:sSubSupPr>
+                      <m:e>
+                        <m:r>
+                          <a:rPr lang="en-US" sz="1500" b="1" i="1" smtClean="0">
+                            <a:solidFill>
+                              <a:schemeClr val="tx1"/>
+                            </a:solidFill>
+                            <a:latin typeface="Cambria Math" panose="02040503050406030204" pitchFamily="18" charset="0"/>
+                          </a:rPr>
+                          <m:t>𝑬</m:t>
+                        </m:r>
+                      </m:e>
+                      <m:sub>
+                        <m:r>
+                          <a:rPr lang="en-US" sz="1500" b="1" i="1" smtClean="0">
+                            <a:solidFill>
+                              <a:schemeClr val="tx1"/>
+                            </a:solidFill>
+                            <a:latin typeface="Cambria Math" panose="02040503050406030204" pitchFamily="18" charset="0"/>
+                          </a:rPr>
+                          <m:t>𝑰</m:t>
+                        </m:r>
+                      </m:sub>
+                      <m:sup>
+                        <m:r>
+                          <a:rPr lang="en-US" sz="1500" b="1" i="1" smtClean="0">
+                            <a:solidFill>
+                              <a:schemeClr val="tx1"/>
+                            </a:solidFill>
+                            <a:latin typeface="Cambria Math" panose="02040503050406030204" pitchFamily="18" charset="0"/>
+                          </a:rPr>
+                          <m:t>𝑫</m:t>
+                        </m:r>
+                      </m:sup>
+                    </m:sSubSup>
+                    <m:r>
+                      <a:rPr lang="en-US" sz="1500" b="1" i="1" smtClean="0">
+                        <a:solidFill>
+                          <a:schemeClr val="tx1"/>
+                        </a:solidFill>
+                        <a:latin typeface="Cambria Math" panose="02040503050406030204" pitchFamily="18" charset="0"/>
+                      </a:rPr>
+                      <m:t>&lt;</m:t>
+                    </m:r>
+                    <m:r>
+                      <a:rPr lang="en-US" sz="1500" b="1" i="1" smtClean="0">
+                        <a:solidFill>
+                          <a:schemeClr val="tx1"/>
+                        </a:solidFill>
+                        <a:latin typeface="Cambria Math" panose="02040503050406030204" pitchFamily="18" charset="0"/>
+                      </a:rPr>
+                      <m:t>𝟎</m:t>
+                    </m:r>
+                  </m:oMath>
+                </a14:m>
+                <a:endParaRPr lang="ru-RU" sz="1500" i="1" dirty="0">
+                  <a:solidFill>
+                    <a:schemeClr val="tx1"/>
+                  </a:solidFill>
+                  <a:latin typeface="Montserrat" panose="00000500000000000000" pitchFamily="2" charset="0"/>
+                </a:endParaRPr>
+              </a:p>
+            </p:txBody>
+          </p:sp>
+        </mc:Choice>
+        <mc:Fallback>
+          <p:sp>
+            <p:nvSpPr>
+              <p:cNvPr id="10" name="TextBox 9">
+                <a:extLst>
+                  <a:ext uri="{FF2B5EF4-FFF2-40B4-BE49-F238E27FC236}">
+                    <a16:creationId xmlns:a16="http://schemas.microsoft.com/office/drawing/2014/main" id="{06F7FA00-9462-463A-82F0-CF3D67B70160}"/>
+                  </a:ext>
+                </a:extLst>
+              </p:cNvPr>
+              <p:cNvSpPr txBox="1">
+                <a:spLocks noRot="1" noChangeAspect="1" noMove="1" noResize="1" noEditPoints="1" noAdjustHandles="1" noChangeArrowheads="1" noChangeShapeType="1" noTextEdit="1"/>
+              </p:cNvSpPr>
+              <p:nvPr/>
+            </p:nvSpPr>
+            <p:spPr>
+              <a:xfrm>
+                <a:off x="4076344" y="2327687"/>
+                <a:ext cx="7396213" cy="2898614"/>
+              </a:xfrm>
+              <a:prstGeom prst="rect">
+                <a:avLst/>
+              </a:prstGeom>
+              <a:blipFill>
+                <a:blip r:embed="rId5"/>
+                <a:stretch>
+                  <a:fillRect l="-412" b="-1684"/>
+                </a:stretch>
+              </a:blipFill>
+            </p:spPr>
+            <p:txBody>
+              <a:bodyPr/>
+              <a:lstStyle/>
+              <a:p>
+                <a:r>
+                  <a:rPr lang="ru-RU">
+                    <a:noFill/>
+                  </a:rPr>
+                  <a:t> </a:t>
+                </a:r>
+              </a:p>
+            </p:txBody>
+          </p:sp>
+        </mc:Fallback>
+      </mc:AlternateContent>
+      <p:sp>
+        <p:nvSpPr>
+          <p:cNvPr id="11" name="TextBox 10">
+            <a:extLst>
+              <a:ext uri="{FF2B5EF4-FFF2-40B4-BE49-F238E27FC236}">
+                <a16:creationId xmlns:a16="http://schemas.microsoft.com/office/drawing/2014/main" id="{0E686081-C68F-4292-B742-E5FC2F20847F}"/>
               </a:ext>
             </a:extLst>
           </p:cNvPr>
@@ -5971,8 +7613,8 @@
         </p:nvSpPr>
         <p:spPr>
           <a:xfrm>
-            <a:off x="1935481" y="3330083"/>
-            <a:ext cx="3413760" cy="923330"/>
+            <a:off x="1000590" y="5276196"/>
+            <a:ext cx="2774728" cy="358624"/>
           </a:xfrm>
           <a:prstGeom prst="rect">
             <a:avLst/>
@@ -5985,102 +7627,41 @@
           </a:bodyPr>
           <a:lstStyle/>
           <a:p>
-            <a:pPr algn="ctr"/>
-            <a:r>
-              <a:rPr lang="ru-RU" b="1" dirty="0">
-                <a:solidFill>
-                  <a:srgbClr val="326CDB"/>
-                </a:solidFill>
-                <a:latin typeface="Montserrat" panose="00000500000000000000" pitchFamily="2" charset="0"/>
-                <a:cs typeface="Arial" panose="020B0604020202020204" pitchFamily="34" charset="0"/>
-              </a:rPr>
-              <a:t>Эластичное предложение</a:t>
-            </a:r>
-          </a:p>
-          <a:p>
-            <a:pPr algn="ctr"/>
-            <a:r>
-              <a:rPr lang="ru-RU" dirty="0">
+            <a:pPr marL="0" indent="0">
+              <a:lnSpc>
+                <a:spcPct val="150000"/>
+              </a:lnSpc>
+              <a:buNone/>
+            </a:pPr>
+            <a:r>
+              <a:rPr lang="ru-RU" sz="1300" dirty="0">
                 <a:solidFill>
                   <a:schemeClr val="bg1">
                     <a:lumMod val="50000"/>
                   </a:schemeClr>
                 </a:solidFill>
                 <a:latin typeface="Montserrat" panose="00000500000000000000" pitchFamily="2" charset="0"/>
-                <a:cs typeface="Arial" panose="020B0604020202020204" pitchFamily="34" charset="0"/>
-              </a:rPr>
-              <a:t>мороженое</a:t>
-            </a:r>
-            <a:endParaRPr lang="ru-RU" dirty="0">
+              </a:rPr>
+              <a:t>кривые </a:t>
+            </a:r>
+            <a:r>
+              <a:rPr lang="ru-RU" sz="1300" dirty="0" err="1">
+                <a:solidFill>
+                  <a:schemeClr val="bg1">
+                    <a:lumMod val="50000"/>
+                  </a:schemeClr>
+                </a:solidFill>
+                <a:latin typeface="Montserrat" panose="00000500000000000000" pitchFamily="2" charset="0"/>
+              </a:rPr>
+              <a:t>Энгеля</a:t>
+            </a:r>
+            <a:endParaRPr lang="ru-RU" sz="1300" dirty="0">
               <a:solidFill>
                 <a:schemeClr val="bg1">
                   <a:lumMod val="50000"/>
                 </a:schemeClr>
               </a:solidFill>
-            </a:endParaRPr>
-          </a:p>
-        </p:txBody>
-      </p:sp>
-      <p:sp>
-        <p:nvSpPr>
-          <p:cNvPr id="9" name="TextBox 8">
-            <a:extLst>
-              <a:ext uri="{FF2B5EF4-FFF2-40B4-BE49-F238E27FC236}">
-                <a16:creationId xmlns:a16="http://schemas.microsoft.com/office/drawing/2014/main" id="{791872D6-869B-4CA8-8997-4959251037CA}"/>
-              </a:ext>
-            </a:extLst>
-          </p:cNvPr>
-          <p:cNvSpPr txBox="1"/>
-          <p:nvPr/>
-        </p:nvSpPr>
-        <p:spPr>
-          <a:xfrm>
-            <a:off x="6842760" y="3330083"/>
-            <a:ext cx="3413760" cy="923330"/>
-          </a:xfrm>
-          <a:prstGeom prst="rect">
-            <a:avLst/>
-          </a:prstGeom>
-          <a:noFill/>
-        </p:spPr>
-        <p:txBody>
-          <a:bodyPr wrap="square">
-            <a:spAutoFit/>
-          </a:bodyPr>
-          <a:lstStyle/>
-          <a:p>
-            <a:pPr algn="ctr"/>
-            <a:r>
-              <a:rPr lang="ru-RU" b="1" dirty="0">
-                <a:solidFill>
-                  <a:srgbClr val="326CDB"/>
-                </a:solidFill>
-                <a:latin typeface="Montserrat" panose="00000500000000000000" pitchFamily="2" charset="0"/>
-                <a:cs typeface="Arial" panose="020B0604020202020204" pitchFamily="34" charset="0"/>
-              </a:rPr>
-              <a:t>Неэластичное предложение</a:t>
-            </a:r>
-          </a:p>
-          <a:p>
-            <a:pPr algn="ctr"/>
-            <a:r>
-              <a:rPr lang="ru-RU" dirty="0">
-                <a:solidFill>
-                  <a:schemeClr val="bg1">
-                    <a:lumMod val="50000"/>
-                  </a:schemeClr>
-                </a:solidFill>
-                <a:latin typeface="Montserrat" panose="00000500000000000000" pitchFamily="2" charset="0"/>
-                <a:cs typeface="Arial" panose="020B0604020202020204" pitchFamily="34" charset="0"/>
-              </a:rPr>
-              <a:t>Билет в кино</a:t>
-            </a:r>
-            <a:endParaRPr lang="ru-RU" dirty="0">
-              <a:solidFill>
-                <a:schemeClr val="bg1">
-                  <a:lumMod val="50000"/>
-                </a:schemeClr>
-              </a:solidFill>
+              <a:latin typeface="Montserrat" panose="00000500000000000000" pitchFamily="2" charset="0"/>
             </a:endParaRPr>
           </a:p>
         </p:txBody>
@@ -6088,7 +7669,7 @@
     </p:spTree>
     <p:extLst>
       <p:ext uri="{BB962C8B-B14F-4D97-AF65-F5344CB8AC3E}">
-        <p14:creationId xmlns:p14="http://schemas.microsoft.com/office/powerpoint/2010/main" val="2299204813"/>
+        <p14:creationId xmlns:p14="http://schemas.microsoft.com/office/powerpoint/2010/main" val="3632604304"/>
       </p:ext>
     </p:extLst>
   </p:cSld>
@@ -6145,7 +7726,1263 @@
                 <a:latin typeface="Montserrat" panose="00000500000000000000" pitchFamily="2" charset="0"/>
                 <a:cs typeface="Arial" panose="020B0604020202020204" pitchFamily="34" charset="0"/>
               </a:rPr>
-              <a:t>Заключение</a:t>
+              <a:t>Эластичность спроса</a:t>
+            </a:r>
+            <a:br>
+              <a:rPr lang="ru-RU" b="1" dirty="0">
+                <a:solidFill>
+                  <a:srgbClr val="326CDB"/>
+                </a:solidFill>
+                <a:latin typeface="Montserrat" panose="00000500000000000000" pitchFamily="2" charset="0"/>
+                <a:cs typeface="Arial" panose="020B0604020202020204" pitchFamily="34" charset="0"/>
+              </a:rPr>
+            </a:br>
+            <a:r>
+              <a:rPr lang="ru-RU" sz="2800" b="1" dirty="0">
+                <a:solidFill>
+                  <a:srgbClr val="326CDB"/>
+                </a:solidFill>
+                <a:latin typeface="Montserrat" panose="00000500000000000000" pitchFamily="2" charset="0"/>
+                <a:cs typeface="Arial" panose="020B0604020202020204" pitchFamily="34" charset="0"/>
+              </a:rPr>
+              <a:t>перекрестная эластичность</a:t>
+            </a:r>
+          </a:p>
+        </p:txBody>
+      </p:sp>
+      <mc:AlternateContent xmlns:mc="http://schemas.openxmlformats.org/markup-compatibility/2006">
+        <mc:Choice xmlns:a14="http://schemas.microsoft.com/office/drawing/2010/main" Requires="a14">
+          <p:sp>
+            <p:nvSpPr>
+              <p:cNvPr id="3" name="Объект 2"/>
+              <p:cNvSpPr>
+                <a:spLocks noGrp="1"/>
+              </p:cNvSpPr>
+              <p:nvPr>
+                <p:ph idx="1"/>
+              </p:nvPr>
+            </p:nvSpPr>
+            <p:spPr>
+              <a:xfrm>
+                <a:off x="838200" y="2022765"/>
+                <a:ext cx="10515600" cy="4154198"/>
+              </a:xfrm>
+            </p:spPr>
+            <p:txBody>
+              <a:bodyPr anchor="t">
+                <a:normAutofit/>
+              </a:bodyPr>
+              <a:lstStyle/>
+              <a:p>
+                <a:pPr marL="0" indent="0">
+                  <a:lnSpc>
+                    <a:spcPct val="150000"/>
+                  </a:lnSpc>
+                  <a:buNone/>
+                </a:pPr>
+                <a:r>
+                  <a:rPr lang="ru-RU" sz="1500" dirty="0"/>
+                  <a:t>п</a:t>
+                </a:r>
+                <a:r>
+                  <a:rPr lang="ru-RU" sz="1500" dirty="0">
+                    <a:latin typeface="Montserrat" panose="00000500000000000000" pitchFamily="2" charset="0"/>
+                  </a:rPr>
+                  <a:t>оказывает, как изменится </a:t>
+                </a:r>
+                <a:r>
+                  <a:rPr lang="ru-RU" sz="1500" b="1" dirty="0">
+                    <a:latin typeface="Montserrat" panose="00000500000000000000" pitchFamily="2" charset="0"/>
+                  </a:rPr>
+                  <a:t>спрос</a:t>
+                </a:r>
+                <a:r>
+                  <a:rPr lang="ru-RU" sz="1500" dirty="0">
+                    <a:latin typeface="Montserrat" panose="00000500000000000000" pitchFamily="2" charset="0"/>
+                  </a:rPr>
+                  <a:t> на один товар, если </a:t>
+                </a:r>
+                <a:r>
+                  <a:rPr lang="ru-RU" sz="1500" b="1" dirty="0">
+                    <a:latin typeface="Montserrat" panose="00000500000000000000" pitchFamily="2" charset="0"/>
+                  </a:rPr>
+                  <a:t>поднять</a:t>
+                </a:r>
+                <a:r>
+                  <a:rPr lang="ru-RU" sz="1500" dirty="0">
+                    <a:latin typeface="Montserrat" panose="00000500000000000000" pitchFamily="2" charset="0"/>
+                  </a:rPr>
+                  <a:t> или </a:t>
+                </a:r>
+                <a:r>
+                  <a:rPr lang="ru-RU" sz="1500" b="1" dirty="0">
+                    <a:latin typeface="Montserrat" panose="00000500000000000000" pitchFamily="2" charset="0"/>
+                  </a:rPr>
+                  <a:t>понизить</a:t>
+                </a:r>
+                <a:r>
+                  <a:rPr lang="ru-RU" sz="1500" dirty="0">
+                    <a:latin typeface="Montserrat" panose="00000500000000000000" pitchFamily="2" charset="0"/>
+                  </a:rPr>
+                  <a:t> цену другого товара</a:t>
+                </a:r>
+                <a:endParaRPr lang="en-US" sz="1500" dirty="0">
+                  <a:latin typeface="Montserrat" panose="00000500000000000000" pitchFamily="2" charset="0"/>
+                </a:endParaRPr>
+              </a:p>
+              <a:p>
+                <a:pPr marL="0" indent="0">
+                  <a:lnSpc>
+                    <a:spcPct val="150000"/>
+                  </a:lnSpc>
+                  <a:buNone/>
+                </a:pPr>
+                <a:endParaRPr lang="en-US" sz="1800" dirty="0">
+                  <a:latin typeface="Montserrat" panose="00000500000000000000" pitchFamily="2" charset="0"/>
+                </a:endParaRPr>
+              </a:p>
+              <a:p>
+                <a:pPr marL="0" indent="0">
+                  <a:lnSpc>
+                    <a:spcPct val="150000"/>
+                  </a:lnSpc>
+                  <a:buNone/>
+                </a:pPr>
+                <a14:m>
+                  <m:oMathPara xmlns:m="http://schemas.openxmlformats.org/officeDocument/2006/math">
+                    <m:oMathParaPr>
+                      <m:jc m:val="centerGroup"/>
+                    </m:oMathParaPr>
+                    <m:oMath xmlns:m="http://schemas.openxmlformats.org/officeDocument/2006/math">
+                      <m:sSubSup>
+                        <m:sSubSupPr>
+                          <m:ctrlPr>
+                            <a:rPr lang="en-US" sz="1800" i="1" smtClean="0">
+                              <a:latin typeface="Cambria Math" panose="02040503050406030204" pitchFamily="18" charset="0"/>
+                            </a:rPr>
+                          </m:ctrlPr>
+                        </m:sSubSupPr>
+                        <m:e>
+                          <m:r>
+                            <a:rPr lang="en-US" sz="1800" b="0" i="1" smtClean="0">
+                              <a:latin typeface="Cambria Math" panose="02040503050406030204" pitchFamily="18" charset="0"/>
+                            </a:rPr>
+                            <m:t>𝐸</m:t>
+                          </m:r>
+                        </m:e>
+                        <m:sub>
+                          <m:r>
+                            <a:rPr lang="en-US" sz="1800" b="0" i="1" smtClean="0">
+                              <a:latin typeface="Cambria Math" panose="02040503050406030204" pitchFamily="18" charset="0"/>
+                            </a:rPr>
+                            <m:t>𝑋𝑌</m:t>
+                          </m:r>
+                        </m:sub>
+                        <m:sup>
+                          <m:r>
+                            <a:rPr lang="en-US" sz="1800" b="0" i="1" smtClean="0">
+                              <a:latin typeface="Cambria Math" panose="02040503050406030204" pitchFamily="18" charset="0"/>
+                            </a:rPr>
+                            <m:t>𝐷</m:t>
+                          </m:r>
+                        </m:sup>
+                      </m:sSubSup>
+                      <m:r>
+                        <a:rPr lang="en-US" sz="1800" b="0" i="1" smtClean="0">
+                          <a:latin typeface="Cambria Math" panose="02040503050406030204" pitchFamily="18" charset="0"/>
+                        </a:rPr>
+                        <m:t>=</m:t>
+                      </m:r>
+                      <m:f>
+                        <m:fPr>
+                          <m:ctrlPr>
+                            <a:rPr lang="en-US" sz="1800" b="1" i="1">
+                              <a:latin typeface="Cambria Math" panose="02040503050406030204" pitchFamily="18" charset="0"/>
+                            </a:rPr>
+                          </m:ctrlPr>
+                        </m:fPr>
+                        <m:num>
+                          <m:r>
+                            <a:rPr lang="en-US" sz="1800" b="1" i="1">
+                              <a:latin typeface="Cambria Math" panose="02040503050406030204" pitchFamily="18" charset="0"/>
+                              <a:ea typeface="Cambria Math" panose="02040503050406030204" pitchFamily="18" charset="0"/>
+                            </a:rPr>
+                            <m:t>∆</m:t>
+                          </m:r>
+                          <m:sSub>
+                            <m:sSubPr>
+                              <m:ctrlPr>
+                                <a:rPr lang="en-US" sz="1800" b="1" i="1" smtClean="0">
+                                  <a:latin typeface="Cambria Math" panose="02040503050406030204" pitchFamily="18" charset="0"/>
+                                  <a:ea typeface="Cambria Math" panose="02040503050406030204" pitchFamily="18" charset="0"/>
+                                </a:rPr>
+                              </m:ctrlPr>
+                            </m:sSubPr>
+                            <m:e>
+                              <m:r>
+                                <a:rPr lang="en-US" sz="1800" b="1" i="1" smtClean="0">
+                                  <a:latin typeface="Cambria Math" panose="02040503050406030204" pitchFamily="18" charset="0"/>
+                                  <a:ea typeface="Cambria Math" panose="02040503050406030204" pitchFamily="18" charset="0"/>
+                                </a:rPr>
+                                <m:t>𝑸</m:t>
+                              </m:r>
+                            </m:e>
+                            <m:sub>
+                              <m:r>
+                                <a:rPr lang="en-US" sz="1800" b="1" i="1" smtClean="0">
+                                  <a:latin typeface="Cambria Math" panose="02040503050406030204" pitchFamily="18" charset="0"/>
+                                  <a:ea typeface="Cambria Math" panose="02040503050406030204" pitchFamily="18" charset="0"/>
+                                </a:rPr>
+                                <m:t>𝑿</m:t>
+                              </m:r>
+                            </m:sub>
+                          </m:sSub>
+                          <m:r>
+                            <a:rPr lang="en-US" sz="1800" b="1" i="1">
+                              <a:latin typeface="Cambria Math" panose="02040503050406030204" pitchFamily="18" charset="0"/>
+                              <a:ea typeface="Cambria Math" panose="02040503050406030204" pitchFamily="18" charset="0"/>
+                            </a:rPr>
+                            <m:t>\</m:t>
+                          </m:r>
+                          <m:sSub>
+                            <m:sSubPr>
+                              <m:ctrlPr>
+                                <a:rPr lang="en-US" sz="1800" b="1" i="1">
+                                  <a:latin typeface="Cambria Math" panose="02040503050406030204" pitchFamily="18" charset="0"/>
+                                  <a:ea typeface="Cambria Math" panose="02040503050406030204" pitchFamily="18" charset="0"/>
+                                </a:rPr>
+                              </m:ctrlPr>
+                            </m:sSubPr>
+                            <m:e>
+                              <m:r>
+                                <a:rPr lang="en-US" sz="1800" b="1" i="1">
+                                  <a:latin typeface="Cambria Math" panose="02040503050406030204" pitchFamily="18" charset="0"/>
+                                  <a:ea typeface="Cambria Math" panose="02040503050406030204" pitchFamily="18" charset="0"/>
+                                </a:rPr>
+                                <m:t>𝑸</m:t>
+                              </m:r>
+                            </m:e>
+                            <m:sub>
+                              <m:r>
+                                <a:rPr lang="en-US" sz="1800" b="1" i="1">
+                                  <a:latin typeface="Cambria Math" panose="02040503050406030204" pitchFamily="18" charset="0"/>
+                                  <a:ea typeface="Cambria Math" panose="02040503050406030204" pitchFamily="18" charset="0"/>
+                                </a:rPr>
+                                <m:t>𝑿</m:t>
+                              </m:r>
+                            </m:sub>
+                          </m:sSub>
+                        </m:num>
+                        <m:den>
+                          <m:r>
+                            <a:rPr lang="en-US" sz="1800" b="1" i="1">
+                              <a:latin typeface="Cambria Math" panose="02040503050406030204" pitchFamily="18" charset="0"/>
+                              <a:ea typeface="Cambria Math" panose="02040503050406030204" pitchFamily="18" charset="0"/>
+                            </a:rPr>
+                            <m:t>∆</m:t>
+                          </m:r>
+                          <m:sSub>
+                            <m:sSubPr>
+                              <m:ctrlPr>
+                                <a:rPr lang="en-US" sz="1800" b="1" i="1">
+                                  <a:latin typeface="Cambria Math" panose="02040503050406030204" pitchFamily="18" charset="0"/>
+                                  <a:ea typeface="Cambria Math" panose="02040503050406030204" pitchFamily="18" charset="0"/>
+                                </a:rPr>
+                              </m:ctrlPr>
+                            </m:sSubPr>
+                            <m:e>
+                              <m:r>
+                                <a:rPr lang="en-US" sz="1800" b="1" i="1" smtClean="0">
+                                  <a:latin typeface="Cambria Math" panose="02040503050406030204" pitchFamily="18" charset="0"/>
+                                  <a:ea typeface="Cambria Math" panose="02040503050406030204" pitchFamily="18" charset="0"/>
+                                </a:rPr>
+                                <m:t>𝑷</m:t>
+                              </m:r>
+                            </m:e>
+                            <m:sub>
+                              <m:r>
+                                <a:rPr lang="en-US" sz="1800" b="1" i="1" smtClean="0">
+                                  <a:latin typeface="Cambria Math" panose="02040503050406030204" pitchFamily="18" charset="0"/>
+                                  <a:ea typeface="Cambria Math" panose="02040503050406030204" pitchFamily="18" charset="0"/>
+                                </a:rPr>
+                                <m:t>𝒀</m:t>
+                              </m:r>
+                            </m:sub>
+                          </m:sSub>
+                          <m:r>
+                            <a:rPr lang="en-US" sz="1800" b="1" i="1">
+                              <a:latin typeface="Cambria Math" panose="02040503050406030204" pitchFamily="18" charset="0"/>
+                              <a:ea typeface="Cambria Math" panose="02040503050406030204" pitchFamily="18" charset="0"/>
+                            </a:rPr>
+                            <m:t>\</m:t>
+                          </m:r>
+                          <m:sSub>
+                            <m:sSubPr>
+                              <m:ctrlPr>
+                                <a:rPr lang="en-US" sz="1800" b="1" i="1">
+                                  <a:latin typeface="Cambria Math" panose="02040503050406030204" pitchFamily="18" charset="0"/>
+                                  <a:ea typeface="Cambria Math" panose="02040503050406030204" pitchFamily="18" charset="0"/>
+                                </a:rPr>
+                              </m:ctrlPr>
+                            </m:sSubPr>
+                            <m:e>
+                              <m:r>
+                                <a:rPr lang="en-US" sz="1800" b="1" i="1" smtClean="0">
+                                  <a:latin typeface="Cambria Math" panose="02040503050406030204" pitchFamily="18" charset="0"/>
+                                  <a:ea typeface="Cambria Math" panose="02040503050406030204" pitchFamily="18" charset="0"/>
+                                </a:rPr>
+                                <m:t>𝑷</m:t>
+                              </m:r>
+                            </m:e>
+                            <m:sub>
+                              <m:r>
+                                <a:rPr lang="en-US" sz="1800" b="1" i="1" smtClean="0">
+                                  <a:latin typeface="Cambria Math" panose="02040503050406030204" pitchFamily="18" charset="0"/>
+                                  <a:ea typeface="Cambria Math" panose="02040503050406030204" pitchFamily="18" charset="0"/>
+                                </a:rPr>
+                                <m:t>𝒀</m:t>
+                              </m:r>
+                            </m:sub>
+                          </m:sSub>
+                        </m:den>
+                      </m:f>
+                      <m:r>
+                        <a:rPr lang="ru-RU" sz="1800" b="1" i="1">
+                          <a:latin typeface="Cambria Math" panose="02040503050406030204" pitchFamily="18" charset="0"/>
+                          <a:ea typeface="Cambria Math" panose="02040503050406030204" pitchFamily="18" charset="0"/>
+                        </a:rPr>
+                        <m:t>(%)</m:t>
+                      </m:r>
+                    </m:oMath>
+                  </m:oMathPara>
+                </a14:m>
+                <a:endParaRPr lang="en-US" sz="1800" dirty="0"/>
+              </a:p>
+              <a:p>
+                <a:pPr marL="0" indent="0">
+                  <a:lnSpc>
+                    <a:spcPct val="150000"/>
+                  </a:lnSpc>
+                  <a:buNone/>
+                </a:pPr>
+                <a:r>
+                  <a:rPr lang="en-US" sz="1500" dirty="0"/>
+                  <a:t>X, Y - </a:t>
+                </a:r>
+                <a:r>
+                  <a:rPr lang="ru-RU" sz="1500" dirty="0"/>
+                  <a:t>товары</a:t>
+                </a:r>
+                <a:endParaRPr lang="en-US" sz="1500" dirty="0"/>
+              </a:p>
+              <a:p>
+                <a:pPr marL="342900" indent="-342900">
+                  <a:lnSpc>
+                    <a:spcPct val="150000"/>
+                  </a:lnSpc>
+                  <a:buFont typeface="+mj-lt"/>
+                  <a:buAutoNum type="arabicPeriod"/>
+                </a:pPr>
+                <a:r>
+                  <a:rPr lang="ru-RU" sz="1500" dirty="0"/>
+                  <a:t>Взаимозаменяемое благо </a:t>
+                </a:r>
+                <a14:m>
+                  <m:oMath xmlns:m="http://schemas.openxmlformats.org/officeDocument/2006/math">
+                    <m:sSubSup>
+                      <m:sSubSupPr>
+                        <m:ctrlPr>
+                          <a:rPr lang="en-US" sz="1500" i="1" smtClean="0">
+                            <a:latin typeface="Cambria Math" panose="02040503050406030204" pitchFamily="18" charset="0"/>
+                          </a:rPr>
+                        </m:ctrlPr>
+                      </m:sSubSupPr>
+                      <m:e>
+                        <m:r>
+                          <a:rPr lang="en-US" sz="1500" b="0" i="1" smtClean="0">
+                            <a:latin typeface="Cambria Math" panose="02040503050406030204" pitchFamily="18" charset="0"/>
+                          </a:rPr>
+                          <m:t>𝐸</m:t>
+                        </m:r>
+                      </m:e>
+                      <m:sub>
+                        <m:r>
+                          <a:rPr lang="en-US" sz="1500" b="0" i="1" smtClean="0">
+                            <a:latin typeface="Cambria Math" panose="02040503050406030204" pitchFamily="18" charset="0"/>
+                          </a:rPr>
+                          <m:t>𝑋𝑌</m:t>
+                        </m:r>
+                      </m:sub>
+                      <m:sup>
+                        <m:r>
+                          <a:rPr lang="en-US" sz="1500" b="0" i="1" smtClean="0">
+                            <a:latin typeface="Cambria Math" panose="02040503050406030204" pitchFamily="18" charset="0"/>
+                          </a:rPr>
+                          <m:t>𝐷</m:t>
+                        </m:r>
+                      </m:sup>
+                    </m:sSubSup>
+                    <m:r>
+                      <a:rPr lang="en-US" sz="1500" b="0" i="1" smtClean="0">
+                        <a:latin typeface="Cambria Math" panose="02040503050406030204" pitchFamily="18" charset="0"/>
+                      </a:rPr>
+                      <m:t>&gt;0</m:t>
+                    </m:r>
+                  </m:oMath>
+                </a14:m>
+                <a:endParaRPr lang="ru-RU" sz="1500" dirty="0"/>
+              </a:p>
+              <a:p>
+                <a:pPr marL="342900" indent="-342900">
+                  <a:lnSpc>
+                    <a:spcPct val="150000"/>
+                  </a:lnSpc>
+                  <a:buFont typeface="+mj-lt"/>
+                  <a:buAutoNum type="arabicPeriod"/>
+                </a:pPr>
+                <a:r>
+                  <a:rPr lang="ru-RU" sz="1500" dirty="0"/>
+                  <a:t>Комплементарные благ </a:t>
+                </a:r>
+                <a14:m>
+                  <m:oMath xmlns:m="http://schemas.openxmlformats.org/officeDocument/2006/math">
+                    <m:sSubSup>
+                      <m:sSubSupPr>
+                        <m:ctrlPr>
+                          <a:rPr lang="en-US" sz="1500" i="1" smtClean="0">
+                            <a:latin typeface="Cambria Math" panose="02040503050406030204" pitchFamily="18" charset="0"/>
+                          </a:rPr>
+                        </m:ctrlPr>
+                      </m:sSubSupPr>
+                      <m:e>
+                        <m:r>
+                          <a:rPr lang="en-US" sz="1500" b="0" i="1" smtClean="0">
+                            <a:latin typeface="Cambria Math" panose="02040503050406030204" pitchFamily="18" charset="0"/>
+                          </a:rPr>
+                          <m:t>𝐸</m:t>
+                        </m:r>
+                      </m:e>
+                      <m:sub>
+                        <m:r>
+                          <a:rPr lang="en-US" sz="1500" b="0" i="1" smtClean="0">
+                            <a:latin typeface="Cambria Math" panose="02040503050406030204" pitchFamily="18" charset="0"/>
+                          </a:rPr>
+                          <m:t>𝑋𝑌</m:t>
+                        </m:r>
+                      </m:sub>
+                      <m:sup>
+                        <m:r>
+                          <a:rPr lang="en-US" sz="1500" b="0" i="1" smtClean="0">
+                            <a:latin typeface="Cambria Math" panose="02040503050406030204" pitchFamily="18" charset="0"/>
+                          </a:rPr>
+                          <m:t>𝐷</m:t>
+                        </m:r>
+                      </m:sup>
+                    </m:sSubSup>
+                    <m:r>
+                      <a:rPr lang="en-US" sz="1500" b="0" i="1" smtClean="0">
+                        <a:latin typeface="Cambria Math" panose="02040503050406030204" pitchFamily="18" charset="0"/>
+                      </a:rPr>
+                      <m:t>&lt;0</m:t>
+                    </m:r>
+                  </m:oMath>
+                </a14:m>
+                <a:endParaRPr lang="ru-RU" sz="1500" dirty="0"/>
+              </a:p>
+              <a:p>
+                <a:pPr marL="342900" indent="-342900">
+                  <a:lnSpc>
+                    <a:spcPct val="150000"/>
+                  </a:lnSpc>
+                  <a:buFont typeface="+mj-lt"/>
+                  <a:buAutoNum type="arabicPeriod"/>
+                </a:pPr>
+                <a:r>
+                  <a:rPr lang="ru-RU" sz="1500" dirty="0"/>
+                  <a:t>Независимые друг от друга блага </a:t>
+                </a:r>
+                <a14:m>
+                  <m:oMath xmlns:m="http://schemas.openxmlformats.org/officeDocument/2006/math">
+                    <m:sSubSup>
+                      <m:sSubSupPr>
+                        <m:ctrlPr>
+                          <a:rPr lang="en-US" sz="1500" i="1" smtClean="0">
+                            <a:latin typeface="Cambria Math" panose="02040503050406030204" pitchFamily="18" charset="0"/>
+                          </a:rPr>
+                        </m:ctrlPr>
+                      </m:sSubSupPr>
+                      <m:e>
+                        <m:r>
+                          <a:rPr lang="en-US" sz="1500" b="0" i="1" smtClean="0">
+                            <a:latin typeface="Cambria Math" panose="02040503050406030204" pitchFamily="18" charset="0"/>
+                          </a:rPr>
+                          <m:t>𝐸</m:t>
+                        </m:r>
+                      </m:e>
+                      <m:sub>
+                        <m:r>
+                          <a:rPr lang="en-US" sz="1500" b="0" i="1" smtClean="0">
+                            <a:latin typeface="Cambria Math" panose="02040503050406030204" pitchFamily="18" charset="0"/>
+                          </a:rPr>
+                          <m:t>𝑋𝑌</m:t>
+                        </m:r>
+                      </m:sub>
+                      <m:sup>
+                        <m:r>
+                          <a:rPr lang="en-US" sz="1500" b="0" i="1" smtClean="0">
+                            <a:latin typeface="Cambria Math" panose="02040503050406030204" pitchFamily="18" charset="0"/>
+                          </a:rPr>
+                          <m:t>𝐷</m:t>
+                        </m:r>
+                      </m:sup>
+                    </m:sSubSup>
+                    <m:r>
+                      <a:rPr lang="en-US" sz="1500" b="0" i="1" smtClean="0">
+                        <a:latin typeface="Cambria Math" panose="02040503050406030204" pitchFamily="18" charset="0"/>
+                      </a:rPr>
+                      <m:t>=0</m:t>
+                    </m:r>
+                  </m:oMath>
+                </a14:m>
+                <a:endParaRPr lang="ru-RU" sz="1500" dirty="0"/>
+              </a:p>
+              <a:p>
+                <a:pPr marL="0" indent="0">
+                  <a:lnSpc>
+                    <a:spcPct val="150000"/>
+                  </a:lnSpc>
+                  <a:buNone/>
+                </a:pPr>
+                <a:endParaRPr lang="ru-RU" sz="1800" dirty="0">
+                  <a:latin typeface="Montserrat" panose="00000500000000000000" pitchFamily="2" charset="0"/>
+                </a:endParaRPr>
+              </a:p>
+            </p:txBody>
+          </p:sp>
+        </mc:Choice>
+        <mc:Fallback>
+          <p:sp>
+            <p:nvSpPr>
+              <p:cNvPr id="3" name="Объект 2"/>
+              <p:cNvSpPr>
+                <a:spLocks noGrp="1" noRot="1" noChangeAspect="1" noMove="1" noResize="1" noEditPoints="1" noAdjustHandles="1" noChangeArrowheads="1" noChangeShapeType="1" noTextEdit="1"/>
+              </p:cNvSpPr>
+              <p:nvPr>
+                <p:ph idx="1"/>
+              </p:nvPr>
+            </p:nvSpPr>
+            <p:spPr>
+              <a:xfrm>
+                <a:off x="838200" y="2022765"/>
+                <a:ext cx="10515600" cy="4154198"/>
+              </a:xfrm>
+              <a:blipFill>
+                <a:blip r:embed="rId3"/>
+                <a:stretch>
+                  <a:fillRect l="-290"/>
+                </a:stretch>
+              </a:blipFill>
+            </p:spPr>
+            <p:txBody>
+              <a:bodyPr/>
+              <a:lstStyle/>
+              <a:p>
+                <a:r>
+                  <a:rPr lang="ru-RU">
+                    <a:noFill/>
+                  </a:rPr>
+                  <a:t> </a:t>
+                </a:r>
+              </a:p>
+            </p:txBody>
+          </p:sp>
+        </mc:Fallback>
+      </mc:AlternateContent>
+      <p:sp>
+        <p:nvSpPr>
+          <p:cNvPr id="4" name="Нижний колонтитул 3"/>
+          <p:cNvSpPr>
+            <a:spLocks noGrp="1"/>
+          </p:cNvSpPr>
+          <p:nvPr>
+            <p:ph type="ftr" sz="quarter" idx="11"/>
+          </p:nvPr>
+        </p:nvSpPr>
+        <p:spPr/>
+        <p:txBody>
+          <a:bodyPr/>
+          <a:lstStyle/>
+          <a:p>
+            <a:r>
+              <a:rPr lang="ru-RU" dirty="0">
+                <a:latin typeface="Montserrat" panose="00000500000000000000" pitchFamily="2" charset="0"/>
+                <a:cs typeface="Arial" panose="020B0604020202020204" pitchFamily="34" charset="0"/>
+              </a:rPr>
+              <a:t>МГТУ им. Н.Э. Баумана, ИУ7 – «Программное обеспечение ЭВМ и информационные технологии»</a:t>
+            </a:r>
+          </a:p>
+        </p:txBody>
+      </p:sp>
+      <p:sp>
+        <p:nvSpPr>
+          <p:cNvPr id="5" name="Номер слайда 4"/>
+          <p:cNvSpPr>
+            <a:spLocks noGrp="1"/>
+          </p:cNvSpPr>
+          <p:nvPr>
+            <p:ph type="sldNum" sz="quarter" idx="12"/>
+          </p:nvPr>
+        </p:nvSpPr>
+        <p:spPr/>
+        <p:txBody>
+          <a:bodyPr/>
+          <a:lstStyle/>
+          <a:p>
+            <a:fld id="{9415E33C-F962-4E59-AF47-C3576160EA36}" type="slidenum">
+              <a:rPr lang="ru-RU" smtClean="0"/>
+              <a:t>12</a:t>
+            </a:fld>
+            <a:endParaRPr lang="ru-RU"/>
+          </a:p>
+        </p:txBody>
+      </p:sp>
+      <p:pic>
+        <p:nvPicPr>
+          <p:cNvPr id="7" name="Picture 2" descr="image">
+            <a:extLst>
+              <a:ext uri="{FF2B5EF4-FFF2-40B4-BE49-F238E27FC236}">
+                <a16:creationId xmlns:a16="http://schemas.microsoft.com/office/drawing/2014/main" id="{CFC6836E-3700-421C-8822-6708949CADCA}"/>
+              </a:ext>
+            </a:extLst>
+          </p:cNvPr>
+          <p:cNvPicPr>
+            <a:picLocks noChangeAspect="1" noChangeArrowheads="1"/>
+          </p:cNvPicPr>
+          <p:nvPr/>
+        </p:nvPicPr>
+        <p:blipFill>
+          <a:blip r:embed="rId4" cstate="print">
+            <a:extLst>
+              <a:ext uri="{28A0092B-C50C-407E-A947-70E740481C1C}">
+                <a14:useLocalDpi xmlns:a14="http://schemas.microsoft.com/office/drawing/2010/main" val="0"/>
+              </a:ext>
+            </a:extLst>
+          </a:blip>
+          <a:srcRect/>
+          <a:stretch>
+            <a:fillRect/>
+          </a:stretch>
+        </p:blipFill>
+        <p:spPr bwMode="auto">
+          <a:xfrm>
+            <a:off x="10193246" y="360436"/>
+            <a:ext cx="1520954" cy="1520954"/>
+          </a:xfrm>
+          <a:prstGeom prst="rect">
+            <a:avLst/>
+          </a:prstGeom>
+          <a:noFill/>
+          <a:extLst>
+            <a:ext uri="{909E8E84-426E-40DD-AFC4-6F175D3DCCD1}">
+              <a14:hiddenFill xmlns:a14="http://schemas.microsoft.com/office/drawing/2010/main">
+                <a:solidFill>
+                  <a:srgbClr val="FFFFFF"/>
+                </a:solidFill>
+              </a14:hiddenFill>
+            </a:ext>
+          </a:extLst>
+        </p:spPr>
+      </p:pic>
+    </p:spTree>
+    <p:extLst>
+      <p:ext uri="{BB962C8B-B14F-4D97-AF65-F5344CB8AC3E}">
+        <p14:creationId xmlns:p14="http://schemas.microsoft.com/office/powerpoint/2010/main" val="36148254"/>
+      </p:ext>
+    </p:extLst>
+  </p:cSld>
+  <p:clrMapOvr>
+    <a:masterClrMapping/>
+  </p:clrMapOvr>
+</p:sld>
+</file>
+
+<file path=ppt/slides/slide13.xml><?xml version="1.0" encoding="utf-8"?>
+<p:sld xmlns:a="http://schemas.openxmlformats.org/drawingml/2006/main" xmlns:r="http://schemas.openxmlformats.org/officeDocument/2006/relationships" xmlns:p="http://schemas.openxmlformats.org/presentationml/2006/main">
+  <p:cSld>
+    <p:spTree>
+      <p:nvGrpSpPr>
+        <p:cNvPr id="1" name=""/>
+        <p:cNvGrpSpPr/>
+        <p:nvPr/>
+      </p:nvGrpSpPr>
+      <p:grpSpPr>
+        <a:xfrm>
+          <a:off x="0" y="0"/>
+          <a:ext cx="0" cy="0"/>
+          <a:chOff x="0" y="0"/>
+          <a:chExt cx="0" cy="0"/>
+        </a:xfrm>
+      </p:grpSpPr>
+      <p:sp>
+        <p:nvSpPr>
+          <p:cNvPr id="2" name="Заголовок 1"/>
+          <p:cNvSpPr>
+            <a:spLocks noGrp="1"/>
+          </p:cNvSpPr>
+          <p:nvPr>
+            <p:ph type="title"/>
+          </p:nvPr>
+        </p:nvSpPr>
+        <p:spPr>
+          <a:xfrm>
+            <a:off x="838200" y="1039528"/>
+            <a:ext cx="10515600" cy="651160"/>
+          </a:xfrm>
+        </p:spPr>
+        <p:txBody>
+          <a:bodyPr>
+            <a:normAutofit fontScale="90000"/>
+          </a:bodyPr>
+          <a:lstStyle/>
+          <a:p>
+            <a:r>
+              <a:rPr lang="ru-RU" b="1" dirty="0">
+                <a:solidFill>
+                  <a:srgbClr val="326CDB"/>
+                </a:solidFill>
+                <a:latin typeface="Montserrat" panose="00000500000000000000" pitchFamily="2" charset="0"/>
+                <a:cs typeface="Arial" panose="020B0604020202020204" pitchFamily="34" charset="0"/>
+              </a:rPr>
+              <a:t>Эластичность предложения</a:t>
+            </a:r>
+          </a:p>
+        </p:txBody>
+      </p:sp>
+      <mc:AlternateContent xmlns:mc="http://schemas.openxmlformats.org/markup-compatibility/2006">
+        <mc:Choice xmlns:a14="http://schemas.microsoft.com/office/drawing/2010/main" Requires="a14">
+          <p:sp>
+            <p:nvSpPr>
+              <p:cNvPr id="3" name="Объект 2"/>
+              <p:cNvSpPr>
+                <a:spLocks noGrp="1"/>
+              </p:cNvSpPr>
+              <p:nvPr>
+                <p:ph idx="1"/>
+              </p:nvPr>
+            </p:nvSpPr>
+            <p:spPr/>
+            <p:txBody>
+              <a:bodyPr>
+                <a:normAutofit/>
+              </a:bodyPr>
+              <a:lstStyle/>
+              <a:p>
+                <a:pPr marL="0" indent="0">
+                  <a:lnSpc>
+                    <a:spcPct val="150000"/>
+                  </a:lnSpc>
+                  <a:buNone/>
+                </a:pPr>
+                <a:r>
+                  <a:rPr lang="ru-RU" sz="1500" dirty="0">
+                    <a:latin typeface="Montserrat" panose="00000500000000000000" pitchFamily="2" charset="0"/>
+                  </a:rPr>
+                  <a:t>демонстрирует, как </a:t>
+                </a:r>
+                <a:r>
+                  <a:rPr lang="ru-RU" sz="1500" dirty="0">
+                    <a:solidFill>
+                      <a:srgbClr val="326CDB"/>
+                    </a:solidFill>
+                    <a:latin typeface="Montserrat" panose="00000500000000000000" pitchFamily="2" charset="0"/>
+                  </a:rPr>
+                  <a:t>продавцы</a:t>
+                </a:r>
+                <a:r>
+                  <a:rPr lang="ru-RU" sz="1500" dirty="0">
+                    <a:latin typeface="Montserrat" panose="00000500000000000000" pitchFamily="2" charset="0"/>
+                  </a:rPr>
+                  <a:t> реагируют на изменение цены: увеличивают или уменьшают объемы продукции на рынке</a:t>
+                </a:r>
+                <a:endParaRPr lang="en-US" sz="1500" dirty="0">
+                  <a:latin typeface="Montserrat" panose="00000500000000000000" pitchFamily="2" charset="0"/>
+                </a:endParaRPr>
+              </a:p>
+              <a:p>
+                <a:pPr marL="0" indent="0">
+                  <a:lnSpc>
+                    <a:spcPct val="150000"/>
+                  </a:lnSpc>
+                  <a:buNone/>
+                </a:pPr>
+                <a:endParaRPr lang="ru-RU" sz="1500" dirty="0">
+                  <a:latin typeface="Montserrat" panose="00000500000000000000" pitchFamily="2" charset="0"/>
+                </a:endParaRPr>
+              </a:p>
+              <a:p>
+                <a:pPr marL="0" indent="0">
+                  <a:lnSpc>
+                    <a:spcPct val="150000"/>
+                  </a:lnSpc>
+                  <a:buNone/>
+                </a:pPr>
+                <a14:m>
+                  <m:oMathPara xmlns:m="http://schemas.openxmlformats.org/officeDocument/2006/math">
+                    <m:oMathParaPr>
+                      <m:jc m:val="centerGroup"/>
+                    </m:oMathParaPr>
+                    <m:oMath xmlns:m="http://schemas.openxmlformats.org/officeDocument/2006/math">
+                      <m:sSubSup>
+                        <m:sSubSupPr>
+                          <m:ctrlPr>
+                            <a:rPr lang="en-US" sz="1800" i="1" smtClean="0">
+                              <a:latin typeface="Cambria Math" panose="02040503050406030204" pitchFamily="18" charset="0"/>
+                            </a:rPr>
+                          </m:ctrlPr>
+                        </m:sSubSupPr>
+                        <m:e>
+                          <m:r>
+                            <a:rPr lang="en-US" sz="1800" b="0" i="1" smtClean="0">
+                              <a:latin typeface="Cambria Math" panose="02040503050406030204" pitchFamily="18" charset="0"/>
+                            </a:rPr>
+                            <m:t>𝐸</m:t>
+                          </m:r>
+                        </m:e>
+                        <m:sub>
+                          <m:r>
+                            <a:rPr lang="en-US" sz="1800" b="0" i="1" smtClean="0">
+                              <a:latin typeface="Cambria Math" panose="02040503050406030204" pitchFamily="18" charset="0"/>
+                            </a:rPr>
+                            <m:t>𝑃</m:t>
+                          </m:r>
+                        </m:sub>
+                        <m:sup>
+                          <m:r>
+                            <a:rPr lang="en-US" sz="1800" b="0" i="1" smtClean="0">
+                              <a:latin typeface="Cambria Math" panose="02040503050406030204" pitchFamily="18" charset="0"/>
+                            </a:rPr>
+                            <m:t>𝑆</m:t>
+                          </m:r>
+                        </m:sup>
+                      </m:sSubSup>
+                      <m:r>
+                        <a:rPr lang="en-US" sz="1800" b="0" i="1" smtClean="0">
+                          <a:latin typeface="Cambria Math" panose="02040503050406030204" pitchFamily="18" charset="0"/>
+                        </a:rPr>
+                        <m:t>=</m:t>
+                      </m:r>
+                      <m:f>
+                        <m:fPr>
+                          <m:ctrlPr>
+                            <a:rPr lang="en-US" sz="1800" b="1" i="1">
+                              <a:latin typeface="Cambria Math" panose="02040503050406030204" pitchFamily="18" charset="0"/>
+                            </a:rPr>
+                          </m:ctrlPr>
+                        </m:fPr>
+                        <m:num>
+                          <m:r>
+                            <a:rPr lang="en-US" sz="1800" b="1" i="1">
+                              <a:latin typeface="Cambria Math" panose="02040503050406030204" pitchFamily="18" charset="0"/>
+                              <a:ea typeface="Cambria Math" panose="02040503050406030204" pitchFamily="18" charset="0"/>
+                            </a:rPr>
+                            <m:t>∆</m:t>
+                          </m:r>
+                          <m:sSub>
+                            <m:sSubPr>
+                              <m:ctrlPr>
+                                <a:rPr lang="en-US" sz="1800" b="1" i="1" smtClean="0">
+                                  <a:latin typeface="Cambria Math" panose="02040503050406030204" pitchFamily="18" charset="0"/>
+                                  <a:ea typeface="Cambria Math" panose="02040503050406030204" pitchFamily="18" charset="0"/>
+                                </a:rPr>
+                              </m:ctrlPr>
+                            </m:sSubPr>
+                            <m:e>
+                              <m:r>
+                                <a:rPr lang="en-US" sz="1800" b="1" i="1" smtClean="0">
+                                  <a:latin typeface="Cambria Math" panose="02040503050406030204" pitchFamily="18" charset="0"/>
+                                  <a:ea typeface="Cambria Math" panose="02040503050406030204" pitchFamily="18" charset="0"/>
+                                </a:rPr>
+                                <m:t>𝑸</m:t>
+                              </m:r>
+                            </m:e>
+                            <m:sub>
+                              <m:r>
+                                <a:rPr lang="en-US" sz="1800" b="1" i="1" smtClean="0">
+                                  <a:latin typeface="Cambria Math" panose="02040503050406030204" pitchFamily="18" charset="0"/>
+                                  <a:ea typeface="Cambria Math" panose="02040503050406030204" pitchFamily="18" charset="0"/>
+                                </a:rPr>
+                                <m:t>𝑿</m:t>
+                              </m:r>
+                            </m:sub>
+                          </m:sSub>
+                          <m:r>
+                            <a:rPr lang="en-US" sz="1800" b="1" i="1">
+                              <a:latin typeface="Cambria Math" panose="02040503050406030204" pitchFamily="18" charset="0"/>
+                              <a:ea typeface="Cambria Math" panose="02040503050406030204" pitchFamily="18" charset="0"/>
+                            </a:rPr>
+                            <m:t>\</m:t>
+                          </m:r>
+                          <m:sSub>
+                            <m:sSubPr>
+                              <m:ctrlPr>
+                                <a:rPr lang="en-US" sz="1800" b="1" i="1">
+                                  <a:latin typeface="Cambria Math" panose="02040503050406030204" pitchFamily="18" charset="0"/>
+                                  <a:ea typeface="Cambria Math" panose="02040503050406030204" pitchFamily="18" charset="0"/>
+                                </a:rPr>
+                              </m:ctrlPr>
+                            </m:sSubPr>
+                            <m:e>
+                              <m:r>
+                                <a:rPr lang="en-US" sz="1800" b="1" i="1">
+                                  <a:latin typeface="Cambria Math" panose="02040503050406030204" pitchFamily="18" charset="0"/>
+                                  <a:ea typeface="Cambria Math" panose="02040503050406030204" pitchFamily="18" charset="0"/>
+                                </a:rPr>
+                                <m:t>𝑸</m:t>
+                              </m:r>
+                            </m:e>
+                            <m:sub>
+                              <m:r>
+                                <a:rPr lang="en-US" sz="1800" b="1" i="1">
+                                  <a:latin typeface="Cambria Math" panose="02040503050406030204" pitchFamily="18" charset="0"/>
+                                  <a:ea typeface="Cambria Math" panose="02040503050406030204" pitchFamily="18" charset="0"/>
+                                </a:rPr>
+                                <m:t>𝑿</m:t>
+                              </m:r>
+                            </m:sub>
+                          </m:sSub>
+                        </m:num>
+                        <m:den>
+                          <m:r>
+                            <a:rPr lang="en-US" sz="1800" b="1" i="1">
+                              <a:latin typeface="Cambria Math" panose="02040503050406030204" pitchFamily="18" charset="0"/>
+                              <a:ea typeface="Cambria Math" panose="02040503050406030204" pitchFamily="18" charset="0"/>
+                            </a:rPr>
+                            <m:t>∆</m:t>
+                          </m:r>
+                          <m:r>
+                            <a:rPr lang="en-US" sz="1800" b="1" i="1" smtClean="0">
+                              <a:latin typeface="Cambria Math" panose="02040503050406030204" pitchFamily="18" charset="0"/>
+                              <a:ea typeface="Cambria Math" panose="02040503050406030204" pitchFamily="18" charset="0"/>
+                            </a:rPr>
+                            <m:t>𝑷</m:t>
+                          </m:r>
+                          <m:r>
+                            <a:rPr lang="en-US" sz="1800" b="1" i="1">
+                              <a:latin typeface="Cambria Math" panose="02040503050406030204" pitchFamily="18" charset="0"/>
+                              <a:ea typeface="Cambria Math" panose="02040503050406030204" pitchFamily="18" charset="0"/>
+                            </a:rPr>
+                            <m:t>\</m:t>
+                          </m:r>
+                          <m:r>
+                            <a:rPr lang="en-US" sz="1800" b="1" i="1" smtClean="0">
+                              <a:latin typeface="Cambria Math" panose="02040503050406030204" pitchFamily="18" charset="0"/>
+                              <a:ea typeface="Cambria Math" panose="02040503050406030204" pitchFamily="18" charset="0"/>
+                            </a:rPr>
+                            <m:t>𝑷</m:t>
+                          </m:r>
+                        </m:den>
+                      </m:f>
+                      <m:r>
+                        <a:rPr lang="ru-RU" sz="1800" b="1" i="1">
+                          <a:latin typeface="Cambria Math" panose="02040503050406030204" pitchFamily="18" charset="0"/>
+                          <a:ea typeface="Cambria Math" panose="02040503050406030204" pitchFamily="18" charset="0"/>
+                        </a:rPr>
+                        <m:t>(%)</m:t>
+                      </m:r>
+                    </m:oMath>
+                  </m:oMathPara>
+                </a14:m>
+                <a:endParaRPr lang="en-US" sz="1800" dirty="0">
+                  <a:latin typeface="Montserrat" panose="00000500000000000000" pitchFamily="2" charset="0"/>
+                </a:endParaRPr>
+              </a:p>
+              <a:p>
+                <a:pPr marL="0" indent="0">
+                  <a:lnSpc>
+                    <a:spcPct val="150000"/>
+                  </a:lnSpc>
+                  <a:buNone/>
+                </a:pPr>
+                <a:r>
+                  <a:rPr lang="en-US" sz="1500" dirty="0"/>
+                  <a:t>S – </a:t>
+                </a:r>
+                <a:r>
+                  <a:rPr lang="ru-RU" sz="1500" dirty="0"/>
+                  <a:t>предложение</a:t>
+                </a:r>
+                <a:endParaRPr lang="en-US" sz="1500" dirty="0"/>
+              </a:p>
+              <a:p>
+                <a:pPr marL="0" indent="0">
+                  <a:lnSpc>
+                    <a:spcPct val="150000"/>
+                  </a:lnSpc>
+                  <a:buNone/>
+                </a:pPr>
+                <a:r>
+                  <a:rPr lang="en-US" sz="1500" dirty="0">
+                    <a:ea typeface="Cambria Math" panose="02040503050406030204" pitchFamily="18" charset="0"/>
+                  </a:rPr>
+                  <a:t>Q – </a:t>
+                </a:r>
+                <a:r>
+                  <a:rPr lang="ru-RU" sz="1500" dirty="0">
+                    <a:ea typeface="Cambria Math" panose="02040503050406030204" pitchFamily="18" charset="0"/>
+                  </a:rPr>
+                  <a:t>количество товара </a:t>
+                </a:r>
+                <a:r>
+                  <a:rPr lang="en-US" sz="1500" dirty="0">
+                    <a:ea typeface="Cambria Math" panose="02040503050406030204" pitchFamily="18" charset="0"/>
+                  </a:rPr>
+                  <a:t>X</a:t>
+                </a:r>
+              </a:p>
+              <a:p>
+                <a:pPr marL="0" indent="0">
+                  <a:lnSpc>
+                    <a:spcPct val="150000"/>
+                  </a:lnSpc>
+                  <a:buNone/>
+                </a:pPr>
+                <a:r>
+                  <a:rPr lang="en-US" sz="1500" dirty="0">
+                    <a:latin typeface="Montserrat" panose="00000500000000000000" pitchFamily="2" charset="0"/>
+                    <a:ea typeface="Cambria Math" panose="02040503050406030204" pitchFamily="18" charset="0"/>
+                  </a:rPr>
+                  <a:t>P – </a:t>
+                </a:r>
+                <a:r>
+                  <a:rPr lang="ru-RU" sz="1500" dirty="0">
+                    <a:latin typeface="Montserrat" panose="00000500000000000000" pitchFamily="2" charset="0"/>
+                    <a:ea typeface="Cambria Math" panose="02040503050406030204" pitchFamily="18" charset="0"/>
+                  </a:rPr>
+                  <a:t>цена товара </a:t>
+                </a:r>
+                <a:r>
+                  <a:rPr lang="en-US" sz="1500" dirty="0">
+                    <a:latin typeface="Montserrat" panose="00000500000000000000" pitchFamily="2" charset="0"/>
+                    <a:ea typeface="Cambria Math" panose="02040503050406030204" pitchFamily="18" charset="0"/>
+                  </a:rPr>
+                  <a:t>X</a:t>
+                </a:r>
+                <a:endParaRPr lang="ru-RU" sz="1500" dirty="0">
+                  <a:latin typeface="Montserrat" panose="00000500000000000000" pitchFamily="2" charset="0"/>
+                </a:endParaRPr>
+              </a:p>
+            </p:txBody>
+          </p:sp>
+        </mc:Choice>
+        <mc:Fallback>
+          <p:sp>
+            <p:nvSpPr>
+              <p:cNvPr id="3" name="Объект 2"/>
+              <p:cNvSpPr>
+                <a:spLocks noGrp="1" noRot="1" noChangeAspect="1" noMove="1" noResize="1" noEditPoints="1" noAdjustHandles="1" noChangeArrowheads="1" noChangeShapeType="1" noTextEdit="1"/>
+              </p:cNvSpPr>
+              <p:nvPr>
+                <p:ph idx="1"/>
+              </p:nvPr>
+            </p:nvSpPr>
+            <p:spPr>
+              <a:blipFill>
+                <a:blip r:embed="rId3"/>
+                <a:stretch>
+                  <a:fillRect l="-232"/>
+                </a:stretch>
+              </a:blipFill>
+            </p:spPr>
+            <p:txBody>
+              <a:bodyPr/>
+              <a:lstStyle/>
+              <a:p>
+                <a:r>
+                  <a:rPr lang="ru-RU">
+                    <a:noFill/>
+                  </a:rPr>
+                  <a:t> </a:t>
+                </a:r>
+              </a:p>
+            </p:txBody>
+          </p:sp>
+        </mc:Fallback>
+      </mc:AlternateContent>
+      <p:sp>
+        <p:nvSpPr>
+          <p:cNvPr id="4" name="Нижний колонтитул 3"/>
+          <p:cNvSpPr>
+            <a:spLocks noGrp="1"/>
+          </p:cNvSpPr>
+          <p:nvPr>
+            <p:ph type="ftr" sz="quarter" idx="11"/>
+          </p:nvPr>
+        </p:nvSpPr>
+        <p:spPr/>
+        <p:txBody>
+          <a:bodyPr/>
+          <a:lstStyle/>
+          <a:p>
+            <a:r>
+              <a:rPr lang="ru-RU" dirty="0">
+                <a:latin typeface="Montserrat" panose="00000500000000000000" pitchFamily="2" charset="0"/>
+                <a:cs typeface="Arial" panose="020B0604020202020204" pitchFamily="34" charset="0"/>
+              </a:rPr>
+              <a:t>МГТУ им. Н.Э. Баумана, ИУ7 – «Программное обеспечение ЭВМ и информационные технологии»</a:t>
+            </a:r>
+          </a:p>
+        </p:txBody>
+      </p:sp>
+      <p:sp>
+        <p:nvSpPr>
+          <p:cNvPr id="5" name="Номер слайда 4"/>
+          <p:cNvSpPr>
+            <a:spLocks noGrp="1"/>
+          </p:cNvSpPr>
+          <p:nvPr>
+            <p:ph type="sldNum" sz="quarter" idx="12"/>
+          </p:nvPr>
+        </p:nvSpPr>
+        <p:spPr/>
+        <p:txBody>
+          <a:bodyPr/>
+          <a:lstStyle/>
+          <a:p>
+            <a:fld id="{9415E33C-F962-4E59-AF47-C3576160EA36}" type="slidenum">
+              <a:rPr lang="ru-RU" smtClean="0"/>
+              <a:t>13</a:t>
+            </a:fld>
+            <a:endParaRPr lang="ru-RU"/>
+          </a:p>
+        </p:txBody>
+      </p:sp>
+      <p:pic>
+        <p:nvPicPr>
+          <p:cNvPr id="7" name="Picture 2" descr="image">
+            <a:extLst>
+              <a:ext uri="{FF2B5EF4-FFF2-40B4-BE49-F238E27FC236}">
+                <a16:creationId xmlns:a16="http://schemas.microsoft.com/office/drawing/2014/main" id="{CFC6836E-3700-421C-8822-6708949CADCA}"/>
+              </a:ext>
+            </a:extLst>
+          </p:cNvPr>
+          <p:cNvPicPr>
+            <a:picLocks noChangeAspect="1" noChangeArrowheads="1"/>
+          </p:cNvPicPr>
+          <p:nvPr/>
+        </p:nvPicPr>
+        <p:blipFill>
+          <a:blip r:embed="rId4" cstate="print">
+            <a:extLst>
+              <a:ext uri="{28A0092B-C50C-407E-A947-70E740481C1C}">
+                <a14:useLocalDpi xmlns:a14="http://schemas.microsoft.com/office/drawing/2010/main" val="0"/>
+              </a:ext>
+            </a:extLst>
+          </a:blip>
+          <a:srcRect/>
+          <a:stretch>
+            <a:fillRect/>
+          </a:stretch>
+        </p:blipFill>
+        <p:spPr bwMode="auto">
+          <a:xfrm>
+            <a:off x="10193246" y="360436"/>
+            <a:ext cx="1520954" cy="1520954"/>
+          </a:xfrm>
+          <a:prstGeom prst="rect">
+            <a:avLst/>
+          </a:prstGeom>
+          <a:noFill/>
+          <a:extLst>
+            <a:ext uri="{909E8E84-426E-40DD-AFC4-6F175D3DCCD1}">
+              <a14:hiddenFill xmlns:a14="http://schemas.microsoft.com/office/drawing/2010/main">
+                <a:solidFill>
+                  <a:srgbClr val="FFFFFF"/>
+                </a:solidFill>
+              </a14:hiddenFill>
+            </a:ext>
+          </a:extLst>
+        </p:spPr>
+      </p:pic>
+    </p:spTree>
+    <p:extLst>
+      <p:ext uri="{BB962C8B-B14F-4D97-AF65-F5344CB8AC3E}">
+        <p14:creationId xmlns:p14="http://schemas.microsoft.com/office/powerpoint/2010/main" val="2299204813"/>
+      </p:ext>
+    </p:extLst>
+  </p:cSld>
+  <p:clrMapOvr>
+    <a:masterClrMapping/>
+  </p:clrMapOvr>
+</p:sld>
+</file>
+
+<file path=ppt/slides/slide14.xml><?xml version="1.0" encoding="utf-8"?>
+<p:sld xmlns:a="http://schemas.openxmlformats.org/drawingml/2006/main" xmlns:r="http://schemas.openxmlformats.org/officeDocument/2006/relationships" xmlns:p="http://schemas.openxmlformats.org/presentationml/2006/main">
+  <p:cSld>
+    <p:spTree>
+      <p:nvGrpSpPr>
+        <p:cNvPr id="1" name=""/>
+        <p:cNvGrpSpPr/>
+        <p:nvPr/>
+      </p:nvGrpSpPr>
+      <p:grpSpPr>
+        <a:xfrm>
+          <a:off x="0" y="0"/>
+          <a:ext cx="0" cy="0"/>
+          <a:chOff x="0" y="0"/>
+          <a:chExt cx="0" cy="0"/>
+        </a:xfrm>
+      </p:grpSpPr>
+      <p:sp>
+        <p:nvSpPr>
+          <p:cNvPr id="2" name="Заголовок 1"/>
+          <p:cNvSpPr>
+            <a:spLocks noGrp="1"/>
+          </p:cNvSpPr>
+          <p:nvPr>
+            <p:ph type="title"/>
+          </p:nvPr>
+        </p:nvSpPr>
+        <p:spPr>
+          <a:xfrm>
+            <a:off x="838200" y="1039528"/>
+            <a:ext cx="10515600" cy="651160"/>
+          </a:xfrm>
+        </p:spPr>
+        <p:txBody>
+          <a:bodyPr>
+            <a:normAutofit fontScale="90000"/>
+          </a:bodyPr>
+          <a:lstStyle/>
+          <a:p>
+            <a:r>
+              <a:rPr lang="ru-RU" b="1" dirty="0">
+                <a:solidFill>
+                  <a:srgbClr val="326CDB"/>
+                </a:solidFill>
+                <a:latin typeface="Montserrat" panose="00000500000000000000" pitchFamily="2" charset="0"/>
+                <a:cs typeface="Arial" panose="020B0604020202020204" pitchFamily="34" charset="0"/>
+              </a:rPr>
+              <a:t>Эластичность предложения</a:t>
+            </a:r>
+            <a:br>
+              <a:rPr lang="en-US" b="1" dirty="0">
+                <a:solidFill>
+                  <a:srgbClr val="326CDB"/>
+                </a:solidFill>
+                <a:latin typeface="Montserrat" panose="00000500000000000000" pitchFamily="2" charset="0"/>
+                <a:cs typeface="Arial" panose="020B0604020202020204" pitchFamily="34" charset="0"/>
+              </a:rPr>
+            </a:br>
+            <a:r>
+              <a:rPr lang="ru-RU" sz="2800" b="1" dirty="0">
+                <a:solidFill>
+                  <a:srgbClr val="326CDB"/>
+                </a:solidFill>
+                <a:latin typeface="Montserrat" panose="00000500000000000000" pitchFamily="2" charset="0"/>
+                <a:cs typeface="Arial" panose="020B0604020202020204" pitchFamily="34" charset="0"/>
+              </a:rPr>
+              <a:t>по цене</a:t>
             </a:r>
           </a:p>
         </p:txBody>
@@ -6160,10 +8997,15 @@
             <p:ph idx="1"/>
           </p:nvPr>
         </p:nvSpPr>
-        <p:spPr/>
+        <p:spPr>
+          <a:xfrm>
+            <a:off x="838200" y="1936457"/>
+            <a:ext cx="6005946" cy="3992847"/>
+          </a:xfrm>
+        </p:spPr>
         <p:txBody>
           <a:bodyPr>
-            <a:normAutofit/>
+            <a:noAutofit/>
           </a:bodyPr>
           <a:lstStyle/>
           <a:p>
@@ -6173,19 +9015,19 @@
               </a:lnSpc>
             </a:pPr>
             <a:r>
-              <a:rPr lang="ru-RU" sz="1800" dirty="0">
+              <a:rPr lang="ru-RU" sz="1500" b="1" dirty="0">
                 <a:solidFill>
                   <a:srgbClr val="326CDB"/>
                 </a:solidFill>
                 <a:latin typeface="Montserrat" panose="00000500000000000000" pitchFamily="2" charset="0"/>
               </a:rPr>
-              <a:t>закон спроса и предложения </a:t>
-            </a:r>
-            <a:r>
-              <a:rPr lang="ru-RU" sz="1800" dirty="0">
-                <a:latin typeface="Montserrat" panose="00000500000000000000" pitchFamily="2" charset="0"/>
-              </a:rPr>
-              <a:t>- рыночный механизм, обеспечивающий согласование интересов продавцов и покупателей</a:t>
+              <a:t>Абсолютно эластичное предложение </a:t>
+            </a:r>
+            <a:r>
+              <a:rPr lang="ru-RU" sz="1500" dirty="0">
+                <a:latin typeface="Montserrat" panose="00000500000000000000" pitchFamily="2" charset="0"/>
+              </a:rPr>
+              <a:t>— существует только одна цена, по которой товар будет предлагаться на рынке. </a:t>
             </a:r>
           </a:p>
           <a:p>
@@ -6195,19 +9037,19 @@
               </a:lnSpc>
             </a:pPr>
             <a:r>
-              <a:rPr lang="ru-RU" sz="1800" dirty="0">
+              <a:rPr lang="ru-RU" sz="1500" b="1" dirty="0">
                 <a:solidFill>
                   <a:srgbClr val="326CDB"/>
                 </a:solidFill>
                 <a:latin typeface="Montserrat" panose="00000500000000000000" pitchFamily="2" charset="0"/>
               </a:rPr>
-              <a:t>равновесная цена </a:t>
-            </a:r>
-            <a:r>
-              <a:rPr lang="ru-RU" sz="1800" dirty="0">
-                <a:latin typeface="Montserrat" panose="00000500000000000000" pitchFamily="2" charset="0"/>
-              </a:rPr>
-              <a:t>– величина, по который потребители готовы приобретать продукцию, а продавцы – ее сбывать</a:t>
+              <a:t>Эластичное предложение </a:t>
+            </a:r>
+            <a:r>
+              <a:rPr lang="ru-RU" sz="1500" dirty="0">
+                <a:latin typeface="Montserrat" panose="00000500000000000000" pitchFamily="2" charset="0"/>
+              </a:rPr>
+              <a:t>— при изменении цены предложение существенно изменяется. </a:t>
             </a:r>
           </a:p>
           <a:p>
@@ -6217,20 +9059,798 @@
               </a:lnSpc>
             </a:pPr>
             <a:r>
+              <a:rPr lang="ru-RU" sz="1500" b="1" dirty="0">
+                <a:solidFill>
+                  <a:srgbClr val="326CDB"/>
+                </a:solidFill>
+                <a:latin typeface="Montserrat" panose="00000500000000000000" pitchFamily="2" charset="0"/>
+              </a:rPr>
+              <a:t>Неэластичное предложение</a:t>
+            </a:r>
+            <a:r>
+              <a:rPr lang="ru-RU" sz="1500" dirty="0">
+                <a:latin typeface="Montserrat" panose="00000500000000000000" pitchFamily="2" charset="0"/>
+              </a:rPr>
+              <a:t> — предложение существенно не меняется при изменении цены</a:t>
+            </a:r>
+          </a:p>
+          <a:p>
+            <a:pPr>
+              <a:lnSpc>
+                <a:spcPct val="150000"/>
+              </a:lnSpc>
+            </a:pPr>
+            <a:r>
+              <a:rPr lang="ru-RU" sz="1500" b="1" dirty="0">
+                <a:solidFill>
+                  <a:srgbClr val="326CDB"/>
+                </a:solidFill>
+                <a:latin typeface="Montserrat" panose="00000500000000000000" pitchFamily="2" charset="0"/>
+              </a:rPr>
+              <a:t>Абсолютно неэластичное предложение </a:t>
+            </a:r>
+            <a:r>
+              <a:rPr lang="ru-RU" sz="1500" dirty="0">
+                <a:latin typeface="Montserrat" panose="00000500000000000000" pitchFamily="2" charset="0"/>
+              </a:rPr>
+              <a:t>— как бы ни менялась цена, предложение будет постоянно на одном уровне. </a:t>
+            </a:r>
+          </a:p>
+        </p:txBody>
+      </p:sp>
+      <p:sp>
+        <p:nvSpPr>
+          <p:cNvPr id="4" name="Нижний колонтитул 3"/>
+          <p:cNvSpPr>
+            <a:spLocks noGrp="1"/>
+          </p:cNvSpPr>
+          <p:nvPr>
+            <p:ph type="ftr" sz="quarter" idx="11"/>
+          </p:nvPr>
+        </p:nvSpPr>
+        <p:spPr/>
+        <p:txBody>
+          <a:bodyPr/>
+          <a:lstStyle/>
+          <a:p>
+            <a:r>
+              <a:rPr lang="ru-RU" dirty="0">
+                <a:latin typeface="Montserrat" panose="00000500000000000000" pitchFamily="2" charset="0"/>
+                <a:cs typeface="Arial" panose="020B0604020202020204" pitchFamily="34" charset="0"/>
+              </a:rPr>
+              <a:t>МГТУ им. Н.Э. Баумана, ИУ7 – «Программное обеспечение ЭВМ и информационные технологии»</a:t>
+            </a:r>
+          </a:p>
+        </p:txBody>
+      </p:sp>
+      <p:sp>
+        <p:nvSpPr>
+          <p:cNvPr id="5" name="Номер слайда 4"/>
+          <p:cNvSpPr>
+            <a:spLocks noGrp="1"/>
+          </p:cNvSpPr>
+          <p:nvPr>
+            <p:ph type="sldNum" sz="quarter" idx="12"/>
+          </p:nvPr>
+        </p:nvSpPr>
+        <p:spPr/>
+        <p:txBody>
+          <a:bodyPr/>
+          <a:lstStyle/>
+          <a:p>
+            <a:fld id="{9415E33C-F962-4E59-AF47-C3576160EA36}" type="slidenum">
+              <a:rPr lang="ru-RU" smtClean="0"/>
+              <a:t>14</a:t>
+            </a:fld>
+            <a:endParaRPr lang="ru-RU"/>
+          </a:p>
+        </p:txBody>
+      </p:sp>
+      <p:pic>
+        <p:nvPicPr>
+          <p:cNvPr id="7" name="Picture 2" descr="image">
+            <a:extLst>
+              <a:ext uri="{FF2B5EF4-FFF2-40B4-BE49-F238E27FC236}">
+                <a16:creationId xmlns:a16="http://schemas.microsoft.com/office/drawing/2014/main" id="{CFC6836E-3700-421C-8822-6708949CADCA}"/>
+              </a:ext>
+            </a:extLst>
+          </p:cNvPr>
+          <p:cNvPicPr>
+            <a:picLocks noChangeAspect="1" noChangeArrowheads="1"/>
+          </p:cNvPicPr>
+          <p:nvPr/>
+        </p:nvPicPr>
+        <p:blipFill>
+          <a:blip r:embed="rId3" cstate="print">
+            <a:extLst>
+              <a:ext uri="{28A0092B-C50C-407E-A947-70E740481C1C}">
+                <a14:useLocalDpi xmlns:a14="http://schemas.microsoft.com/office/drawing/2010/main" val="0"/>
+              </a:ext>
+            </a:extLst>
+          </a:blip>
+          <a:srcRect/>
+          <a:stretch>
+            <a:fillRect/>
+          </a:stretch>
+        </p:blipFill>
+        <p:spPr bwMode="auto">
+          <a:xfrm>
+            <a:off x="10193246" y="360436"/>
+            <a:ext cx="1520954" cy="1520954"/>
+          </a:xfrm>
+          <a:prstGeom prst="rect">
+            <a:avLst/>
+          </a:prstGeom>
+          <a:noFill/>
+          <a:extLst>
+            <a:ext uri="{909E8E84-426E-40DD-AFC4-6F175D3DCCD1}">
+              <a14:hiddenFill xmlns:a14="http://schemas.microsoft.com/office/drawing/2010/main">
+                <a:solidFill>
+                  <a:srgbClr val="FFFFFF"/>
+                </a:solidFill>
+              </a14:hiddenFill>
+            </a:ext>
+          </a:extLst>
+        </p:spPr>
+      </p:pic>
+      <p:pic>
+        <p:nvPicPr>
+          <p:cNvPr id="12" name="Рисунок 11">
+            <a:extLst>
+              <a:ext uri="{FF2B5EF4-FFF2-40B4-BE49-F238E27FC236}">
+                <a16:creationId xmlns:a16="http://schemas.microsoft.com/office/drawing/2014/main" id="{2A08C81A-2C63-4BEA-AFBC-BCAD96A689FE}"/>
+              </a:ext>
+            </a:extLst>
+          </p:cNvPr>
+          <p:cNvPicPr>
+            <a:picLocks noChangeAspect="1"/>
+          </p:cNvPicPr>
+          <p:nvPr/>
+        </p:nvPicPr>
+        <p:blipFill>
+          <a:blip r:embed="rId4">
+            <a:extLst>
+              <a:ext uri="{28A0092B-C50C-407E-A947-70E740481C1C}">
+                <a14:useLocalDpi xmlns:a14="http://schemas.microsoft.com/office/drawing/2010/main" val="0"/>
+              </a:ext>
+            </a:extLst>
+          </a:blip>
+          <a:stretch>
+            <a:fillRect/>
+          </a:stretch>
+        </p:blipFill>
+        <p:spPr>
+          <a:xfrm>
+            <a:off x="7067550" y="1936457"/>
+            <a:ext cx="4286250" cy="3438525"/>
+          </a:xfrm>
+          <a:prstGeom prst="rect">
+            <a:avLst/>
+          </a:prstGeom>
+        </p:spPr>
+      </p:pic>
+    </p:spTree>
+    <p:extLst>
+      <p:ext uri="{BB962C8B-B14F-4D97-AF65-F5344CB8AC3E}">
+        <p14:creationId xmlns:p14="http://schemas.microsoft.com/office/powerpoint/2010/main" val="1773754508"/>
+      </p:ext>
+    </p:extLst>
+  </p:cSld>
+  <p:clrMapOvr>
+    <a:masterClrMapping/>
+  </p:clrMapOvr>
+</p:sld>
+</file>
+
+<file path=ppt/slides/slide15.xml><?xml version="1.0" encoding="utf-8"?>
+<p:sld xmlns:a="http://schemas.openxmlformats.org/drawingml/2006/main" xmlns:r="http://schemas.openxmlformats.org/officeDocument/2006/relationships" xmlns:p="http://schemas.openxmlformats.org/presentationml/2006/main">
+  <p:cSld>
+    <p:spTree>
+      <p:nvGrpSpPr>
+        <p:cNvPr id="1" name=""/>
+        <p:cNvGrpSpPr/>
+        <p:nvPr/>
+      </p:nvGrpSpPr>
+      <p:grpSpPr>
+        <a:xfrm>
+          <a:off x="0" y="0"/>
+          <a:ext cx="0" cy="0"/>
+          <a:chOff x="0" y="0"/>
+          <a:chExt cx="0" cy="0"/>
+        </a:xfrm>
+      </p:grpSpPr>
+      <p:sp>
+        <p:nvSpPr>
+          <p:cNvPr id="2" name="Заголовок 1"/>
+          <p:cNvSpPr>
+            <a:spLocks noGrp="1"/>
+          </p:cNvSpPr>
+          <p:nvPr>
+            <p:ph type="title"/>
+          </p:nvPr>
+        </p:nvSpPr>
+        <p:spPr>
+          <a:xfrm>
+            <a:off x="838200" y="1039528"/>
+            <a:ext cx="10515600" cy="651160"/>
+          </a:xfrm>
+        </p:spPr>
+        <p:txBody>
+          <a:bodyPr>
+            <a:normAutofit fontScale="90000"/>
+          </a:bodyPr>
+          <a:lstStyle/>
+          <a:p>
+            <a:r>
+              <a:rPr lang="ru-RU" b="1" dirty="0">
+                <a:solidFill>
+                  <a:srgbClr val="326CDB"/>
+                </a:solidFill>
+                <a:latin typeface="Montserrat" panose="00000500000000000000" pitchFamily="2" charset="0"/>
+                <a:cs typeface="Arial" panose="020B0604020202020204" pitchFamily="34" charset="0"/>
+              </a:rPr>
+              <a:t>Эластичность предложения</a:t>
+            </a:r>
+            <a:br>
+              <a:rPr lang="en-US" b="1" dirty="0">
+                <a:solidFill>
+                  <a:srgbClr val="326CDB"/>
+                </a:solidFill>
+                <a:latin typeface="Montserrat" panose="00000500000000000000" pitchFamily="2" charset="0"/>
+                <a:cs typeface="Arial" panose="020B0604020202020204" pitchFamily="34" charset="0"/>
+              </a:rPr>
+            </a:br>
+            <a:r>
+              <a:rPr lang="ru-RU" sz="2800" b="1" dirty="0">
+                <a:solidFill>
+                  <a:srgbClr val="326CDB"/>
+                </a:solidFill>
+                <a:latin typeface="Montserrat" panose="00000500000000000000" pitchFamily="2" charset="0"/>
+                <a:cs typeface="Arial" panose="020B0604020202020204" pitchFamily="34" charset="0"/>
+              </a:rPr>
+              <a:t>по цене</a:t>
+            </a:r>
+          </a:p>
+        </p:txBody>
+      </p:sp>
+      <p:sp>
+        <p:nvSpPr>
+          <p:cNvPr id="4" name="Нижний колонтитул 3"/>
+          <p:cNvSpPr>
+            <a:spLocks noGrp="1"/>
+          </p:cNvSpPr>
+          <p:nvPr>
+            <p:ph type="ftr" sz="quarter" idx="11"/>
+          </p:nvPr>
+        </p:nvSpPr>
+        <p:spPr/>
+        <p:txBody>
+          <a:bodyPr/>
+          <a:lstStyle/>
+          <a:p>
+            <a:r>
+              <a:rPr lang="ru-RU" dirty="0">
+                <a:latin typeface="Montserrat" panose="00000500000000000000" pitchFamily="2" charset="0"/>
+                <a:cs typeface="Arial" panose="020B0604020202020204" pitchFamily="34" charset="0"/>
+              </a:rPr>
+              <a:t>МГТУ им. Н.Э. Баумана, ИУ7 – «Программное обеспечение ЭВМ и информационные технологии»</a:t>
+            </a:r>
+          </a:p>
+        </p:txBody>
+      </p:sp>
+      <p:sp>
+        <p:nvSpPr>
+          <p:cNvPr id="5" name="Номер слайда 4"/>
+          <p:cNvSpPr>
+            <a:spLocks noGrp="1"/>
+          </p:cNvSpPr>
+          <p:nvPr>
+            <p:ph type="sldNum" sz="quarter" idx="12"/>
+          </p:nvPr>
+        </p:nvSpPr>
+        <p:spPr/>
+        <p:txBody>
+          <a:bodyPr/>
+          <a:lstStyle/>
+          <a:p>
+            <a:fld id="{9415E33C-F962-4E59-AF47-C3576160EA36}" type="slidenum">
+              <a:rPr lang="ru-RU" smtClean="0"/>
+              <a:t>15</a:t>
+            </a:fld>
+            <a:endParaRPr lang="ru-RU"/>
+          </a:p>
+        </p:txBody>
+      </p:sp>
+      <p:pic>
+        <p:nvPicPr>
+          <p:cNvPr id="7" name="Picture 2" descr="image">
+            <a:extLst>
+              <a:ext uri="{FF2B5EF4-FFF2-40B4-BE49-F238E27FC236}">
+                <a16:creationId xmlns:a16="http://schemas.microsoft.com/office/drawing/2014/main" id="{CFC6836E-3700-421C-8822-6708949CADCA}"/>
+              </a:ext>
+            </a:extLst>
+          </p:cNvPr>
+          <p:cNvPicPr>
+            <a:picLocks noChangeAspect="1" noChangeArrowheads="1"/>
+          </p:cNvPicPr>
+          <p:nvPr/>
+        </p:nvPicPr>
+        <p:blipFill>
+          <a:blip r:embed="rId3" cstate="print">
+            <a:extLst>
+              <a:ext uri="{28A0092B-C50C-407E-A947-70E740481C1C}">
+                <a14:useLocalDpi xmlns:a14="http://schemas.microsoft.com/office/drawing/2010/main" val="0"/>
+              </a:ext>
+            </a:extLst>
+          </a:blip>
+          <a:srcRect/>
+          <a:stretch>
+            <a:fillRect/>
+          </a:stretch>
+        </p:blipFill>
+        <p:spPr bwMode="auto">
+          <a:xfrm>
+            <a:off x="10193246" y="360436"/>
+            <a:ext cx="1520954" cy="1520954"/>
+          </a:xfrm>
+          <a:prstGeom prst="rect">
+            <a:avLst/>
+          </a:prstGeom>
+          <a:noFill/>
+          <a:extLst>
+            <a:ext uri="{909E8E84-426E-40DD-AFC4-6F175D3DCCD1}">
+              <a14:hiddenFill xmlns:a14="http://schemas.microsoft.com/office/drawing/2010/main">
+                <a:solidFill>
+                  <a:srgbClr val="FFFFFF"/>
+                </a:solidFill>
+              </a14:hiddenFill>
+            </a:ext>
+          </a:extLst>
+        </p:spPr>
+      </p:pic>
+      <p:sp>
+        <p:nvSpPr>
+          <p:cNvPr id="10" name="TextBox 9">
+            <a:extLst>
+              <a:ext uri="{FF2B5EF4-FFF2-40B4-BE49-F238E27FC236}">
+                <a16:creationId xmlns:a16="http://schemas.microsoft.com/office/drawing/2014/main" id="{3049AAE2-0EE3-40AC-9FED-85CBE02A672D}"/>
+              </a:ext>
+            </a:extLst>
+          </p:cNvPr>
+          <p:cNvSpPr txBox="1"/>
+          <p:nvPr/>
+        </p:nvSpPr>
+        <p:spPr>
+          <a:xfrm>
+            <a:off x="1998755" y="2360525"/>
+            <a:ext cx="3413760" cy="923330"/>
+          </a:xfrm>
+          <a:prstGeom prst="rect">
+            <a:avLst/>
+          </a:prstGeom>
+          <a:noFill/>
+        </p:spPr>
+        <p:txBody>
+          <a:bodyPr wrap="square">
+            <a:spAutoFit/>
+          </a:bodyPr>
+          <a:lstStyle/>
+          <a:p>
+            <a:pPr algn="ctr"/>
+            <a:r>
+              <a:rPr lang="ru-RU" b="1" dirty="0">
+                <a:solidFill>
+                  <a:srgbClr val="326CDB"/>
+                </a:solidFill>
+                <a:latin typeface="Montserrat" panose="00000500000000000000" pitchFamily="2" charset="0"/>
+                <a:cs typeface="Arial" panose="020B0604020202020204" pitchFamily="34" charset="0"/>
+              </a:rPr>
+              <a:t>Эластичное предложение</a:t>
+            </a:r>
+          </a:p>
+          <a:p>
+            <a:pPr algn="ctr"/>
+            <a:r>
+              <a:rPr lang="ru-RU" dirty="0">
+                <a:solidFill>
+                  <a:schemeClr val="bg1">
+                    <a:lumMod val="50000"/>
+                  </a:schemeClr>
+                </a:solidFill>
+                <a:latin typeface="Montserrat" panose="00000500000000000000" pitchFamily="2" charset="0"/>
+                <a:cs typeface="Arial" panose="020B0604020202020204" pitchFamily="34" charset="0"/>
+              </a:rPr>
+              <a:t>мороженое</a:t>
+            </a:r>
+            <a:endParaRPr lang="ru-RU" dirty="0">
+              <a:solidFill>
+                <a:schemeClr val="bg1">
+                  <a:lumMod val="50000"/>
+                </a:schemeClr>
+              </a:solidFill>
+              <a:latin typeface="Montserrat" panose="00000500000000000000" pitchFamily="2" charset="0"/>
+            </a:endParaRPr>
+          </a:p>
+        </p:txBody>
+      </p:sp>
+      <p:sp>
+        <p:nvSpPr>
+          <p:cNvPr id="11" name="TextBox 10">
+            <a:extLst>
+              <a:ext uri="{FF2B5EF4-FFF2-40B4-BE49-F238E27FC236}">
+                <a16:creationId xmlns:a16="http://schemas.microsoft.com/office/drawing/2014/main" id="{76337475-23D1-4EB1-8FFC-51C03BD43632}"/>
+              </a:ext>
+            </a:extLst>
+          </p:cNvPr>
+          <p:cNvSpPr txBox="1"/>
+          <p:nvPr/>
+        </p:nvSpPr>
+        <p:spPr>
+          <a:xfrm>
+            <a:off x="6779486" y="2369780"/>
+            <a:ext cx="3413760" cy="923330"/>
+          </a:xfrm>
+          <a:prstGeom prst="rect">
+            <a:avLst/>
+          </a:prstGeom>
+          <a:noFill/>
+        </p:spPr>
+        <p:txBody>
+          <a:bodyPr wrap="square">
+            <a:spAutoFit/>
+          </a:bodyPr>
+          <a:lstStyle/>
+          <a:p>
+            <a:pPr algn="ctr"/>
+            <a:r>
+              <a:rPr lang="ru-RU" b="1" dirty="0">
+                <a:solidFill>
+                  <a:srgbClr val="326CDB"/>
+                </a:solidFill>
+                <a:latin typeface="Montserrat" panose="00000500000000000000" pitchFamily="2" charset="0"/>
+                <a:cs typeface="Arial" panose="020B0604020202020204" pitchFamily="34" charset="0"/>
+              </a:rPr>
+              <a:t>Неэластичное предложение</a:t>
+            </a:r>
+          </a:p>
+          <a:p>
+            <a:pPr algn="ctr"/>
+            <a:r>
+              <a:rPr lang="ru-RU" dirty="0">
+                <a:solidFill>
+                  <a:schemeClr val="bg1">
+                    <a:lumMod val="50000"/>
+                  </a:schemeClr>
+                </a:solidFill>
+                <a:latin typeface="Montserrat" panose="00000500000000000000" pitchFamily="2" charset="0"/>
+                <a:cs typeface="Arial" panose="020B0604020202020204" pitchFamily="34" charset="0"/>
+              </a:rPr>
+              <a:t>билет в кино</a:t>
+            </a:r>
+            <a:endParaRPr lang="ru-RU" dirty="0">
+              <a:solidFill>
+                <a:schemeClr val="bg1">
+                  <a:lumMod val="50000"/>
+                </a:schemeClr>
+              </a:solidFill>
+              <a:latin typeface="Montserrat" panose="00000500000000000000" pitchFamily="2" charset="0"/>
+            </a:endParaRPr>
+          </a:p>
+        </p:txBody>
+      </p:sp>
+      <p:sp>
+        <p:nvSpPr>
+          <p:cNvPr id="15" name="TextBox 14">
+            <a:extLst>
+              <a:ext uri="{FF2B5EF4-FFF2-40B4-BE49-F238E27FC236}">
+                <a16:creationId xmlns:a16="http://schemas.microsoft.com/office/drawing/2014/main" id="{DBBD1D5E-2F8B-470B-BC72-613749FD3CF5}"/>
+              </a:ext>
+            </a:extLst>
+          </p:cNvPr>
+          <p:cNvSpPr txBox="1"/>
+          <p:nvPr/>
+        </p:nvSpPr>
+        <p:spPr>
+          <a:xfrm>
+            <a:off x="6096000" y="3564891"/>
+            <a:ext cx="5257800" cy="1438279"/>
+          </a:xfrm>
+          <a:prstGeom prst="rect">
+            <a:avLst/>
+          </a:prstGeom>
+          <a:noFill/>
+        </p:spPr>
+        <p:txBody>
+          <a:bodyPr wrap="square">
+            <a:spAutoFit/>
+          </a:bodyPr>
+          <a:lstStyle/>
+          <a:p>
+            <a:pPr>
+              <a:lnSpc>
+                <a:spcPct val="150000"/>
+              </a:lnSpc>
+            </a:pPr>
+            <a:r>
+              <a:rPr lang="ru-RU" sz="1500" dirty="0">
+                <a:latin typeface="Montserrat" panose="00000500000000000000" pitchFamily="2" charset="0"/>
+              </a:rPr>
+              <a:t>Даже если его цена за неделю вырастет на 100%, продавец </a:t>
+            </a:r>
+            <a:r>
+              <a:rPr lang="ru-RU" sz="1500" b="1" dirty="0">
+                <a:latin typeface="Montserrat" panose="00000500000000000000" pitchFamily="2" charset="0"/>
+              </a:rPr>
+              <a:t>не сможет увеличить</a:t>
+            </a:r>
+            <a:r>
+              <a:rPr lang="ru-RU" sz="1500" dirty="0">
+                <a:latin typeface="Montserrat" panose="00000500000000000000" pitchFamily="2" charset="0"/>
+              </a:rPr>
+              <a:t> объем предложения: количество мест в зрительном зале ограничено.</a:t>
+            </a:r>
+          </a:p>
+        </p:txBody>
+      </p:sp>
+      <p:sp>
+        <p:nvSpPr>
+          <p:cNvPr id="17" name="TextBox 16">
+            <a:extLst>
+              <a:ext uri="{FF2B5EF4-FFF2-40B4-BE49-F238E27FC236}">
+                <a16:creationId xmlns:a16="http://schemas.microsoft.com/office/drawing/2014/main" id="{264D8D5F-531F-41A4-9F4F-09CC7050E985}"/>
+              </a:ext>
+            </a:extLst>
+          </p:cNvPr>
+          <p:cNvSpPr txBox="1"/>
+          <p:nvPr/>
+        </p:nvSpPr>
+        <p:spPr>
+          <a:xfrm>
+            <a:off x="838200" y="3574146"/>
+            <a:ext cx="5257800" cy="1784527"/>
+          </a:xfrm>
+          <a:prstGeom prst="rect">
+            <a:avLst/>
+          </a:prstGeom>
+          <a:noFill/>
+        </p:spPr>
+        <p:txBody>
+          <a:bodyPr wrap="square">
+            <a:spAutoFit/>
+          </a:bodyPr>
+          <a:lstStyle/>
+          <a:p>
+            <a:pPr>
+              <a:lnSpc>
+                <a:spcPct val="150000"/>
+              </a:lnSpc>
+            </a:pPr>
+            <a:r>
+              <a:rPr lang="ru-RU" sz="1500" dirty="0">
+                <a:latin typeface="Montserrat" panose="00000500000000000000" pitchFamily="2" charset="0"/>
+              </a:rPr>
+              <a:t>Если в летние месяцы установилась сильная жара, спрос на продукцию увеличивается в разы даже при том условии, что цена растет. </a:t>
+            </a:r>
+          </a:p>
+          <a:p>
+            <a:pPr>
+              <a:lnSpc>
+                <a:spcPct val="150000"/>
+              </a:lnSpc>
+            </a:pPr>
+            <a:r>
+              <a:rPr lang="ru-RU" sz="1500" dirty="0">
+                <a:latin typeface="Montserrat" panose="00000500000000000000" pitchFamily="2" charset="0"/>
+              </a:rPr>
+              <a:t>Производители </a:t>
+            </a:r>
+            <a:r>
+              <a:rPr lang="ru-RU" sz="1500" b="1" dirty="0">
+                <a:latin typeface="Montserrat" panose="00000500000000000000" pitchFamily="2" charset="0"/>
+              </a:rPr>
+              <a:t>могут</a:t>
+            </a:r>
+            <a:r>
+              <a:rPr lang="ru-RU" sz="1500" dirty="0">
+                <a:latin typeface="Montserrat" panose="00000500000000000000" pitchFamily="2" charset="0"/>
+              </a:rPr>
+              <a:t> быстро </a:t>
+            </a:r>
+            <a:r>
+              <a:rPr lang="ru-RU" sz="1500" b="1" dirty="0">
+                <a:latin typeface="Montserrat" panose="00000500000000000000" pitchFamily="2" charset="0"/>
+              </a:rPr>
+              <a:t>увеличить</a:t>
+            </a:r>
+            <a:r>
+              <a:rPr lang="ru-RU" sz="1500" dirty="0">
+                <a:latin typeface="Montserrat" panose="00000500000000000000" pitchFamily="2" charset="0"/>
+              </a:rPr>
+              <a:t> или </a:t>
+            </a:r>
+            <a:r>
+              <a:rPr lang="ru-RU" sz="1500" b="1" dirty="0">
+                <a:latin typeface="Montserrat" panose="00000500000000000000" pitchFamily="2" charset="0"/>
+              </a:rPr>
+              <a:t>снизить</a:t>
+            </a:r>
+            <a:r>
+              <a:rPr lang="ru-RU" sz="1500" dirty="0">
+                <a:latin typeface="Montserrat" panose="00000500000000000000" pitchFamily="2" charset="0"/>
+              </a:rPr>
+              <a:t> объемы производства.</a:t>
+            </a:r>
+          </a:p>
+        </p:txBody>
+      </p:sp>
+    </p:spTree>
+    <p:extLst>
+      <p:ext uri="{BB962C8B-B14F-4D97-AF65-F5344CB8AC3E}">
+        <p14:creationId xmlns:p14="http://schemas.microsoft.com/office/powerpoint/2010/main" val="1900805023"/>
+      </p:ext>
+    </p:extLst>
+  </p:cSld>
+  <p:clrMapOvr>
+    <a:masterClrMapping/>
+  </p:clrMapOvr>
+</p:sld>
+</file>
+
+<file path=ppt/slides/slide16.xml><?xml version="1.0" encoding="utf-8"?>
+<p:sld xmlns:a="http://schemas.openxmlformats.org/drawingml/2006/main" xmlns:r="http://schemas.openxmlformats.org/officeDocument/2006/relationships" xmlns:p="http://schemas.openxmlformats.org/presentationml/2006/main">
+  <p:cSld>
+    <p:spTree>
+      <p:nvGrpSpPr>
+        <p:cNvPr id="1" name=""/>
+        <p:cNvGrpSpPr/>
+        <p:nvPr/>
+      </p:nvGrpSpPr>
+      <p:grpSpPr>
+        <a:xfrm>
+          <a:off x="0" y="0"/>
+          <a:ext cx="0" cy="0"/>
+          <a:chOff x="0" y="0"/>
+          <a:chExt cx="0" cy="0"/>
+        </a:xfrm>
+      </p:grpSpPr>
+      <p:sp>
+        <p:nvSpPr>
+          <p:cNvPr id="2" name="Заголовок 1"/>
+          <p:cNvSpPr>
+            <a:spLocks noGrp="1"/>
+          </p:cNvSpPr>
+          <p:nvPr>
+            <p:ph type="title"/>
+          </p:nvPr>
+        </p:nvSpPr>
+        <p:spPr>
+          <a:xfrm>
+            <a:off x="838200" y="1039528"/>
+            <a:ext cx="10515600" cy="651160"/>
+          </a:xfrm>
+        </p:spPr>
+        <p:txBody>
+          <a:bodyPr>
+            <a:normAutofit fontScale="90000"/>
+          </a:bodyPr>
+          <a:lstStyle/>
+          <a:p>
+            <a:r>
+              <a:rPr lang="ru-RU" b="1" dirty="0">
+                <a:solidFill>
+                  <a:srgbClr val="326CDB"/>
+                </a:solidFill>
+                <a:latin typeface="Montserrat" panose="00000500000000000000" pitchFamily="2" charset="0"/>
+                <a:cs typeface="Arial" panose="020B0604020202020204" pitchFamily="34" charset="0"/>
+              </a:rPr>
+              <a:t>Заключение</a:t>
+            </a:r>
+          </a:p>
+        </p:txBody>
+      </p:sp>
+      <p:sp>
+        <p:nvSpPr>
+          <p:cNvPr id="3" name="Объект 2"/>
+          <p:cNvSpPr>
+            <a:spLocks noGrp="1"/>
+          </p:cNvSpPr>
+          <p:nvPr>
+            <p:ph idx="1"/>
+          </p:nvPr>
+        </p:nvSpPr>
+        <p:spPr/>
+        <p:txBody>
+          <a:bodyPr>
+            <a:normAutofit/>
+          </a:bodyPr>
+          <a:lstStyle/>
+          <a:p>
+            <a:pPr>
+              <a:lnSpc>
+                <a:spcPct val="150000"/>
+              </a:lnSpc>
+            </a:pPr>
+            <a:r>
               <a:rPr lang="ru-RU" sz="1800" dirty="0">
                 <a:solidFill>
                   <a:srgbClr val="326CDB"/>
                 </a:solidFill>
                 <a:latin typeface="Montserrat" panose="00000500000000000000" pitchFamily="2" charset="0"/>
               </a:rPr>
+              <a:t>закон спроса и предложения </a:t>
+            </a:r>
+            <a:r>
+              <a:rPr lang="ru-RU" sz="1800" dirty="0">
+                <a:latin typeface="Montserrat" panose="00000500000000000000" pitchFamily="2" charset="0"/>
+              </a:rPr>
+              <a:t>- рыночный механизм, обеспечивающий согласование интересов продавцов и покупателей</a:t>
+            </a:r>
+          </a:p>
+          <a:p>
+            <a:pPr>
+              <a:lnSpc>
+                <a:spcPct val="150000"/>
+              </a:lnSpc>
+            </a:pPr>
+            <a:r>
+              <a:rPr lang="ru-RU" sz="1800" dirty="0">
+                <a:solidFill>
+                  <a:srgbClr val="326CDB"/>
+                </a:solidFill>
+                <a:latin typeface="Montserrat" panose="00000500000000000000" pitchFamily="2" charset="0"/>
+              </a:rPr>
+              <a:t>равновесная цена </a:t>
+            </a:r>
+            <a:r>
+              <a:rPr lang="ru-RU" sz="1800" dirty="0">
+                <a:latin typeface="Montserrat" panose="00000500000000000000" pitchFamily="2" charset="0"/>
+              </a:rPr>
+              <a:t>– величина, по который потребители готовы приобретать продукцию, а продавцы – ее сбывать</a:t>
+            </a:r>
+          </a:p>
+          <a:p>
+            <a:pPr>
+              <a:lnSpc>
+                <a:spcPct val="150000"/>
+              </a:lnSpc>
+            </a:pPr>
+            <a:r>
+              <a:rPr lang="ru-RU" sz="1800" dirty="0">
+                <a:solidFill>
+                  <a:srgbClr val="326CDB"/>
+                </a:solidFill>
+                <a:latin typeface="Montserrat" panose="00000500000000000000" pitchFamily="2" charset="0"/>
+              </a:rPr>
               <a:t>спрос и предложение </a:t>
             </a:r>
             <a:r>
               <a:rPr lang="ru-RU" sz="1800" dirty="0">
                 <a:latin typeface="Montserrat" panose="00000500000000000000" pitchFamily="2" charset="0"/>
               </a:rPr>
-              <a:t>– это гибкие величины, зависящие от множества факторов, и рынок всегда адаптируется под эти события.</a:t>
-            </a:r>
+              <a:t>– это гибкие величины, зависящие от множества факторов, и рынок всегда адаптируется под эти события</a:t>
+            </a:r>
+          </a:p>
+          <a:p>
+            <a:pPr>
+              <a:lnSpc>
+                <a:spcPct val="150000"/>
+              </a:lnSpc>
+            </a:pPr>
+            <a:r>
+              <a:rPr lang="ru-RU" sz="1800" dirty="0">
+                <a:solidFill>
+                  <a:srgbClr val="326CDB"/>
+                </a:solidFill>
+              </a:rPr>
+              <a:t>эластичность спроса и предложения </a:t>
+            </a:r>
+            <a:r>
+              <a:rPr lang="ru-RU" sz="1800" dirty="0"/>
+              <a:t>помогает стратегию продаж, чтобы получить максимум прибыли, рассчитать потолок цен и размер скидки</a:t>
+            </a:r>
+            <a:endParaRPr lang="ru-RU" sz="1800" dirty="0">
+              <a:latin typeface="Montserrat" panose="00000500000000000000" pitchFamily="2" charset="0"/>
+            </a:endParaRPr>
           </a:p>
         </p:txBody>
       </p:sp>
@@ -6251,7 +9871,7 @@
           <a:p>
             <a:r>
               <a:rPr lang="ru-RU" dirty="0">
-                <a:latin typeface="Arial" panose="020B0604020202020204" pitchFamily="34" charset="0"/>
+                <a:latin typeface="Montserrat" panose="00000500000000000000" pitchFamily="2" charset="0"/>
                 <a:cs typeface="Arial" panose="020B0604020202020204" pitchFamily="34" charset="0"/>
               </a:rPr>
               <a:t>МГТУ им. Н.Э. Баумана, ИУ7 – «Программное обеспечение ЭВМ и информационные технологии»</a:t>
@@ -6276,7 +9896,7 @@
           <a:p>
             <a:fld id="{9415E33C-F962-4E59-AF47-C3576160EA36}" type="slidenum">
               <a:rPr lang="ru-RU" smtClean="0"/>
-              <a:t>12</a:t>
+              <a:t>16</a:t>
             </a:fld>
             <a:endParaRPr lang="ru-RU"/>
           </a:p>
@@ -6342,7 +9962,7 @@
 </p:sld>
 </file>
 
-<file path=ppt/slides/slide13.xml><?xml version="1.0" encoding="utf-8"?>
+<file path=ppt/slides/slide17.xml><?xml version="1.0" encoding="utf-8"?>
 <p:sld xmlns:a="http://schemas.openxmlformats.org/drawingml/2006/main" xmlns:r="http://schemas.openxmlformats.org/officeDocument/2006/relationships" xmlns:p="http://schemas.openxmlformats.org/presentationml/2006/main">
   <p:cSld>
     <p:spTree>
@@ -6410,7 +10030,7 @@
           <a:p>
             <a:r>
               <a:rPr lang="ru-RU" dirty="0">
-                <a:latin typeface="Arial" panose="020B0604020202020204" pitchFamily="34" charset="0"/>
+                <a:latin typeface="Montserrat" panose="00000500000000000000" pitchFamily="2" charset="0"/>
                 <a:cs typeface="Arial" panose="020B0604020202020204" pitchFamily="34" charset="0"/>
               </a:rPr>
               <a:t>МГТУ им. Н.Э. Баумана, ИУ7 – «Программное обеспечение ЭВМ и информационные технологии»</a:t>
@@ -6435,7 +10055,7 @@
           <a:p>
             <a:fld id="{9415E33C-F962-4E59-AF47-C3576160EA36}" type="slidenum">
               <a:rPr lang="ru-RU" smtClean="0"/>
-              <a:t>13</a:t>
+              <a:t>17</a:t>
             </a:fld>
             <a:endParaRPr lang="ru-RU"/>
           </a:p>
@@ -6643,7 +10263,7 @@
           <a:p>
             <a:r>
               <a:rPr lang="ru-RU" dirty="0">
-                <a:latin typeface="Arial" panose="020B0604020202020204" pitchFamily="34" charset="0"/>
+                <a:latin typeface="Montserrat" panose="00000500000000000000" pitchFamily="2" charset="0"/>
                 <a:cs typeface="Arial" panose="020B0604020202020204" pitchFamily="34" charset="0"/>
               </a:rPr>
               <a:t>МГТУ им. Н.Э. Баумана, ИУ7 – «Программное обеспечение ЭВМ и информационные технологии»</a:t>
@@ -6814,7 +10434,7 @@
               <a:rPr lang="ru-RU" sz="1800" dirty="0">
                 <a:latin typeface="Montserrat" panose="00000500000000000000" pitchFamily="2" charset="0"/>
               </a:rPr>
-              <a:t>готовность потребителей приобрести данное количество товара за определенный период времени по возможным ценам, подкрепленное денежной возможностью.</a:t>
+              <a:t>готовность потребителей приобрести данное количество товара за определенный период времени по возможным ценам, подкрепленное денежной возможностью</a:t>
             </a:r>
           </a:p>
           <a:p>
@@ -6901,7 +10521,7 @@
           <a:p>
             <a:r>
               <a:rPr lang="ru-RU" dirty="0">
-                <a:latin typeface="Arial" panose="020B0604020202020204" pitchFamily="34" charset="0"/>
+                <a:latin typeface="Montserrat" panose="00000500000000000000" pitchFamily="2" charset="0"/>
                 <a:cs typeface="Arial" panose="020B0604020202020204" pitchFamily="34" charset="0"/>
               </a:rPr>
               <a:t>МГТУ им. Н.Э. Баумана, ИУ7 – «Программное обеспечение ЭВМ и информационные технологии»</a:t>
@@ -7059,6 +10679,7 @@
                   <a:lumMod val="50000"/>
                 </a:schemeClr>
               </a:solidFill>
+              <a:latin typeface="Montserrat" panose="00000500000000000000" pitchFamily="2" charset="0"/>
             </a:endParaRPr>
           </a:p>
         </p:txBody>
@@ -7140,6 +10761,7 @@
                   <a:lumMod val="50000"/>
                 </a:schemeClr>
               </a:solidFill>
+              <a:latin typeface="Montserrat" panose="00000500000000000000" pitchFamily="2" charset="0"/>
             </a:endParaRPr>
           </a:p>
         </p:txBody>
@@ -7237,7 +10859,7 @@
               <a:rPr lang="ru-RU" sz="1800" dirty="0">
                 <a:latin typeface="Montserrat" panose="00000500000000000000" pitchFamily="2" charset="0"/>
               </a:rPr>
-              <a:t>готовность товаропроизводителя произвести (предложить) за определенный период времени определенное количество товара по той или иной цене.</a:t>
+              <a:t>готовность товаропроизводителя произвести (предложить) за определенный период времени определенное количество товара по той или иной цене</a:t>
             </a:r>
           </a:p>
           <a:p>
@@ -7334,7 +10956,7 @@
           <a:p>
             <a:r>
               <a:rPr lang="ru-RU" dirty="0">
-                <a:latin typeface="Arial" panose="020B0604020202020204" pitchFamily="34" charset="0"/>
+                <a:latin typeface="Montserrat" panose="00000500000000000000" pitchFamily="2" charset="0"/>
                 <a:cs typeface="Arial" panose="020B0604020202020204" pitchFamily="34" charset="0"/>
               </a:rPr>
               <a:t>МГТУ им. Н.Э. Баумана, ИУ7 – «Программное обеспечение ЭВМ и информационные технологии»</a:t>
@@ -7523,10 +11145,14 @@
               <a:buNone/>
             </a:pPr>
             <a:r>
+              <a:rPr lang="ru-RU" sz="1800" dirty="0"/>
+              <a:t>п</a:t>
+            </a:r>
+            <a:r>
               <a:rPr lang="ru-RU" sz="1800" dirty="0">
                 <a:latin typeface="Montserrat" panose="00000500000000000000" pitchFamily="2" charset="0"/>
               </a:rPr>
-              <a:t>При увеличении цены товара количество спроса на него снижается, а при снижении цены — увеличивается.</a:t>
+              <a:t>ри увеличении цены товара количество спроса на него снижается, а при снижении цены — увеличивается</a:t>
             </a:r>
           </a:p>
           <a:p>
@@ -7568,7 +11194,7 @@
               <a:rPr lang="ru-RU" sz="1800" dirty="0">
                 <a:latin typeface="Montserrat" panose="00000500000000000000" pitchFamily="2" charset="0"/>
               </a:rPr>
-              <a:t>при увеличении цены товара количество, которое производители готовы предложить на рынке, также увеличивается, а при снижении цены — уменьшается.</a:t>
+              <a:t>при увеличении цены товара количество, которое производители готовы предложить на рынке, также увеличивается, а при снижении цены — уменьшается</a:t>
             </a:r>
           </a:p>
           <a:p>
@@ -7623,7 +11249,7 @@
           <a:p>
             <a:r>
               <a:rPr lang="ru-RU" dirty="0">
-                <a:latin typeface="Arial" panose="020B0604020202020204" pitchFamily="34" charset="0"/>
+                <a:latin typeface="Montserrat" panose="00000500000000000000" pitchFamily="2" charset="0"/>
                 <a:cs typeface="Arial" panose="020B0604020202020204" pitchFamily="34" charset="0"/>
               </a:rPr>
               <a:t>МГТУ им. Н.Э. Баумана, ИУ7 – «Программное обеспечение ЭВМ и информационные технологии»</a:t>
@@ -7859,17 +11485,6 @@
             </a:endParaRPr>
           </a:p>
           <a:p>
-            <a:pPr marL="0" indent="0">
-              <a:lnSpc>
-                <a:spcPct val="150000"/>
-              </a:lnSpc>
-              <a:buNone/>
-            </a:pPr>
-            <a:endParaRPr lang="ru-RU" sz="1800" dirty="0">
-              <a:latin typeface="Montserrat" panose="00000500000000000000" pitchFamily="2" charset="0"/>
-            </a:endParaRPr>
-          </a:p>
-          <a:p>
             <a:pPr marL="0" indent="0" algn="ctr">
               <a:lnSpc>
                 <a:spcPct val="100000"/>
@@ -7934,7 +11549,7 @@
           <a:p>
             <a:r>
               <a:rPr lang="ru-RU" dirty="0">
-                <a:latin typeface="Arial" panose="020B0604020202020204" pitchFamily="34" charset="0"/>
+                <a:latin typeface="Montserrat" panose="00000500000000000000" pitchFamily="2" charset="0"/>
                 <a:cs typeface="Arial" panose="020B0604020202020204" pitchFamily="34" charset="0"/>
               </a:rPr>
               <a:t>МГТУ им. Н.Э. Баумана, ИУ7 – «Программное обеспечение ЭВМ и информационные технологии»</a:t>
@@ -8033,8 +11648,8 @@
         </p:blipFill>
         <p:spPr>
           <a:xfrm>
-            <a:off x="6096000" y="2907737"/>
-            <a:ext cx="5257800" cy="3269226"/>
+            <a:off x="6096000" y="2560483"/>
+            <a:ext cx="5257800" cy="3090378"/>
           </a:xfrm>
           <a:prstGeom prst="rect">
             <a:avLst/>
@@ -8232,7 +11847,7 @@
           <a:p>
             <a:r>
               <a:rPr lang="ru-RU" dirty="0">
-                <a:latin typeface="Arial" panose="020B0604020202020204" pitchFamily="34" charset="0"/>
+                <a:latin typeface="Montserrat" panose="00000500000000000000" pitchFamily="2" charset="0"/>
                 <a:cs typeface="Arial" panose="020B0604020202020204" pitchFamily="34" charset="0"/>
               </a:rPr>
               <a:t>МГТУ им. Н.Э. Баумана, ИУ7 – «Программное обеспечение ЭВМ и информационные технологии»</a:t>
@@ -8259,7 +11874,7 @@
               <a:rPr lang="ru-RU" smtClean="0"/>
               <a:t>7</a:t>
             </a:fld>
-            <a:endParaRPr lang="ru-RU"/>
+            <a:endParaRPr lang="ru-RU" dirty="0"/>
           </a:p>
         </p:txBody>
       </p:sp>
@@ -8424,123 +12039,362 @@
           </a:p>
         </p:txBody>
       </p:sp>
-      <p:sp>
-        <p:nvSpPr>
-          <p:cNvPr id="3" name="Объект 2"/>
-          <p:cNvSpPr>
-            <a:spLocks noGrp="1"/>
-          </p:cNvSpPr>
-          <p:nvPr>
-            <p:ph idx="1"/>
+      <mc:AlternateContent xmlns:mc="http://schemas.openxmlformats.org/markup-compatibility/2006">
+        <mc:Choice xmlns:a14="http://schemas.microsoft.com/office/drawing/2010/main" Requires="a14">
+          <p:sp>
+            <p:nvSpPr>
+              <p:cNvPr id="3" name="Объект 2"/>
+              <p:cNvSpPr>
+                <a:spLocks noGrp="1"/>
+              </p:cNvSpPr>
+              <p:nvPr>
+                <p:ph idx="1"/>
+              </p:nvPr>
+            </p:nvSpPr>
+            <p:spPr/>
+            <p:txBody>
+              <a:bodyPr anchor="t">
+                <a:normAutofit lnSpcReduction="10000"/>
+              </a:bodyPr>
+              <a:lstStyle/>
+              <a:p>
+                <a:pPr marL="0" indent="0">
+                  <a:lnSpc>
+                    <a:spcPct val="150000"/>
+                  </a:lnSpc>
+                  <a:buNone/>
+                </a:pPr>
+                <a:r>
+                  <a:rPr lang="ru-RU" sz="1800" dirty="0">
+                    <a:latin typeface="Montserrat" panose="00000500000000000000" pitchFamily="2" charset="0"/>
+                  </a:rPr>
+                  <a:t>помогает понять, как изменится спрос, если поднять или понизить стоимость продукта</a:t>
+                </a:r>
+              </a:p>
+              <a:p>
+                <a:pPr marL="0" indent="0">
+                  <a:lnSpc>
+                    <a:spcPct val="150000"/>
+                  </a:lnSpc>
+                  <a:buNone/>
+                </a:pPr>
+                <a:endParaRPr lang="ru-RU" sz="1800" b="0" i="0" u="none" strike="noStrike" baseline="0" dirty="0">
+                  <a:latin typeface="Montserrat" panose="00000500000000000000" pitchFamily="2" charset="0"/>
+                </a:endParaRPr>
+              </a:p>
+              <a:p>
+                <a:pPr marL="0" indent="0">
+                  <a:lnSpc>
+                    <a:spcPct val="150000"/>
+                  </a:lnSpc>
+                  <a:buNone/>
+                </a:pPr>
+                <a:r>
+                  <a:rPr lang="ru-RU" sz="1800" b="1" i="0" u="none" strike="noStrike" baseline="0" dirty="0">
+                    <a:latin typeface="Montserrat" panose="00000500000000000000" pitchFamily="2" charset="0"/>
+                  </a:rPr>
+                  <a:t>Эластичность спроса </a:t>
+                </a:r>
+                <a:r>
+                  <a:rPr lang="ru-RU" sz="1800" b="0" i="0" u="none" strike="noStrike" baseline="0" dirty="0">
+                    <a:latin typeface="Montserrat" panose="00000500000000000000" pitchFamily="2" charset="0"/>
+                  </a:rPr>
+                  <a:t>зависит от степени необходимости товара, наличия аналогов, доли расходов в личном или семейном бюджете</a:t>
+                </a:r>
+              </a:p>
+              <a:p>
+                <a:pPr marL="0" indent="0">
+                  <a:lnSpc>
+                    <a:spcPct val="150000"/>
+                  </a:lnSpc>
+                  <a:buNone/>
+                </a:pPr>
+                <a14:m>
+                  <m:oMathPara xmlns:m="http://schemas.openxmlformats.org/officeDocument/2006/math">
+                    <m:oMathParaPr>
+                      <m:jc m:val="centerGroup"/>
+                    </m:oMathParaPr>
+                    <m:oMath xmlns:m="http://schemas.openxmlformats.org/officeDocument/2006/math">
+                      <m:sSubSup>
+                        <m:sSubSupPr>
+                          <m:ctrlPr>
+                            <a:rPr lang="ru-RU" sz="1800" b="1" i="1" smtClean="0">
+                              <a:solidFill>
+                                <a:schemeClr val="tx1"/>
+                              </a:solidFill>
+                              <a:latin typeface="Cambria Math" panose="02040503050406030204" pitchFamily="18" charset="0"/>
+                            </a:rPr>
+                          </m:ctrlPr>
+                        </m:sSubSupPr>
+                        <m:e>
+                          <m:r>
+                            <a:rPr lang="en-US" sz="1800" b="1" i="1" smtClean="0">
+                              <a:solidFill>
+                                <a:schemeClr val="tx1"/>
+                              </a:solidFill>
+                              <a:latin typeface="Cambria Math" panose="02040503050406030204" pitchFamily="18" charset="0"/>
+                            </a:rPr>
+                            <m:t>𝑬</m:t>
+                          </m:r>
+                        </m:e>
+                        <m:sub>
+                          <m:r>
+                            <a:rPr lang="en-US" sz="1800" b="1" i="1" smtClean="0">
+                              <a:solidFill>
+                                <a:schemeClr val="tx1"/>
+                              </a:solidFill>
+                              <a:latin typeface="Cambria Math" panose="02040503050406030204" pitchFamily="18" charset="0"/>
+                            </a:rPr>
+                            <m:t>𝑷</m:t>
+                          </m:r>
+                        </m:sub>
+                        <m:sup>
+                          <m:r>
+                            <a:rPr lang="en-US" sz="1800" b="1" i="1" smtClean="0">
+                              <a:solidFill>
+                                <a:schemeClr val="tx1"/>
+                              </a:solidFill>
+                              <a:latin typeface="Cambria Math" panose="02040503050406030204" pitchFamily="18" charset="0"/>
+                            </a:rPr>
+                            <m:t>𝑫</m:t>
+                          </m:r>
+                        </m:sup>
+                      </m:sSubSup>
+                      <m:r>
+                        <a:rPr lang="en-US" sz="1800" b="1" i="1" smtClean="0">
+                          <a:solidFill>
+                            <a:schemeClr val="tx1"/>
+                          </a:solidFill>
+                          <a:latin typeface="Cambria Math" panose="02040503050406030204" pitchFamily="18" charset="0"/>
+                        </a:rPr>
+                        <m:t>=</m:t>
+                      </m:r>
+                      <m:f>
+                        <m:fPr>
+                          <m:ctrlPr>
+                            <a:rPr lang="en-US" sz="1800" b="1" i="1" smtClean="0">
+                              <a:solidFill>
+                                <a:schemeClr val="tx1"/>
+                              </a:solidFill>
+                              <a:latin typeface="Cambria Math" panose="02040503050406030204" pitchFamily="18" charset="0"/>
+                            </a:rPr>
+                          </m:ctrlPr>
+                        </m:fPr>
+                        <m:num>
+                          <m:r>
+                            <a:rPr lang="en-US" sz="1800" b="1" i="1" smtClean="0">
+                              <a:solidFill>
+                                <a:schemeClr val="tx1"/>
+                              </a:solidFill>
+                              <a:latin typeface="Cambria Math" panose="02040503050406030204" pitchFamily="18" charset="0"/>
+                              <a:ea typeface="Cambria Math" panose="02040503050406030204" pitchFamily="18" charset="0"/>
+                            </a:rPr>
+                            <m:t>∆</m:t>
+                          </m:r>
+                          <m:r>
+                            <a:rPr lang="en-US" sz="1800" b="1" i="1" smtClean="0">
+                              <a:solidFill>
+                                <a:schemeClr val="tx1"/>
+                              </a:solidFill>
+                              <a:latin typeface="Cambria Math" panose="02040503050406030204" pitchFamily="18" charset="0"/>
+                              <a:ea typeface="Cambria Math" panose="02040503050406030204" pitchFamily="18" charset="0"/>
+                            </a:rPr>
+                            <m:t>𝑸</m:t>
+                          </m:r>
+                          <m:r>
+                            <a:rPr lang="en-US" sz="1800" b="1" i="1" smtClean="0">
+                              <a:solidFill>
+                                <a:schemeClr val="tx1"/>
+                              </a:solidFill>
+                              <a:latin typeface="Cambria Math" panose="02040503050406030204" pitchFamily="18" charset="0"/>
+                              <a:ea typeface="Cambria Math" panose="02040503050406030204" pitchFamily="18" charset="0"/>
+                            </a:rPr>
+                            <m:t>\</m:t>
+                          </m:r>
+                          <m:r>
+                            <a:rPr lang="en-US" sz="1800" b="1" i="1" smtClean="0">
+                              <a:solidFill>
+                                <a:schemeClr val="tx1"/>
+                              </a:solidFill>
+                              <a:latin typeface="Cambria Math" panose="02040503050406030204" pitchFamily="18" charset="0"/>
+                              <a:ea typeface="Cambria Math" panose="02040503050406030204" pitchFamily="18" charset="0"/>
+                            </a:rPr>
+                            <m:t>𝑸</m:t>
+                          </m:r>
+                        </m:num>
+                        <m:den>
+                          <m:r>
+                            <a:rPr lang="en-US" sz="1800" b="1" i="1">
+                              <a:solidFill>
+                                <a:schemeClr val="tx1"/>
+                              </a:solidFill>
+                              <a:latin typeface="Cambria Math" panose="02040503050406030204" pitchFamily="18" charset="0"/>
+                              <a:ea typeface="Cambria Math" panose="02040503050406030204" pitchFamily="18" charset="0"/>
+                            </a:rPr>
+                            <m:t>∆</m:t>
+                          </m:r>
+                          <m:r>
+                            <a:rPr lang="en-US" sz="1800" b="1" i="1" smtClean="0">
+                              <a:solidFill>
+                                <a:schemeClr val="tx1"/>
+                              </a:solidFill>
+                              <a:latin typeface="Cambria Math" panose="02040503050406030204" pitchFamily="18" charset="0"/>
+                              <a:ea typeface="Cambria Math" panose="02040503050406030204" pitchFamily="18" charset="0"/>
+                            </a:rPr>
+                            <m:t>𝑷</m:t>
+                          </m:r>
+                          <m:r>
+                            <a:rPr lang="en-US" sz="1800" b="1" i="1">
+                              <a:solidFill>
+                                <a:schemeClr val="tx1"/>
+                              </a:solidFill>
+                              <a:latin typeface="Cambria Math" panose="02040503050406030204" pitchFamily="18" charset="0"/>
+                              <a:ea typeface="Cambria Math" panose="02040503050406030204" pitchFamily="18" charset="0"/>
+                            </a:rPr>
+                            <m:t>\</m:t>
+                          </m:r>
+                          <m:r>
+                            <a:rPr lang="en-US" sz="1800" b="1" i="1" smtClean="0">
+                              <a:solidFill>
+                                <a:schemeClr val="tx1"/>
+                              </a:solidFill>
+                              <a:latin typeface="Cambria Math" panose="02040503050406030204" pitchFamily="18" charset="0"/>
+                              <a:ea typeface="Cambria Math" panose="02040503050406030204" pitchFamily="18" charset="0"/>
+                            </a:rPr>
+                            <m:t>𝑷</m:t>
+                          </m:r>
+                        </m:den>
+                      </m:f>
+                      <m:r>
+                        <a:rPr lang="ru-RU" sz="1800" b="1" i="1" smtClean="0">
+                          <a:solidFill>
+                            <a:schemeClr val="tx1"/>
+                          </a:solidFill>
+                          <a:latin typeface="Cambria Math" panose="02040503050406030204" pitchFamily="18" charset="0"/>
+                          <a:ea typeface="Cambria Math" panose="02040503050406030204" pitchFamily="18" charset="0"/>
+                        </a:rPr>
+                        <m:t>(%)</m:t>
+                      </m:r>
+                    </m:oMath>
+                  </m:oMathPara>
+                </a14:m>
+                <a:endParaRPr lang="ru-RU" sz="1800" b="1" i="1" dirty="0"/>
+              </a:p>
+              <a:p>
+                <a:pPr marL="0" indent="0">
+                  <a:lnSpc>
+                    <a:spcPct val="100000"/>
+                  </a:lnSpc>
+                  <a:buNone/>
+                </a:pPr>
+                <a:r>
+                  <a:rPr lang="en-US" sz="1600" dirty="0">
+                    <a:ea typeface="Cambria Math" panose="02040503050406030204" pitchFamily="18" charset="0"/>
+                  </a:rPr>
+                  <a:t>Q – </a:t>
+                </a:r>
+                <a:r>
+                  <a:rPr lang="ru-RU" sz="1600" dirty="0">
+                    <a:ea typeface="Cambria Math" panose="02040503050406030204" pitchFamily="18" charset="0"/>
+                  </a:rPr>
+                  <a:t>количество</a:t>
+                </a:r>
+              </a:p>
+              <a:p>
+                <a:pPr marL="0" indent="0">
+                  <a:lnSpc>
+                    <a:spcPct val="100000"/>
+                  </a:lnSpc>
+                  <a:buNone/>
+                </a:pPr>
+                <a:r>
+                  <a:rPr lang="en-US" sz="1600" dirty="0">
+                    <a:ea typeface="Cambria Math" panose="02040503050406030204" pitchFamily="18" charset="0"/>
+                  </a:rPr>
+                  <a:t>P – </a:t>
+                </a:r>
+                <a:r>
+                  <a:rPr lang="ru-RU" sz="1600" dirty="0">
+                    <a:ea typeface="Cambria Math" panose="02040503050406030204" pitchFamily="18" charset="0"/>
+                  </a:rPr>
+                  <a:t>цена</a:t>
+                </a:r>
+              </a:p>
+              <a:p>
+                <a:pPr marL="0" indent="0">
+                  <a:lnSpc>
+                    <a:spcPct val="100000"/>
+                  </a:lnSpc>
+                  <a:buNone/>
+                </a:pPr>
+                <a:r>
+                  <a:rPr lang="en-US" sz="1600" dirty="0">
+                    <a:latin typeface="Montserrat" panose="00000500000000000000" pitchFamily="2" charset="0"/>
+                  </a:rPr>
+                  <a:t>D - </a:t>
+                </a:r>
+                <a:r>
+                  <a:rPr lang="ru-RU" sz="1600" dirty="0">
+                    <a:latin typeface="Montserrat" panose="00000500000000000000" pitchFamily="2" charset="0"/>
+                  </a:rPr>
+                  <a:t>спрос</a:t>
+                </a:r>
+              </a:p>
+            </p:txBody>
+          </p:sp>
+        </mc:Choice>
+        <mc:Fallback>
+          <p:sp>
+            <p:nvSpPr>
+              <p:cNvPr id="3" name="Объект 2"/>
+              <p:cNvSpPr>
+                <a:spLocks noGrp="1" noRot="1" noChangeAspect="1" noMove="1" noResize="1" noEditPoints="1" noAdjustHandles="1" noChangeArrowheads="1" noChangeShapeType="1" noTextEdit="1"/>
+              </p:cNvSpPr>
+              <p:nvPr>
+                <p:ph idx="1"/>
+              </p:nvPr>
+            </p:nvSpPr>
+            <p:spPr>
+              <a:blipFill>
+                <a:blip r:embed="rId3"/>
+                <a:stretch>
+                  <a:fillRect l="-522"/>
+                </a:stretch>
+              </a:blipFill>
+            </p:spPr>
+            <p:txBody>
+              <a:bodyPr/>
+              <a:lstStyle/>
+              <a:p>
+                <a:r>
+                  <a:rPr lang="ru-RU">
+                    <a:noFill/>
+                  </a:rPr>
+                  <a:t> </a:t>
+                </a:r>
+              </a:p>
+            </p:txBody>
+          </p:sp>
+        </mc:Fallback>
+      </mc:AlternateContent>
+      <p:sp>
+        <p:nvSpPr>
+          <p:cNvPr id="4" name="Нижний колонтитул 3"/>
+          <p:cNvSpPr>
+            <a:spLocks noGrp="1"/>
+          </p:cNvSpPr>
+          <p:nvPr>
+            <p:ph type="ftr" sz="quarter" idx="11"/>
           </p:nvPr>
         </p:nvSpPr>
         <p:spPr/>
         <p:txBody>
-          <a:bodyPr>
-            <a:normAutofit/>
-          </a:bodyPr>
-          <a:lstStyle/>
-          <a:p>
-            <a:pPr marL="0" indent="0">
-              <a:lnSpc>
-                <a:spcPct val="150000"/>
-              </a:lnSpc>
-              <a:buNone/>
-            </a:pPr>
-            <a:r>
-              <a:rPr lang="ru-RU" sz="1800" dirty="0">
-                <a:latin typeface="Montserrat" panose="00000500000000000000" pitchFamily="2" charset="0"/>
-              </a:rPr>
-              <a:t>помогает понять, как изменится спрос, если поднять или понизить стоимость продукта.</a:t>
-            </a:r>
-          </a:p>
-          <a:p>
-            <a:pPr marL="0" indent="0">
-              <a:lnSpc>
-                <a:spcPct val="150000"/>
-              </a:lnSpc>
-              <a:buNone/>
-            </a:pPr>
-            <a:endParaRPr lang="ru-RU" sz="1800" dirty="0">
-              <a:latin typeface="Montserrat" panose="00000500000000000000" pitchFamily="2" charset="0"/>
-            </a:endParaRPr>
-          </a:p>
-          <a:p>
-            <a:pPr marL="0" indent="0">
-              <a:lnSpc>
-                <a:spcPct val="150000"/>
-              </a:lnSpc>
-              <a:buNone/>
-            </a:pPr>
-            <a:endParaRPr lang="ru-RU" sz="1800" dirty="0">
-              <a:latin typeface="Montserrat" panose="00000500000000000000" pitchFamily="2" charset="0"/>
-            </a:endParaRPr>
-          </a:p>
-          <a:p>
-            <a:pPr marL="0" indent="0">
-              <a:lnSpc>
-                <a:spcPct val="150000"/>
-              </a:lnSpc>
-              <a:buNone/>
-            </a:pPr>
-            <a:endParaRPr lang="ru-RU" sz="1800" dirty="0">
-              <a:latin typeface="Montserrat" panose="00000500000000000000" pitchFamily="2" charset="0"/>
-            </a:endParaRPr>
-          </a:p>
-          <a:p>
-            <a:pPr marL="0" indent="0">
-              <a:lnSpc>
-                <a:spcPct val="150000"/>
-              </a:lnSpc>
-              <a:buNone/>
-            </a:pPr>
-            <a:endParaRPr lang="ru-RU" sz="1800" b="0" i="0" u="none" strike="noStrike" baseline="0" dirty="0">
-              <a:latin typeface="Montserrat" panose="00000500000000000000" pitchFamily="2" charset="0"/>
-            </a:endParaRPr>
-          </a:p>
-          <a:p>
-            <a:pPr marL="0" indent="0">
-              <a:lnSpc>
-                <a:spcPct val="150000"/>
-              </a:lnSpc>
-              <a:buNone/>
-            </a:pPr>
-            <a:r>
-              <a:rPr lang="ru-RU" sz="1800" b="1" i="0" u="none" strike="noStrike" baseline="0" dirty="0">
-                <a:latin typeface="Montserrat" panose="00000500000000000000" pitchFamily="2" charset="0"/>
-              </a:rPr>
-              <a:t>Эластичность спроса </a:t>
-            </a:r>
-            <a:r>
-              <a:rPr lang="ru-RU" sz="1800" b="0" i="0" u="none" strike="noStrike" baseline="0" dirty="0">
-                <a:latin typeface="Montserrat" panose="00000500000000000000" pitchFamily="2" charset="0"/>
-              </a:rPr>
-              <a:t>зависит от степени необходимости товара, наличия аналогов, доли расходов в личном или семейном бюджете.</a:t>
-            </a:r>
-            <a:endParaRPr lang="ru-RU" sz="1800" dirty="0">
-              <a:latin typeface="Montserrat" panose="00000500000000000000" pitchFamily="2" charset="0"/>
-            </a:endParaRPr>
-          </a:p>
-        </p:txBody>
-      </p:sp>
-      <p:sp>
-        <p:nvSpPr>
-          <p:cNvPr id="4" name="Нижний колонтитул 3"/>
-          <p:cNvSpPr>
-            <a:spLocks noGrp="1"/>
-          </p:cNvSpPr>
-          <p:nvPr>
-            <p:ph type="ftr" sz="quarter" idx="11"/>
-          </p:nvPr>
-        </p:nvSpPr>
-        <p:spPr/>
-        <p:txBody>
           <a:bodyPr/>
           <a:lstStyle/>
           <a:p>
             <a:r>
               <a:rPr lang="ru-RU" dirty="0">
-                <a:latin typeface="Arial" panose="020B0604020202020204" pitchFamily="34" charset="0"/>
+                <a:latin typeface="Montserrat" panose="00000500000000000000" pitchFamily="2" charset="0"/>
                 <a:cs typeface="Arial" panose="020B0604020202020204" pitchFamily="34" charset="0"/>
               </a:rPr>
               <a:t>МГТУ им. Н.Э. Баумана, ИУ7 – «Программное обеспечение ЭВМ и информационные технологии»</a:t>
@@ -8586,7 +12440,7 @@
           <p:nvPr/>
         </p:nvPicPr>
         <p:blipFill>
-          <a:blip r:embed="rId3" cstate="print">
+          <a:blip r:embed="rId4" cstate="print">
             <a:extLst>
               <a:ext uri="{28A0092B-C50C-407E-A947-70E740481C1C}">
                 <a14:useLocalDpi xmlns:a14="http://schemas.microsoft.com/office/drawing/2010/main" val="0"/>
@@ -8618,149 +12472,6 @@
           </a:extLst>
         </p:spPr>
       </p:pic>
-      <p:sp>
-        <p:nvSpPr>
-          <p:cNvPr id="8" name="TextBox 7">
-            <a:extLst>
-              <a:ext uri="{FF2B5EF4-FFF2-40B4-BE49-F238E27FC236}">
-                <a16:creationId xmlns:a16="http://schemas.microsoft.com/office/drawing/2014/main" id="{D4C95291-2C23-4352-BCC0-5C4F93100524}"/>
-              </a:ext>
-            </a:extLst>
-          </p:cNvPr>
-          <p:cNvSpPr txBox="1"/>
-          <p:nvPr/>
-        </p:nvSpPr>
-        <p:spPr>
-          <a:xfrm>
-            <a:off x="1935480" y="3053084"/>
-            <a:ext cx="3413760" cy="1477328"/>
-          </a:xfrm>
-          <a:prstGeom prst="rect">
-            <a:avLst/>
-          </a:prstGeom>
-          <a:noFill/>
-        </p:spPr>
-        <p:txBody>
-          <a:bodyPr wrap="square">
-            <a:spAutoFit/>
-          </a:bodyPr>
-          <a:lstStyle/>
-          <a:p>
-            <a:pPr algn="ctr"/>
-            <a:r>
-              <a:rPr lang="ru-RU" b="1" dirty="0">
-                <a:solidFill>
-                  <a:srgbClr val="326CDB"/>
-                </a:solidFill>
-                <a:latin typeface="Montserrat" panose="00000500000000000000" pitchFamily="2" charset="0"/>
-                <a:cs typeface="Arial" panose="020B0604020202020204" pitchFamily="34" charset="0"/>
-              </a:rPr>
-              <a:t>Эластичный спрос</a:t>
-            </a:r>
-          </a:p>
-          <a:p>
-            <a:pPr algn="ctr"/>
-            <a:r>
-              <a:rPr lang="ru-RU" dirty="0">
-                <a:solidFill>
-                  <a:schemeClr val="bg1">
-                    <a:lumMod val="50000"/>
-                  </a:schemeClr>
-                </a:solidFill>
-                <a:latin typeface="Montserrat" panose="00000500000000000000" pitchFamily="2" charset="0"/>
-                <a:cs typeface="Arial" panose="020B0604020202020204" pitchFamily="34" charset="0"/>
-              </a:rPr>
-              <a:t>драгоценности,</a:t>
-            </a:r>
-          </a:p>
-          <a:p>
-            <a:pPr algn="ctr"/>
-            <a:r>
-              <a:rPr lang="ru-RU" dirty="0">
-                <a:solidFill>
-                  <a:schemeClr val="bg1">
-                    <a:lumMod val="50000"/>
-                  </a:schemeClr>
-                </a:solidFill>
-                <a:latin typeface="Montserrat" panose="00000500000000000000" pitchFamily="2" charset="0"/>
-                <a:cs typeface="Arial" panose="020B0604020202020204" pitchFamily="34" charset="0"/>
-              </a:rPr>
-              <a:t>автомобили, мебель, бытовая техника, деликатесы</a:t>
-            </a:r>
-            <a:endParaRPr lang="ru-RU" dirty="0">
-              <a:solidFill>
-                <a:schemeClr val="bg1">
-                  <a:lumMod val="50000"/>
-                </a:schemeClr>
-              </a:solidFill>
-            </a:endParaRPr>
-          </a:p>
-        </p:txBody>
-      </p:sp>
-      <p:sp>
-        <p:nvSpPr>
-          <p:cNvPr id="9" name="TextBox 8">
-            <a:extLst>
-              <a:ext uri="{FF2B5EF4-FFF2-40B4-BE49-F238E27FC236}">
-                <a16:creationId xmlns:a16="http://schemas.microsoft.com/office/drawing/2014/main" id="{B11FA133-F035-4245-8E62-A414ADF52242}"/>
-              </a:ext>
-            </a:extLst>
-          </p:cNvPr>
-          <p:cNvSpPr txBox="1"/>
-          <p:nvPr/>
-        </p:nvSpPr>
-        <p:spPr>
-          <a:xfrm>
-            <a:off x="6842760" y="3330083"/>
-            <a:ext cx="3413760" cy="923330"/>
-          </a:xfrm>
-          <a:prstGeom prst="rect">
-            <a:avLst/>
-          </a:prstGeom>
-          <a:noFill/>
-        </p:spPr>
-        <p:txBody>
-          <a:bodyPr wrap="square">
-            <a:spAutoFit/>
-          </a:bodyPr>
-          <a:lstStyle/>
-          <a:p>
-            <a:pPr algn="ctr"/>
-            <a:r>
-              <a:rPr lang="ru-RU" b="1" dirty="0">
-                <a:solidFill>
-                  <a:srgbClr val="326CDB"/>
-                </a:solidFill>
-                <a:latin typeface="Montserrat" panose="00000500000000000000" pitchFamily="2" charset="0"/>
-                <a:cs typeface="Arial" panose="020B0604020202020204" pitchFamily="34" charset="0"/>
-              </a:rPr>
-              <a:t>Неэластичный спрос</a:t>
-            </a:r>
-          </a:p>
-          <a:p>
-            <a:pPr algn="ctr"/>
-            <a:r>
-              <a:rPr lang="ru-RU" dirty="0">
-                <a:solidFill>
-                  <a:schemeClr val="bg1">
-                    <a:lumMod val="50000"/>
-                  </a:schemeClr>
-                </a:solidFill>
-                <a:latin typeface="Montserrat" panose="00000500000000000000" pitchFamily="2" charset="0"/>
-                <a:cs typeface="Arial" panose="020B0604020202020204" pitchFamily="34" charset="0"/>
-              </a:rPr>
-              <a:t>лекарства, топливо для автомобиля, хлеб, соль</a:t>
-            </a:r>
-            <a:endParaRPr lang="ru-RU" dirty="0">
-              <a:solidFill>
-                <a:schemeClr val="bg1">
-                  <a:lumMod val="50000"/>
-                </a:schemeClr>
-              </a:solidFill>
-            </a:endParaRPr>
-          </a:p>
-        </p:txBody>
-      </p:sp>
     </p:spTree>
     <p:extLst>
       <p:ext uri="{BB962C8B-B14F-4D97-AF65-F5344CB8AC3E}">
@@ -8840,7 +12551,7 @@
                 <a:latin typeface="Montserrat" panose="00000500000000000000" pitchFamily="2" charset="0"/>
                 <a:cs typeface="Arial" panose="020B0604020202020204" pitchFamily="34" charset="0"/>
               </a:rPr>
-              <a:t>по доходу</a:t>
+              <a:t>по цене</a:t>
             </a:r>
           </a:p>
         </p:txBody>
@@ -8855,69 +12566,147 @@
             <p:ph idx="1"/>
           </p:nvPr>
         </p:nvSpPr>
-        <p:spPr/>
-        <p:txBody>
-          <a:bodyPr numCol="1">
-            <a:noAutofit/>
+        <p:spPr>
+          <a:xfrm>
+            <a:off x="838200" y="2187574"/>
+            <a:ext cx="6229350" cy="3575917"/>
+          </a:xfrm>
+        </p:spPr>
+        <p:txBody>
+          <a:bodyPr>
+            <a:normAutofit fontScale="92500" lnSpcReduction="10000"/>
           </a:bodyPr>
           <a:lstStyle/>
           <a:p>
-            <a:pPr marL="0" indent="0">
+            <a:pPr>
               <a:lnSpc>
                 <a:spcPct val="150000"/>
               </a:lnSpc>
-              <a:buNone/>
             </a:pPr>
             <a:r>
-              <a:rPr lang="ru-RU" sz="1800" dirty="0">
-                <a:latin typeface="Montserrat" panose="00000500000000000000" pitchFamily="2" charset="0"/>
-              </a:rPr>
-              <a:t>показывает, как изменится спрос, если доходы потребителей вырастут или упадут.</a:t>
-            </a:r>
-          </a:p>
-          <a:p>
-            <a:pPr marL="0" indent="0">
+              <a:rPr lang="ru-RU" sz="1500" b="1" dirty="0">
+                <a:solidFill>
+                  <a:srgbClr val="326CDB"/>
+                </a:solidFill>
+                <a:latin typeface="Montserrat" panose="00000500000000000000" pitchFamily="2" charset="0"/>
+              </a:rPr>
+              <a:t>Абсолютно эластичный спрос </a:t>
+            </a:r>
+            <a:r>
+              <a:rPr lang="ru-RU" sz="1500" dirty="0">
+                <a:latin typeface="Montserrat" panose="00000500000000000000" pitchFamily="2" charset="0"/>
+              </a:rPr>
+              <a:t>— когда есть только одна цена, при которой потребители будут покупать товар</a:t>
+            </a:r>
+          </a:p>
+          <a:p>
+            <a:pPr>
               <a:lnSpc>
                 <a:spcPct val="150000"/>
               </a:lnSpc>
-              <a:buNone/>
             </a:pPr>
-            <a:endParaRPr lang="ru-RU" sz="1800" dirty="0">
+            <a:r>
+              <a:rPr lang="ru-RU" sz="1500" b="1" dirty="0">
+                <a:solidFill>
+                  <a:srgbClr val="326CDB"/>
+                </a:solidFill>
+                <a:latin typeface="Montserrat" panose="00000500000000000000" pitchFamily="2" charset="0"/>
+              </a:rPr>
+              <a:t>Эластичный спрос</a:t>
+            </a:r>
+            <a:r>
+              <a:rPr lang="en-US" sz="1500" b="1" dirty="0">
+                <a:solidFill>
+                  <a:srgbClr val="326CDB"/>
+                </a:solidFill>
+                <a:latin typeface="Montserrat" panose="00000500000000000000" pitchFamily="2" charset="0"/>
+              </a:rPr>
+              <a:t> </a:t>
+            </a:r>
+            <a:r>
+              <a:rPr lang="ru-RU" sz="1500" dirty="0">
+                <a:latin typeface="Montserrat" panose="00000500000000000000" pitchFamily="2" charset="0"/>
+              </a:rPr>
+              <a:t>— если при изменении цены спрос на товар сильно меняется</a:t>
+            </a:r>
+            <a:r>
+              <a:rPr lang="en-US" sz="1500" dirty="0">
+                <a:latin typeface="Montserrat" panose="00000500000000000000" pitchFamily="2" charset="0"/>
+              </a:rPr>
+              <a:t> </a:t>
+            </a:r>
+            <a:endParaRPr lang="ru-RU" sz="1500" dirty="0">
               <a:latin typeface="Montserrat" panose="00000500000000000000" pitchFamily="2" charset="0"/>
             </a:endParaRPr>
           </a:p>
           <a:p>
-            <a:pPr marL="0" indent="0">
+            <a:pPr>
               <a:lnSpc>
                 <a:spcPct val="150000"/>
               </a:lnSpc>
-              <a:buNone/>
             </a:pPr>
-            <a:endParaRPr lang="ru-RU" sz="1800" dirty="0">
-              <a:latin typeface="Montserrat" panose="00000500000000000000" pitchFamily="2" charset="0"/>
-            </a:endParaRPr>
-          </a:p>
-          <a:p>
-            <a:pPr marL="0" indent="0">
+            <a:r>
+              <a:rPr lang="ru-RU" sz="1500" b="1" dirty="0">
+                <a:solidFill>
+                  <a:srgbClr val="326CDB"/>
+                </a:solidFill>
+                <a:latin typeface="Montserrat" panose="00000500000000000000" pitchFamily="2" charset="0"/>
+              </a:rPr>
+              <a:t>Единичная эластичность </a:t>
+            </a:r>
+            <a:r>
+              <a:rPr lang="ru-RU" sz="1500" dirty="0">
+                <a:latin typeface="Montserrat" panose="00000500000000000000" pitchFamily="2" charset="0"/>
+              </a:rPr>
+              <a:t>— спрос изменяется пропорционально цене </a:t>
+            </a:r>
+          </a:p>
+          <a:p>
+            <a:pPr>
               <a:lnSpc>
                 <a:spcPct val="150000"/>
               </a:lnSpc>
-              <a:buNone/>
             </a:pPr>
-            <a:endParaRPr lang="ru-RU" sz="1800" b="0" i="0" u="none" strike="noStrike" baseline="0" dirty="0">
-              <a:latin typeface="SFRM1440"/>
+            <a:r>
+              <a:rPr lang="ru-RU" sz="1500" b="1" dirty="0">
+                <a:solidFill>
+                  <a:srgbClr val="326CDB"/>
+                </a:solidFill>
+                <a:latin typeface="Montserrat" panose="00000500000000000000" pitchFamily="2" charset="0"/>
+              </a:rPr>
+              <a:t>Неэластичный спрос </a:t>
+            </a:r>
+            <a:r>
+              <a:rPr lang="ru-RU" sz="1500" dirty="0">
+                <a:latin typeface="Montserrat" panose="00000500000000000000" pitchFamily="2" charset="0"/>
+              </a:rPr>
+              <a:t>— если при изменении цены спрос на товар значительно не меняется</a:t>
+            </a:r>
+            <a:endParaRPr lang="en-US" sz="1500" dirty="0">
+              <a:latin typeface="Montserrat" panose="00000500000000000000" pitchFamily="2" charset="0"/>
             </a:endParaRPr>
           </a:p>
           <a:p>
-            <a:pPr marL="0" indent="0">
+            <a:pPr>
               <a:lnSpc>
                 <a:spcPct val="150000"/>
               </a:lnSpc>
-              <a:buNone/>
             </a:pPr>
-            <a:endParaRPr lang="ru-RU" sz="1800" b="1" i="1" dirty="0">
-              <a:latin typeface="Montserrat" panose="00000500000000000000" pitchFamily="2" charset="0"/>
-            </a:endParaRPr>
+            <a:r>
+              <a:rPr lang="ru-RU" sz="1500" b="1" dirty="0">
+                <a:solidFill>
+                  <a:srgbClr val="326CDB"/>
+                </a:solidFill>
+                <a:latin typeface="Montserrat" panose="00000500000000000000" pitchFamily="2" charset="0"/>
+              </a:rPr>
+              <a:t>Абсолютно неэластичный спрос </a:t>
+            </a:r>
+            <a:r>
+              <a:rPr lang="ru-RU" sz="1500" dirty="0">
+                <a:latin typeface="Montserrat" panose="00000500000000000000" pitchFamily="2" charset="0"/>
+              </a:rPr>
+              <a:t>— вне зависимости от изменения цены спрос остается на прежнем уровне</a:t>
+            </a:r>
           </a:p>
         </p:txBody>
       </p:sp>
@@ -8938,7 +12727,7 @@
           <a:p>
             <a:r>
               <a:rPr lang="ru-RU" dirty="0">
-                <a:latin typeface="Arial" panose="020B0604020202020204" pitchFamily="34" charset="0"/>
+                <a:latin typeface="Montserrat" panose="00000500000000000000" pitchFamily="2" charset="0"/>
                 <a:cs typeface="Arial" panose="020B0604020202020204" pitchFamily="34" charset="0"/>
               </a:rPr>
               <a:t>МГТУ им. Н.Э. Баумана, ИУ7 – «Программное обеспечение ЭВМ и информационные технологии»</a:t>
@@ -8965,7 +12754,7 @@
               <a:rPr lang="ru-RU" smtClean="0"/>
               <a:t>9</a:t>
             </a:fld>
-            <a:endParaRPr lang="ru-RU"/>
+            <a:endParaRPr lang="ru-RU" dirty="0"/>
           </a:p>
         </p:txBody>
       </p:sp>
@@ -9018,10 +12807,10 @@
       </p:pic>
       <p:pic>
         <p:nvPicPr>
-          <p:cNvPr id="8" name="Рисунок 7">
+          <p:cNvPr id="12" name="Рисунок 11">
             <a:extLst>
               <a:ext uri="{FF2B5EF4-FFF2-40B4-BE49-F238E27FC236}">
-                <a16:creationId xmlns:a16="http://schemas.microsoft.com/office/drawing/2014/main" id="{A51CFDCE-016F-46DE-A41A-3E752F019132}"/>
+                <a16:creationId xmlns:a16="http://schemas.microsoft.com/office/drawing/2014/main" id="{3F1EB2CD-076C-49FD-891B-CE588A6566AA}"/>
               </a:ext>
             </a:extLst>
           </p:cNvPr>
@@ -9031,186 +12820,31 @@
           <p:nvPr/>
         </p:nvPicPr>
         <p:blipFill>
-          <a:blip r:embed="rId4"/>
+          <a:blip r:embed="rId4">
+            <a:extLst>
+              <a:ext uri="{28A0092B-C50C-407E-A947-70E740481C1C}">
+                <a14:useLocalDpi xmlns:a14="http://schemas.microsoft.com/office/drawing/2010/main" val="0"/>
+              </a:ext>
+            </a:extLst>
+          </a:blip>
           <a:stretch>
             <a:fillRect/>
           </a:stretch>
         </p:blipFill>
         <p:spPr>
           <a:xfrm>
-            <a:off x="838200" y="2480891"/>
-            <a:ext cx="3099508" cy="3040805"/>
+            <a:off x="7067550" y="2187574"/>
+            <a:ext cx="4286250" cy="3429000"/>
           </a:xfrm>
           <a:prstGeom prst="rect">
             <a:avLst/>
           </a:prstGeom>
         </p:spPr>
       </p:pic>
-      <p:sp>
-        <p:nvSpPr>
-          <p:cNvPr id="10" name="TextBox 9">
-            <a:extLst>
-              <a:ext uri="{FF2B5EF4-FFF2-40B4-BE49-F238E27FC236}">
-                <a16:creationId xmlns:a16="http://schemas.microsoft.com/office/drawing/2014/main" id="{06F7FA00-9462-463A-82F0-CF3D67B70160}"/>
-              </a:ext>
-            </a:extLst>
-          </p:cNvPr>
-          <p:cNvSpPr txBox="1"/>
-          <p:nvPr/>
-        </p:nvSpPr>
-        <p:spPr>
-          <a:xfrm>
-            <a:off x="4038600" y="2661278"/>
-            <a:ext cx="7396213" cy="2680029"/>
-          </a:xfrm>
-          <a:prstGeom prst="rect">
-            <a:avLst/>
-          </a:prstGeom>
-          <a:noFill/>
-        </p:spPr>
-        <p:txBody>
-          <a:bodyPr wrap="square">
-            <a:spAutoFit/>
-          </a:bodyPr>
-          <a:lstStyle/>
-          <a:p>
-            <a:pPr marL="0" indent="0">
-              <a:lnSpc>
-                <a:spcPct val="150000"/>
-              </a:lnSpc>
-              <a:buNone/>
-            </a:pPr>
-            <a:r>
-              <a:rPr lang="ru-RU" sz="1800" b="0" i="1" u="none" strike="noStrike" baseline="0" dirty="0">
-                <a:solidFill>
-                  <a:schemeClr val="bg1">
-                    <a:lumMod val="50000"/>
-                  </a:schemeClr>
-                </a:solidFill>
-                <a:latin typeface="Montserrat" panose="00000500000000000000" pitchFamily="2" charset="0"/>
-              </a:rPr>
-              <a:t>1 - нормальные товары</a:t>
-            </a:r>
-          </a:p>
-          <a:p>
-            <a:pPr marL="0" indent="0" algn="l">
-              <a:buNone/>
-            </a:pPr>
-            <a:r>
-              <a:rPr lang="ru-RU" sz="1800" b="0" i="1" u="none" strike="noStrike" baseline="0" dirty="0">
-                <a:solidFill>
-                  <a:schemeClr val="bg1">
-                    <a:lumMod val="50000"/>
-                  </a:schemeClr>
-                </a:solidFill>
-                <a:latin typeface="Montserrat" panose="00000500000000000000" pitchFamily="2" charset="0"/>
-              </a:rPr>
-              <a:t>2 - предметы роскоши</a:t>
-            </a:r>
-          </a:p>
-          <a:p>
-            <a:pPr marL="0" indent="0" algn="l">
-              <a:buNone/>
-            </a:pPr>
-            <a:r>
-              <a:rPr lang="ru-RU" sz="1800" b="0" i="1" u="none" strike="noStrike" baseline="0" dirty="0">
-                <a:solidFill>
-                  <a:schemeClr val="bg1">
-                    <a:lumMod val="50000"/>
-                  </a:schemeClr>
-                </a:solidFill>
-                <a:latin typeface="Montserrat" panose="00000500000000000000" pitchFamily="2" charset="0"/>
-              </a:rPr>
-              <a:t>3 - низкокачественные товары</a:t>
-            </a:r>
-            <a:endParaRPr lang="ru-RU" sz="1800" i="1" dirty="0">
-              <a:solidFill>
-                <a:schemeClr val="bg1">
-                  <a:lumMod val="50000"/>
-                </a:schemeClr>
-              </a:solidFill>
-              <a:latin typeface="Montserrat" panose="00000500000000000000" pitchFamily="2" charset="0"/>
-            </a:endParaRPr>
-          </a:p>
-          <a:p>
-            <a:pPr marL="0" indent="0">
-              <a:lnSpc>
-                <a:spcPct val="150000"/>
-              </a:lnSpc>
-              <a:buNone/>
-            </a:pPr>
-            <a:endParaRPr lang="ru-RU" sz="1800" dirty="0">
-              <a:latin typeface="Montserrat" panose="00000500000000000000" pitchFamily="2" charset="0"/>
-            </a:endParaRPr>
-          </a:p>
-          <a:p>
-            <a:pPr marL="0" indent="0" algn="ctr">
-              <a:lnSpc>
-                <a:spcPct val="150000"/>
-              </a:lnSpc>
-              <a:buNone/>
-            </a:pPr>
-            <a:endParaRPr lang="ru-RU" sz="1800" dirty="0">
-              <a:latin typeface="Montserrat" panose="00000500000000000000" pitchFamily="2" charset="0"/>
-            </a:endParaRPr>
-          </a:p>
-          <a:p>
-            <a:pPr marL="0" indent="0">
-              <a:lnSpc>
-                <a:spcPct val="150000"/>
-              </a:lnSpc>
-              <a:buNone/>
-            </a:pPr>
-            <a:r>
-              <a:rPr lang="ru-RU" sz="1800" i="1" dirty="0">
-                <a:latin typeface="Montserrat" panose="00000500000000000000" pitchFamily="2" charset="0"/>
-              </a:rPr>
-              <a:t>график «доход(</a:t>
-            </a:r>
-            <a:r>
-              <a:rPr lang="en-US" sz="1800" i="1" dirty="0">
-                <a:latin typeface="Montserrat" panose="00000500000000000000" pitchFamily="2" charset="0"/>
-              </a:rPr>
-              <a:t>C</a:t>
-            </a:r>
-            <a:r>
-              <a:rPr lang="ru-RU" sz="1800" i="1" dirty="0">
-                <a:latin typeface="Montserrat" panose="00000500000000000000" pitchFamily="2" charset="0"/>
-              </a:rPr>
-              <a:t>) – расходы(</a:t>
-            </a:r>
-            <a:r>
-              <a:rPr lang="en-US" sz="1800" i="1" dirty="0">
-                <a:latin typeface="Montserrat" panose="00000500000000000000" pitchFamily="2" charset="0"/>
-              </a:rPr>
-              <a:t>I</a:t>
-            </a:r>
-            <a:r>
-              <a:rPr lang="ru-RU" sz="1800" i="1" dirty="0">
-                <a:latin typeface="Montserrat" panose="00000500000000000000" pitchFamily="2" charset="0"/>
-              </a:rPr>
-              <a:t>)» для отдельного блага - </a:t>
-            </a:r>
-            <a:r>
-              <a:rPr lang="ru-RU" sz="1800" b="1" i="1" dirty="0">
-                <a:latin typeface="Montserrat" panose="00000500000000000000" pitchFamily="2" charset="0"/>
-              </a:rPr>
-              <a:t>кривые </a:t>
-            </a:r>
-            <a:r>
-              <a:rPr lang="ru-RU" sz="1800" b="1" i="1" dirty="0" err="1">
-                <a:latin typeface="Montserrat" panose="00000500000000000000" pitchFamily="2" charset="0"/>
-              </a:rPr>
-              <a:t>Энгеля</a:t>
-            </a:r>
-            <a:endParaRPr lang="ru-RU" dirty="0"/>
-          </a:p>
-        </p:txBody>
-      </p:sp>
     </p:spTree>
     <p:extLst>
       <p:ext uri="{BB962C8B-B14F-4D97-AF65-F5344CB8AC3E}">
-        <p14:creationId xmlns:p14="http://schemas.microsoft.com/office/powerpoint/2010/main" val="3632604304"/>
+        <p14:creationId xmlns:p14="http://schemas.microsoft.com/office/powerpoint/2010/main" val="1268225968"/>
       </p:ext>
     </p:extLst>
   </p:cSld>

--- a/module_01/pres.pptx
+++ b/module_01/pres.pptx
@@ -925,8 +925,8 @@
   </pc:docChgLst>
   <pc:docChgLst>
     <pc:chgData name="Мария Савинова" userId="e24eaf7e9b1ed84c" providerId="LiveId" clId="{CA7C8432-EF19-6242-B377-84BFA69192C1}"/>
-    <pc:docChg chg="modSld">
-      <pc:chgData name="Мария Савинова" userId="e24eaf7e9b1ed84c" providerId="LiveId" clId="{CA7C8432-EF19-6242-B377-84BFA69192C1}" dt="2024-09-20T17:40:05.350" v="134" actId="113"/>
+    <pc:docChg chg="undo custSel modSld">
+      <pc:chgData name="Мария Савинова" userId="e24eaf7e9b1ed84c" providerId="LiveId" clId="{CA7C8432-EF19-6242-B377-84BFA69192C1}" dt="2024-09-25T07:02:04.017" v="175" actId="122"/>
       <pc:docMkLst>
         <pc:docMk/>
       </pc:docMkLst>
@@ -950,6 +950,52 @@
             <pc:docMk/>
             <pc:sldMk cId="4014811966" sldId="257"/>
             <ac:spMk id="3" creationId="{00000000-0000-0000-0000-000000000000}"/>
+          </ac:spMkLst>
+        </pc:spChg>
+      </pc:sldChg>
+      <pc:sldChg chg="modSp">
+        <pc:chgData name="Мария Савинова" userId="e24eaf7e9b1ed84c" providerId="LiveId" clId="{CA7C8432-EF19-6242-B377-84BFA69192C1}" dt="2024-09-25T06:57:07.571" v="145" actId="113"/>
+        <pc:sldMkLst>
+          <pc:docMk/>
+          <pc:sldMk cId="36148254" sldId="264"/>
+        </pc:sldMkLst>
+        <pc:spChg chg="mod">
+          <ac:chgData name="Мария Савинова" userId="e24eaf7e9b1ed84c" providerId="LiveId" clId="{CA7C8432-EF19-6242-B377-84BFA69192C1}" dt="2024-09-25T06:57:07.571" v="145" actId="113"/>
+          <ac:spMkLst>
+            <pc:docMk/>
+            <pc:sldMk cId="36148254" sldId="264"/>
+            <ac:spMk id="3" creationId="{00000000-0000-0000-0000-000000000000}"/>
+          </ac:spMkLst>
+        </pc:spChg>
+      </pc:sldChg>
+      <pc:sldChg chg="modSp">
+        <pc:chgData name="Мария Савинова" userId="e24eaf7e9b1ed84c" providerId="LiveId" clId="{CA7C8432-EF19-6242-B377-84BFA69192C1}" dt="2024-09-25T07:02:04.017" v="175" actId="122"/>
+        <pc:sldMkLst>
+          <pc:docMk/>
+          <pc:sldMk cId="2214237742" sldId="272"/>
+        </pc:sldMkLst>
+        <pc:spChg chg="mod">
+          <ac:chgData name="Мария Савинова" userId="e24eaf7e9b1ed84c" providerId="LiveId" clId="{CA7C8432-EF19-6242-B377-84BFA69192C1}" dt="2024-09-25T07:02:04.017" v="175" actId="122"/>
+          <ac:spMkLst>
+            <pc:docMk/>
+            <pc:sldMk cId="2214237742" sldId="272"/>
+            <ac:spMk id="3" creationId="{00000000-0000-0000-0000-000000000000}"/>
+          </ac:spMkLst>
+        </pc:spChg>
+        <pc:spChg chg="mod">
+          <ac:chgData name="Мария Савинова" userId="e24eaf7e9b1ed84c" providerId="LiveId" clId="{CA7C8432-EF19-6242-B377-84BFA69192C1}" dt="2024-09-25T07:01:45.264" v="161" actId="1076"/>
+          <ac:spMkLst>
+            <pc:docMk/>
+            <pc:sldMk cId="2214237742" sldId="272"/>
+            <ac:spMk id="8" creationId="{426C69A6-A2F1-40A8-B889-C63B1AE0A2E3}"/>
+          </ac:spMkLst>
+        </pc:spChg>
+        <pc:spChg chg="mod">
+          <ac:chgData name="Мария Савинова" userId="e24eaf7e9b1ed84c" providerId="LiveId" clId="{CA7C8432-EF19-6242-B377-84BFA69192C1}" dt="2024-09-25T07:01:54.799" v="165" actId="1076"/>
+          <ac:spMkLst>
+            <pc:docMk/>
+            <pc:sldMk cId="2214237742" sldId="272"/>
+            <ac:spMk id="10" creationId="{CA34E12E-4C3B-42AE-966D-48234B6733F0}"/>
           </ac:spMkLst>
         </pc:spChg>
       </pc:sldChg>
@@ -1045,7 +1091,7 @@
             <a:fld id="{C65AC966-90DC-47D7-B999-4B8AD4DFB48E}" type="datetimeFigureOut">
               <a:rPr lang="ru-RU" smtClean="0"/>
               <a:pPr/>
-              <a:t>23.09.2024</a:t>
+              <a:t>25.09.2024</a:t>
             </a:fld>
             <a:endParaRPr lang="ru-RU" dirty="0"/>
           </a:p>
@@ -2874,7 +2920,7 @@
           <a:p>
             <a:fld id="{ECC89CEC-ADFD-4489-90FF-547616DBC041}" type="datetime1">
               <a:rPr lang="ru-RU" smtClean="0"/>
-              <a:t>23.09.2024</a:t>
+              <a:t>25.09.2024</a:t>
             </a:fld>
             <a:endParaRPr lang="ru-RU"/>
           </a:p>
@@ -3045,7 +3091,7 @@
           <a:p>
             <a:fld id="{86B7BB86-73CF-40D4-8C7F-CA234FF7A1EB}" type="datetime1">
               <a:rPr lang="ru-RU" smtClean="0"/>
-              <a:t>23.09.2024</a:t>
+              <a:t>25.09.2024</a:t>
             </a:fld>
             <a:endParaRPr lang="ru-RU"/>
           </a:p>
@@ -3226,7 +3272,7 @@
           <a:p>
             <a:fld id="{36B73C63-5989-47F0-8A38-867659112843}" type="datetime1">
               <a:rPr lang="ru-RU" smtClean="0"/>
-              <a:t>23.09.2024</a:t>
+              <a:t>25.09.2024</a:t>
             </a:fld>
             <a:endParaRPr lang="ru-RU"/>
           </a:p>
@@ -3397,7 +3443,7 @@
           <a:p>
             <a:fld id="{3BF531FB-401D-4CE6-8E3E-F90EF76016F4}" type="datetime1">
               <a:rPr lang="ru-RU" smtClean="0"/>
-              <a:t>23.09.2024</a:t>
+              <a:t>25.09.2024</a:t>
             </a:fld>
             <a:endParaRPr lang="ru-RU"/>
           </a:p>
@@ -3645,7 +3691,7 @@
           <a:p>
             <a:fld id="{90C6E959-BFD7-4835-A209-4198B71FE91E}" type="datetime1">
               <a:rPr lang="ru-RU" smtClean="0"/>
-              <a:t>23.09.2024</a:t>
+              <a:t>25.09.2024</a:t>
             </a:fld>
             <a:endParaRPr lang="ru-RU"/>
           </a:p>
@@ -3877,7 +3923,7 @@
           <a:p>
             <a:fld id="{523FC2E9-7EB8-4737-8E9A-9590B7C8EA3D}" type="datetime1">
               <a:rPr lang="ru-RU" smtClean="0"/>
-              <a:t>23.09.2024</a:t>
+              <a:t>25.09.2024</a:t>
             </a:fld>
             <a:endParaRPr lang="ru-RU"/>
           </a:p>
@@ -4244,7 +4290,7 @@
           <a:p>
             <a:fld id="{AD9897CF-2BDA-410D-933A-6B9BAFD70E05}" type="datetime1">
               <a:rPr lang="ru-RU" smtClean="0"/>
-              <a:t>23.09.2024</a:t>
+              <a:t>25.09.2024</a:t>
             </a:fld>
             <a:endParaRPr lang="ru-RU"/>
           </a:p>
@@ -4364,7 +4410,7 @@
           <a:p>
             <a:fld id="{417622BC-58AC-4A2D-91CE-B90BE15D141D}" type="datetime1">
               <a:rPr lang="ru-RU" smtClean="0"/>
-              <a:t>23.09.2024</a:t>
+              <a:t>25.09.2024</a:t>
             </a:fld>
             <a:endParaRPr lang="ru-RU"/>
           </a:p>
@@ -4462,7 +4508,7 @@
           <a:p>
             <a:fld id="{2DD411C1-03FD-4174-8B29-1952A17761AD}" type="datetime1">
               <a:rPr lang="ru-RU" smtClean="0"/>
-              <a:t>23.09.2024</a:t>
+              <a:t>25.09.2024</a:t>
             </a:fld>
             <a:endParaRPr lang="ru-RU"/>
           </a:p>
@@ -4740,7 +4786,7 @@
           <a:p>
             <a:fld id="{8CD6FCDF-025A-4558-B7C0-9D70D2EBCE6F}" type="datetime1">
               <a:rPr lang="ru-RU" smtClean="0"/>
-              <a:t>23.09.2024</a:t>
+              <a:t>25.09.2024</a:t>
             </a:fld>
             <a:endParaRPr lang="ru-RU"/>
           </a:p>
@@ -4995,7 +5041,7 @@
           <a:p>
             <a:fld id="{4636EB14-F614-45DD-AF15-06D5CD69D646}" type="datetime1">
               <a:rPr lang="ru-RU" smtClean="0"/>
-              <a:t>23.09.2024</a:t>
+              <a:t>25.09.2024</a:t>
             </a:fld>
             <a:endParaRPr lang="ru-RU"/>
           </a:p>
@@ -5211,7 +5257,7 @@
             <a:fld id="{149376B8-C295-4A7D-87DF-C95CA526DB0A}" type="datetime1">
               <a:rPr lang="ru-RU" smtClean="0"/>
               <a:pPr/>
-              <a:t>23.09.2024</a:t>
+              <a:t>25.09.2024</a:t>
             </a:fld>
             <a:endParaRPr lang="ru-RU" dirty="0"/>
           </a:p>
@@ -6127,7 +6173,7 @@
         <p:spPr>
           <a:xfrm>
             <a:off x="838200" y="2179201"/>
-            <a:ext cx="4897582" cy="3575917"/>
+            <a:ext cx="4897582" cy="1472955"/>
           </a:xfrm>
         </p:spPr>
         <p:txBody>
@@ -6136,14 +6182,14 @@
           </a:bodyPr>
           <a:lstStyle/>
           <a:p>
-            <a:pPr marL="0" indent="0">
+            <a:pPr marL="0" indent="0" algn="ctr">
               <a:lnSpc>
-                <a:spcPct val="150000"/>
+                <a:spcPct val="100000"/>
               </a:lnSpc>
               <a:buNone/>
             </a:pPr>
             <a:r>
-              <a:rPr lang="ru-RU" sz="1500" b="1" dirty="0">
+              <a:rPr lang="ru-RU" sz="1800" b="1" dirty="0">
                 <a:solidFill>
                   <a:srgbClr val="326CDB"/>
                 </a:solidFill>
@@ -6153,14 +6199,14 @@
             </a:r>
           </a:p>
           <a:p>
-            <a:pPr marL="0" indent="0">
+            <a:pPr marL="0" indent="0" algn="ctr">
               <a:lnSpc>
-                <a:spcPct val="150000"/>
+                <a:spcPct val="100000"/>
               </a:lnSpc>
               <a:buNone/>
             </a:pPr>
             <a:r>
-              <a:rPr lang="ru-RU" sz="1500" dirty="0">
+              <a:rPr lang="ru-RU" sz="1800" dirty="0">
                 <a:solidFill>
                   <a:schemeClr val="bg1">
                     <a:lumMod val="50000"/>
@@ -6170,7 +6216,7 @@
               </a:rPr>
               <a:t>базовые лекарства, молоко, крупы, хлеб, соль, сахар</a:t>
             </a:r>
-            <a:endParaRPr lang="ru-RU" sz="1500" dirty="0">
+            <a:endParaRPr lang="ru-RU" sz="1800" dirty="0">
               <a:solidFill>
                 <a:schemeClr val="bg1">
                   <a:lumMod val="50000"/>
@@ -6292,7 +6338,7 @@
         <p:spPr>
           <a:xfrm>
             <a:off x="6096000" y="2179201"/>
-            <a:ext cx="4897582" cy="3575917"/>
+            <a:ext cx="4897582" cy="1472955"/>
           </a:xfrm>
           <a:prstGeom prst="rect">
             <a:avLst/>
@@ -6467,15 +6513,15 @@
             </a:lvl9pPr>
           </a:lstStyle>
           <a:p>
-            <a:pPr marL="0" indent="0">
+            <a:pPr marL="0" indent="0" algn="ctr">
               <a:lnSpc>
-                <a:spcPct val="150000"/>
+                <a:spcPct val="100000"/>
               </a:lnSpc>
               <a:buFont typeface="Arial" panose="020B0604020202020204" pitchFamily="34" charset="0"/>
               <a:buNone/>
             </a:pPr>
             <a:r>
-              <a:rPr lang="ru-RU" sz="1500" b="1" dirty="0">
+              <a:rPr lang="ru-RU" sz="1800" b="1" dirty="0">
                 <a:solidFill>
                   <a:srgbClr val="326CDB"/>
                 </a:solidFill>
@@ -6484,15 +6530,15 @@
             </a:r>
           </a:p>
           <a:p>
-            <a:pPr marL="0" indent="0">
+            <a:pPr marL="0" indent="0" algn="ctr">
               <a:lnSpc>
-                <a:spcPct val="150000"/>
+                <a:spcPct val="100000"/>
               </a:lnSpc>
               <a:buFont typeface="Arial" panose="020B0604020202020204" pitchFamily="34" charset="0"/>
               <a:buNone/>
             </a:pPr>
             <a:r>
-              <a:rPr lang="ru-RU" sz="1500" dirty="0">
+              <a:rPr lang="ru-RU" sz="1800" dirty="0">
                 <a:solidFill>
                   <a:schemeClr val="bg1">
                     <a:lumMod val="50000"/>
@@ -6526,10 +6572,13 @@
               <a:buFont typeface="Arial" panose="020B0604020202020204" pitchFamily="34" charset="0"/>
               <a:buNone/>
             </a:pPr>
-            <a:r>
-              <a:rPr lang="ru-RU" sz="1500" dirty="0"/>
-              <a:t>сбыт престижных товаров растет вслед за увеличением цен</a:t>
-            </a:r>
+            <a:endParaRPr lang="ru-RU" sz="1500" dirty="0">
+              <a:solidFill>
+                <a:schemeClr val="bg1">
+                  <a:lumMod val="50000"/>
+                </a:schemeClr>
+              </a:solidFill>
+            </a:endParaRPr>
           </a:p>
         </p:txBody>
       </p:sp>
@@ -6547,8 +6596,8 @@
         </p:nvSpPr>
         <p:spPr>
           <a:xfrm>
-            <a:off x="838200" y="3846705"/>
-            <a:ext cx="4765964" cy="2200026"/>
+            <a:off x="838200" y="3949967"/>
+            <a:ext cx="4765964" cy="1161280"/>
           </a:xfrm>
           <a:prstGeom prst="rect">
             <a:avLst/>
@@ -6561,7 +6610,7 @@
           </a:bodyPr>
           <a:lstStyle/>
           <a:p>
-            <a:pPr marL="0" indent="0">
+            <a:pPr marL="0" indent="0" algn="ctr">
               <a:lnSpc>
                 <a:spcPct val="150000"/>
               </a:lnSpc>
@@ -6593,7 +6642,7 @@
             </a:endParaRPr>
           </a:p>
           <a:p>
-            <a:pPr marL="0" indent="0">
+            <a:pPr marL="0" indent="0" algn="ctr">
               <a:lnSpc>
                 <a:spcPct val="150000"/>
               </a:lnSpc>
@@ -6603,31 +6652,7 @@
               <a:rPr lang="ru-RU" sz="1500" dirty="0">
                 <a:latin typeface="Montserrat" panose="00000500000000000000" pitchFamily="2" charset="0"/>
               </a:rPr>
-              <a:t>Люди будут покупать их, даже если стоимость сильно изменится. К товарам неэластичного спроса относят, кроме того, предметы, которые характеризуют </a:t>
-            </a:r>
-            <a:r>
-              <a:rPr lang="ru-RU" sz="1500" b="1" dirty="0">
-                <a:latin typeface="Montserrat" panose="00000500000000000000" pitchFamily="2" charset="0"/>
-              </a:rPr>
-              <a:t>привычки </a:t>
-            </a:r>
-            <a:r>
-              <a:rPr lang="ru-RU" sz="1500" dirty="0">
-                <a:latin typeface="Montserrat" panose="00000500000000000000" pitchFamily="2" charset="0"/>
-              </a:rPr>
-              <a:t>и </a:t>
-            </a:r>
-            <a:r>
-              <a:rPr lang="ru-RU" sz="1500" b="1" dirty="0">
-                <a:latin typeface="Montserrat" panose="00000500000000000000" pitchFamily="2" charset="0"/>
-              </a:rPr>
-              <a:t>образ жизни </a:t>
-            </a:r>
-            <a:r>
-              <a:rPr lang="ru-RU" sz="1500" dirty="0">
-                <a:latin typeface="Montserrat" panose="00000500000000000000" pitchFamily="2" charset="0"/>
-              </a:rPr>
-              <a:t>людей.</a:t>
+              <a:t>люди будут покупать их, даже если стоимость сильно изменится</a:t>
             </a:r>
           </a:p>
         </p:txBody>
@@ -6646,8 +6671,8 @@
         </p:nvSpPr>
         <p:spPr>
           <a:xfrm>
-            <a:off x="6096000" y="3842858"/>
-            <a:ext cx="4097246" cy="464871"/>
+            <a:off x="6104776" y="3949967"/>
+            <a:ext cx="4888805" cy="1161280"/>
           </a:xfrm>
           <a:prstGeom prst="rect">
             <a:avLst/>
@@ -6660,7 +6685,7 @@
           </a:bodyPr>
           <a:lstStyle/>
           <a:p>
-            <a:pPr marL="0" indent="0">
+            <a:pPr marL="0" indent="0" algn="ctr">
               <a:lnSpc>
                 <a:spcPct val="150000"/>
               </a:lnSpc>
@@ -6691,6 +6716,21 @@
               </a:solidFill>
               <a:latin typeface="Montserrat" panose="00000500000000000000" pitchFamily="2" charset="0"/>
             </a:endParaRPr>
+          </a:p>
+          <a:p>
+            <a:pPr marL="0" indent="0" algn="ctr">
+              <a:lnSpc>
+                <a:spcPct val="150000"/>
+              </a:lnSpc>
+              <a:buFont typeface="Arial" panose="020B0604020202020204" pitchFamily="34" charset="0"/>
+              <a:buNone/>
+            </a:pPr>
+            <a:r>
+              <a:rPr lang="ru-RU" sz="1500" dirty="0">
+                <a:latin typeface="Montserrat" panose="00000500000000000000" pitchFamily="2" charset="0"/>
+              </a:rPr>
+              <a:t>сбыт престижных товаров растет вслед за увеличением цен</a:t>
+            </a:r>
           </a:p>
         </p:txBody>
       </p:sp>
@@ -6984,8 +7024,8 @@
           </a:prstGeom>
         </p:spPr>
       </p:pic>
-      <mc:AlternateContent xmlns:mc="http://schemas.openxmlformats.org/markup-compatibility/2006">
-        <mc:Choice xmlns:a14="http://schemas.microsoft.com/office/drawing/2010/main" Requires="a14">
+      <mc:AlternateContent xmlns:mc="http://schemas.openxmlformats.org/markup-compatibility/2006" xmlns:a14="http://schemas.microsoft.com/office/drawing/2010/main">
+        <mc:Choice Requires="a14">
           <p:sp>
             <p:nvSpPr>
               <p:cNvPr id="10" name="TextBox 9">
@@ -7554,7 +7594,7 @@
             </p:txBody>
           </p:sp>
         </mc:Choice>
-        <mc:Fallback>
+        <mc:Fallback xmlns="">
           <p:sp>
             <p:nvSpPr>
               <p:cNvPr id="10" name="TextBox 9">
@@ -7580,7 +7620,7 @@
               <a:blipFill>
                 <a:blip r:embed="rId5"/>
                 <a:stretch>
-                  <a:fillRect l="-412" b="-1684"/>
+                  <a:fillRect l="-515" b="-7424"/>
                 </a:stretch>
               </a:blipFill>
             </p:spPr>
@@ -7589,7 +7629,7 @@
               <a:lstStyle/>
               <a:p>
                 <a:r>
-                  <a:rPr lang="ru-RU">
+                  <a:rPr lang="en-RU">
                     <a:noFill/>
                   </a:rPr>
                   <a:t> </a:t>
@@ -7781,62 +7821,51 @@
                   <a:buNone/>
                 </a:pPr>
                 <a:r>
-                  <a:rPr lang="ru-RU" sz="1500" dirty="0"/>
+                  <a:rPr lang="ru-RU" sz="1800" dirty="0"/>
                   <a:t>п</a:t>
                 </a:r>
                 <a:r>
-                  <a:rPr lang="ru-RU" sz="1500" dirty="0">
+                  <a:rPr lang="ru-RU" sz="1800" dirty="0">
                     <a:latin typeface="Montserrat" panose="00000500000000000000" pitchFamily="2" charset="0"/>
                   </a:rPr>
                   <a:t>оказывает, как изменится </a:t>
                 </a:r>
                 <a:r>
-                  <a:rPr lang="ru-RU" sz="1500" b="1" dirty="0">
+                  <a:rPr lang="ru-RU" sz="1800" b="1" dirty="0">
                     <a:latin typeface="Montserrat" panose="00000500000000000000" pitchFamily="2" charset="0"/>
                   </a:rPr>
                   <a:t>спрос</a:t>
                 </a:r>
                 <a:r>
-                  <a:rPr lang="ru-RU" sz="1500" dirty="0">
+                  <a:rPr lang="ru-RU" sz="1800" dirty="0">
                     <a:latin typeface="Montserrat" panose="00000500000000000000" pitchFamily="2" charset="0"/>
                   </a:rPr>
                   <a:t> на один товар, если </a:t>
                 </a:r>
                 <a:r>
-                  <a:rPr lang="ru-RU" sz="1500" b="1" dirty="0">
+                  <a:rPr lang="ru-RU" sz="1800" b="1" dirty="0">
                     <a:latin typeface="Montserrat" panose="00000500000000000000" pitchFamily="2" charset="0"/>
                   </a:rPr>
                   <a:t>поднять</a:t>
                 </a:r>
                 <a:r>
-                  <a:rPr lang="ru-RU" sz="1500" dirty="0">
+                  <a:rPr lang="ru-RU" sz="1800" dirty="0">
                     <a:latin typeface="Montserrat" panose="00000500000000000000" pitchFamily="2" charset="0"/>
                   </a:rPr>
                   <a:t> или </a:t>
                 </a:r>
                 <a:r>
-                  <a:rPr lang="ru-RU" sz="1500" b="1" dirty="0">
+                  <a:rPr lang="ru-RU" sz="1800" b="1" dirty="0">
                     <a:latin typeface="Montserrat" panose="00000500000000000000" pitchFamily="2" charset="0"/>
                   </a:rPr>
                   <a:t>понизить</a:t>
                 </a:r>
                 <a:r>
-                  <a:rPr lang="ru-RU" sz="1500" dirty="0">
+                  <a:rPr lang="ru-RU" sz="1800" dirty="0">
                     <a:latin typeface="Montserrat" panose="00000500000000000000" pitchFamily="2" charset="0"/>
                   </a:rPr>
                   <a:t> цену другого товара</a:t>
                 </a:r>
-                <a:endParaRPr lang="en-US" sz="1500" dirty="0">
-                  <a:latin typeface="Montserrat" panose="00000500000000000000" pitchFamily="2" charset="0"/>
-                </a:endParaRPr>
-              </a:p>
-              <a:p>
-                <a:pPr marL="0" indent="0">
-                  <a:lnSpc>
-                    <a:spcPct val="150000"/>
-                  </a:lnSpc>
-                  <a:buNone/>
-                </a:pPr>
                 <a:endParaRPr lang="en-US" sz="1800" dirty="0">
                   <a:latin typeface="Montserrat" panose="00000500000000000000" pitchFamily="2" charset="0"/>
                 </a:endParaRPr>
@@ -8085,52 +8114,58 @@
                 </a:pPr>
                 <a:r>
                   <a:rPr lang="ru-RU" sz="1500" dirty="0"/>
-                  <a:t>Взаимозаменяемое благо </a:t>
+                  <a:t>взаимозаменяемое благо </a:t>
                 </a:r>
                 <a14:m>
                   <m:oMath xmlns:m="http://schemas.openxmlformats.org/officeDocument/2006/math">
                     <m:sSubSup>
                       <m:sSubSupPr>
                         <m:ctrlPr>
-                          <a:rPr lang="en-US" sz="1500" i="1" smtClean="0">
+                          <a:rPr lang="en-US" sz="1500" b="1" i="1" smtClean="0">
                             <a:latin typeface="Cambria Math" panose="02040503050406030204" pitchFamily="18" charset="0"/>
                           </a:rPr>
                         </m:ctrlPr>
                       </m:sSubSupPr>
                       <m:e>
                         <m:r>
-                          <a:rPr lang="en-US" sz="1500" b="0" i="1" smtClean="0">
+                          <a:rPr lang="en-US" sz="1500" b="1" i="1" smtClean="0">
                             <a:latin typeface="Cambria Math" panose="02040503050406030204" pitchFamily="18" charset="0"/>
                           </a:rPr>
-                          <m:t>𝐸</m:t>
+                          <m:t>𝑬</m:t>
                         </m:r>
                       </m:e>
                       <m:sub>
                         <m:r>
-                          <a:rPr lang="en-US" sz="1500" b="0" i="1" smtClean="0">
+                          <a:rPr lang="en-US" sz="1500" b="1" i="1" smtClean="0">
                             <a:latin typeface="Cambria Math" panose="02040503050406030204" pitchFamily="18" charset="0"/>
                           </a:rPr>
-                          <m:t>𝑋𝑌</m:t>
+                          <m:t>𝑿𝒀</m:t>
                         </m:r>
                       </m:sub>
                       <m:sup>
                         <m:r>
-                          <a:rPr lang="en-US" sz="1500" b="0" i="1" smtClean="0">
+                          <a:rPr lang="en-US" sz="1500" b="1" i="1" smtClean="0">
                             <a:latin typeface="Cambria Math" panose="02040503050406030204" pitchFamily="18" charset="0"/>
                           </a:rPr>
-                          <m:t>𝐷</m:t>
+                          <m:t>𝑫</m:t>
                         </m:r>
                       </m:sup>
                     </m:sSubSup>
                     <m:r>
-                      <a:rPr lang="en-US" sz="1500" b="0" i="1" smtClean="0">
+                      <a:rPr lang="en-US" sz="1500" b="1" i="1" smtClean="0">
                         <a:latin typeface="Cambria Math" panose="02040503050406030204" pitchFamily="18" charset="0"/>
                       </a:rPr>
-                      <m:t>&gt;0</m:t>
+                      <m:t>&gt;</m:t>
+                    </m:r>
+                    <m:r>
+                      <a:rPr lang="en-US" sz="1500" b="1" i="1" smtClean="0">
+                        <a:latin typeface="Cambria Math" panose="02040503050406030204" pitchFamily="18" charset="0"/>
+                      </a:rPr>
+                      <m:t>𝟎</m:t>
                     </m:r>
                   </m:oMath>
                 </a14:m>
-                <a:endParaRPr lang="ru-RU" sz="1500" dirty="0"/>
+                <a:endParaRPr lang="ru-RU" sz="1500" b="1" dirty="0"/>
               </a:p>
               <a:p>
                 <a:pPr marL="342900" indent="-342900">
@@ -8142,52 +8177,58 @@
                 </a:pPr>
                 <a:r>
                   <a:rPr lang="ru-RU" sz="1500" dirty="0"/>
-                  <a:t>Комплементарные благ </a:t>
+                  <a:t>комплементарные благ </a:t>
                 </a:r>
                 <a14:m>
                   <m:oMath xmlns:m="http://schemas.openxmlformats.org/officeDocument/2006/math">
                     <m:sSubSup>
                       <m:sSubSupPr>
                         <m:ctrlPr>
-                          <a:rPr lang="en-US" sz="1500" i="1" smtClean="0">
+                          <a:rPr lang="en-US" sz="1500" b="1" i="1" smtClean="0">
                             <a:latin typeface="Cambria Math" panose="02040503050406030204" pitchFamily="18" charset="0"/>
                           </a:rPr>
                         </m:ctrlPr>
                       </m:sSubSupPr>
                       <m:e>
                         <m:r>
-                          <a:rPr lang="en-US" sz="1500" b="0" i="1" smtClean="0">
+                          <a:rPr lang="en-US" sz="1500" b="1" i="1" smtClean="0">
                             <a:latin typeface="Cambria Math" panose="02040503050406030204" pitchFamily="18" charset="0"/>
                           </a:rPr>
-                          <m:t>𝐸</m:t>
+                          <m:t>𝑬</m:t>
                         </m:r>
                       </m:e>
                       <m:sub>
                         <m:r>
-                          <a:rPr lang="en-US" sz="1500" b="0" i="1" smtClean="0">
+                          <a:rPr lang="en-US" sz="1500" b="1" i="1" smtClean="0">
                             <a:latin typeface="Cambria Math" panose="02040503050406030204" pitchFamily="18" charset="0"/>
                           </a:rPr>
-                          <m:t>𝑋𝑌</m:t>
+                          <m:t>𝑿𝒀</m:t>
                         </m:r>
                       </m:sub>
                       <m:sup>
                         <m:r>
-                          <a:rPr lang="en-US" sz="1500" b="0" i="1" smtClean="0">
+                          <a:rPr lang="en-US" sz="1500" b="1" i="1" smtClean="0">
                             <a:latin typeface="Cambria Math" panose="02040503050406030204" pitchFamily="18" charset="0"/>
                           </a:rPr>
-                          <m:t>𝐷</m:t>
+                          <m:t>𝑫</m:t>
                         </m:r>
                       </m:sup>
                     </m:sSubSup>
                     <m:r>
-                      <a:rPr lang="en-US" sz="1500" b="0" i="1" smtClean="0">
+                      <a:rPr lang="en-US" sz="1500" b="1" i="1" smtClean="0">
                         <a:latin typeface="Cambria Math" panose="02040503050406030204" pitchFamily="18" charset="0"/>
                       </a:rPr>
-                      <m:t>&lt;0</m:t>
+                      <m:t>&lt;</m:t>
+                    </m:r>
+                    <m:r>
+                      <a:rPr lang="en-US" sz="1500" b="1" i="1" smtClean="0">
+                        <a:latin typeface="Cambria Math" panose="02040503050406030204" pitchFamily="18" charset="0"/>
+                      </a:rPr>
+                      <m:t>𝟎</m:t>
                     </m:r>
                   </m:oMath>
                 </a14:m>
-                <a:endParaRPr lang="ru-RU" sz="1500" dirty="0"/>
+                <a:endParaRPr lang="ru-RU" sz="1500" b="1" dirty="0"/>
               </a:p>
               <a:p>
                 <a:pPr marL="342900" indent="-342900">
@@ -8199,52 +8240,58 @@
                 </a:pPr>
                 <a:r>
                   <a:rPr lang="ru-RU" sz="1500" dirty="0"/>
-                  <a:t>Независимые друг от друга блага </a:t>
+                  <a:t>независимые друг от друга блага </a:t>
                 </a:r>
                 <a14:m>
                   <m:oMath xmlns:m="http://schemas.openxmlformats.org/officeDocument/2006/math">
                     <m:sSubSup>
                       <m:sSubSupPr>
                         <m:ctrlPr>
-                          <a:rPr lang="en-US" sz="1500" i="1" smtClean="0">
+                          <a:rPr lang="en-US" sz="1500" b="1" i="1" smtClean="0">
                             <a:latin typeface="Cambria Math" panose="02040503050406030204" pitchFamily="18" charset="0"/>
                           </a:rPr>
                         </m:ctrlPr>
                       </m:sSubSupPr>
                       <m:e>
                         <m:r>
-                          <a:rPr lang="en-US" sz="1500" b="0" i="1" smtClean="0">
+                          <a:rPr lang="en-US" sz="1500" b="1" i="1" smtClean="0">
                             <a:latin typeface="Cambria Math" panose="02040503050406030204" pitchFamily="18" charset="0"/>
                           </a:rPr>
-                          <m:t>𝐸</m:t>
+                          <m:t>𝑬</m:t>
                         </m:r>
                       </m:e>
                       <m:sub>
                         <m:r>
-                          <a:rPr lang="en-US" sz="1500" b="0" i="1" smtClean="0">
+                          <a:rPr lang="en-US" sz="1500" b="1" i="1" smtClean="0">
                             <a:latin typeface="Cambria Math" panose="02040503050406030204" pitchFamily="18" charset="0"/>
                           </a:rPr>
-                          <m:t>𝑋𝑌</m:t>
+                          <m:t>𝑿𝒀</m:t>
                         </m:r>
                       </m:sub>
                       <m:sup>
                         <m:r>
-                          <a:rPr lang="en-US" sz="1500" b="0" i="1" smtClean="0">
+                          <a:rPr lang="en-US" sz="1500" b="1" i="1" smtClean="0">
                             <a:latin typeface="Cambria Math" panose="02040503050406030204" pitchFamily="18" charset="0"/>
                           </a:rPr>
-                          <m:t>𝐷</m:t>
+                          <m:t>𝑫</m:t>
                         </m:r>
                       </m:sup>
                     </m:sSubSup>
                     <m:r>
-                      <a:rPr lang="en-US" sz="1500" b="0" i="1" smtClean="0">
+                      <a:rPr lang="en-US" sz="1500" b="1" i="1" smtClean="0">
                         <a:latin typeface="Cambria Math" panose="02040503050406030204" pitchFamily="18" charset="0"/>
                       </a:rPr>
-                      <m:t>=0</m:t>
+                      <m:t>=</m:t>
+                    </m:r>
+                    <m:r>
+                      <a:rPr lang="en-US" sz="1500" b="1" i="1" smtClean="0">
+                        <a:latin typeface="Cambria Math" panose="02040503050406030204" pitchFamily="18" charset="0"/>
+                      </a:rPr>
+                      <m:t>𝟎</m:t>
                     </m:r>
                   </m:oMath>
                 </a14:m>
-                <a:endParaRPr lang="ru-RU" sz="1500" dirty="0"/>
+                <a:endParaRPr lang="ru-RU" sz="1500" b="1" dirty="0"/>
               </a:p>
               <a:p>
                 <a:pPr marL="0" indent="0">
@@ -8279,7 +8326,7 @@
               <a:blipFill>
                 <a:blip r:embed="rId3"/>
                 <a:stretch>
-                  <a:fillRect l="-290"/>
+                  <a:fillRect l="-522"/>
                 </a:stretch>
               </a:blipFill>
             </p:spPr>
@@ -8458,8 +8505,8 @@
           </a:p>
         </p:txBody>
       </p:sp>
-      <mc:AlternateContent xmlns:mc="http://schemas.openxmlformats.org/markup-compatibility/2006">
-        <mc:Choice xmlns:a14="http://schemas.microsoft.com/office/drawing/2010/main" Requires="a14">
+      <mc:AlternateContent xmlns:mc="http://schemas.openxmlformats.org/markup-compatibility/2006" xmlns:a14="http://schemas.microsoft.com/office/drawing/2010/main">
+        <mc:Choice Requires="a14">
           <p:sp>
             <p:nvSpPr>
               <p:cNvPr id="3" name="Объект 2"/>
@@ -8484,13 +8531,13 @@
                   <a:buNone/>
                 </a:pPr>
                 <a:r>
-                  <a:rPr lang="ru-RU" sz="1500" dirty="0">
+                  <a:rPr lang="ru-RU" sz="1800" dirty="0">
                     <a:latin typeface="Montserrat" panose="00000500000000000000" pitchFamily="2" charset="0"/>
                   </a:rPr>
                   <a:t>демонстрирует, как </a:t>
                 </a:r>
                 <a:r>
-                  <a:rPr lang="ru-RU" sz="1500" dirty="0">
+                  <a:rPr lang="ru-RU" sz="1800" dirty="0">
                     <a:solidFill>
                       <a:srgbClr val="326CDB"/>
                     </a:solidFill>
@@ -8499,12 +8546,12 @@
                   <a:t>продавцы</a:t>
                 </a:r>
                 <a:r>
-                  <a:rPr lang="ru-RU" sz="1500" dirty="0">
+                  <a:rPr lang="ru-RU" sz="1800" dirty="0">
                     <a:latin typeface="Montserrat" panose="00000500000000000000" pitchFamily="2" charset="0"/>
                   </a:rPr>
                   <a:t> реагируют на изменение цены: увеличивают или уменьшают объемы продукции на рынке</a:t>
                 </a:r>
-                <a:endParaRPr lang="en-US" sz="1500" dirty="0">
+                <a:endParaRPr lang="en-US" sz="1800" dirty="0">
                   <a:latin typeface="Montserrat" panose="00000500000000000000" pitchFamily="2" charset="0"/>
                 </a:endParaRPr>
               </a:p>
@@ -8774,7 +8821,7 @@
             </p:txBody>
           </p:sp>
         </mc:Choice>
-        <mc:Fallback>
+        <mc:Fallback xmlns="">
           <p:sp>
             <p:nvSpPr>
               <p:cNvPr id="3" name="Объект 2"/>
@@ -8789,7 +8836,7 @@
               <a:blipFill>
                 <a:blip r:embed="rId3"/>
                 <a:stretch>
-                  <a:fillRect l="-232"/>
+                  <a:fillRect l="-522"/>
                 </a:stretch>
               </a:blipFill>
             </p:spPr>
@@ -9027,7 +9074,7 @@
               <a:rPr lang="ru-RU" sz="1500" dirty="0">
                 <a:latin typeface="Montserrat" panose="00000500000000000000" pitchFamily="2" charset="0"/>
               </a:rPr>
-              <a:t>— существует только одна цена, по которой товар будет предлагаться на рынке. </a:t>
+              <a:t>— существует только одна цена, по которой товар будет предлагаться на рынке.</a:t>
             </a:r>
           </a:p>
           <a:p>
@@ -9049,7 +9096,7 @@
               <a:rPr lang="ru-RU" sz="1500" dirty="0">
                 <a:latin typeface="Montserrat" panose="00000500000000000000" pitchFamily="2" charset="0"/>
               </a:rPr>
-              <a:t>— при изменении цены предложение существенно изменяется. </a:t>
+              <a:t>— при изменении цены предложение существенно изменяется </a:t>
             </a:r>
           </a:p>
           <a:p>
@@ -9093,7 +9140,7 @@
               <a:rPr lang="ru-RU" sz="1500" dirty="0">
                 <a:latin typeface="Montserrat" panose="00000500000000000000" pitchFamily="2" charset="0"/>
               </a:rPr>
-              <a:t>— как бы ни менялась цена, предложение будет постоянно на одном уровне. </a:t>
+              <a:t>— как бы ни менялась цена, предложение будет постоянно на одном уровне</a:t>
             </a:r>
           </a:p>
         </p:txBody>
@@ -11428,7 +11475,7 @@
               <a:rPr lang="ru-RU" sz="1800" dirty="0">
                 <a:latin typeface="Montserrat" panose="00000500000000000000" pitchFamily="2" charset="0"/>
               </a:rPr>
-              <a:t>— точка, в которой объём спроса на товар равен объёму его предложения.</a:t>
+              <a:t>— точка, в которой объём спроса на товар равен объёму его предложения</a:t>
             </a:r>
           </a:p>
           <a:p>
@@ -11748,7 +11795,7 @@
               <a:rPr lang="ru-RU" sz="1800" dirty="0">
                 <a:latin typeface="Montserrat" panose="00000500000000000000" pitchFamily="2" charset="0"/>
               </a:rPr>
-              <a:t>эластичностью спроса и предложения понимают то, как эти показатели реагируют на изменение цены.</a:t>
+              <a:t>эластичностью спроса и предложения понимают то, как эти показатели реагируют на изменение цены</a:t>
             </a:r>
           </a:p>
           <a:p>
@@ -12039,8 +12086,8 @@
           </a:p>
         </p:txBody>
       </p:sp>
-      <mc:AlternateContent xmlns:mc="http://schemas.openxmlformats.org/markup-compatibility/2006">
-        <mc:Choice xmlns:a14="http://schemas.microsoft.com/office/drawing/2010/main" Requires="a14">
+      <mc:AlternateContent xmlns:mc="http://schemas.openxmlformats.org/markup-compatibility/2006" xmlns:a14="http://schemas.microsoft.com/office/drawing/2010/main">
+        <mc:Choice Requires="a14">
           <p:sp>
             <p:nvSpPr>
               <p:cNvPr id="3" name="Объект 2"/>
@@ -12054,7 +12101,7 @@
             <p:spPr/>
             <p:txBody>
               <a:bodyPr anchor="t">
-                <a:normAutofit lnSpcReduction="10000"/>
+                <a:normAutofit/>
               </a:bodyPr>
               <a:lstStyle/>
               <a:p>
@@ -12343,7 +12390,7 @@
             </p:txBody>
           </p:sp>
         </mc:Choice>
-        <mc:Fallback>
+        <mc:Fallback xmlns="">
           <p:sp>
             <p:nvSpPr>
               <p:cNvPr id="3" name="Объект 2"/>
@@ -12358,7 +12405,7 @@
               <a:blipFill>
                 <a:blip r:embed="rId3"/>
                 <a:stretch>
-                  <a:fillRect l="-522"/>
+                  <a:fillRect l="-603"/>
                 </a:stretch>
               </a:blipFill>
             </p:spPr>
@@ -12367,7 +12414,7 @@
               <a:lstStyle/>
               <a:p>
                 <a:r>
-                  <a:rPr lang="ru-RU">
+                  <a:rPr lang="en-RU">
                     <a:noFill/>
                   </a:rPr>
                   <a:t> </a:t>
@@ -12568,13 +12615,13 @@
         </p:nvSpPr>
         <p:spPr>
           <a:xfrm>
-            <a:off x="838200" y="2187574"/>
+            <a:off x="838200" y="1936457"/>
             <a:ext cx="6229350" cy="3575917"/>
           </a:xfrm>
         </p:spPr>
         <p:txBody>
           <a:bodyPr>
-            <a:normAutofit fontScale="92500" lnSpcReduction="10000"/>
+            <a:noAutofit/>
           </a:bodyPr>
           <a:lstStyle/>
           <a:p>
@@ -12833,7 +12880,7 @@
         </p:blipFill>
         <p:spPr>
           <a:xfrm>
-            <a:off x="7067550" y="2187574"/>
+            <a:off x="7067550" y="1936457"/>
             <a:ext cx="4286250" cy="3429000"/>
           </a:xfrm>
           <a:prstGeom prst="rect">
